--- a/murach_html_4e/slides/Chapter 7 slides (Revised).pptx
+++ b/murach_html_4e/slides/Chapter 7 slides (Revised).pptx
@@ -5,10 +5,10 @@
     <p:sldMasterId id="2147483669" r:id="rId1"/>
   </p:sldMasterIdLst>
   <p:notesMasterIdLst>
-    <p:notesMasterId r:id="rId59"/>
+    <p:notesMasterId r:id="rId60"/>
   </p:notesMasterIdLst>
   <p:handoutMasterIdLst>
-    <p:handoutMasterId r:id="rId60"/>
+    <p:handoutMasterId r:id="rId61"/>
   </p:handoutMasterIdLst>
   <p:sldIdLst>
     <p:sldId id="256" r:id="rId2"/>
@@ -68,6 +68,7 @@
     <p:sldId id="311" r:id="rId56"/>
     <p:sldId id="312" r:id="rId57"/>
     <p:sldId id="313" r:id="rId58"/>
+    <p:sldId id="314" r:id="rId59"/>
   </p:sldIdLst>
   <p:sldSz cx="9144000" cy="6858000" type="screen4x3"/>
   <p:notesSz cx="7010400" cy="9296400"/>
@@ -386,7 +387,7 @@
               <a:pPr>
                 <a:defRPr/>
               </a:pPr>
-              <a:t>3/2/2018</a:t>
+              <a:t>6/16/2020</a:t>
             </a:fld>
             <a:endParaRPr lang="en-US"/>
           </a:p>
@@ -1075,7 +1076,7 @@
           <p:cNvPr id="6" name="Title 5">
             <a:extLst>
               <a:ext uri="{FF2B5EF4-FFF2-40B4-BE49-F238E27FC236}">
-                <a16:creationId xmlns:a16="http://schemas.microsoft.com/office/drawing/2014/main" xmlns="" id="{EC3A72EA-95A4-4971-A611-08118360D51D}"/>
+                <a16:creationId xmlns:a16="http://schemas.microsoft.com/office/drawing/2014/main" id="{EC3A72EA-95A4-4971-A611-08118360D51D}"/>
               </a:ext>
             </a:extLst>
           </p:cNvPr>
@@ -1103,7 +1104,7 @@
           <p:cNvPr id="2" name="Date Placeholder 1">
             <a:extLst>
               <a:ext uri="{FF2B5EF4-FFF2-40B4-BE49-F238E27FC236}">
-                <a16:creationId xmlns:a16="http://schemas.microsoft.com/office/drawing/2014/main" xmlns="" id="{805C1F24-BFF2-4185-85BB-A0DFC365FCD9}"/>
+                <a16:creationId xmlns:a16="http://schemas.microsoft.com/office/drawing/2014/main" id="{805C1F24-BFF2-4185-85BB-A0DFC365FCD9}"/>
               </a:ext>
             </a:extLst>
           </p:cNvPr>
@@ -1135,7 +1136,7 @@
           <p:cNvPr id="3" name="Footer Placeholder 2">
             <a:extLst>
               <a:ext uri="{FF2B5EF4-FFF2-40B4-BE49-F238E27FC236}">
-                <a16:creationId xmlns:a16="http://schemas.microsoft.com/office/drawing/2014/main" xmlns="" id="{9D0D137B-59BC-486D-BF00-F2FFE59AC0D5}"/>
+                <a16:creationId xmlns:a16="http://schemas.microsoft.com/office/drawing/2014/main" id="{9D0D137B-59BC-486D-BF00-F2FFE59AC0D5}"/>
               </a:ext>
             </a:extLst>
           </p:cNvPr>
@@ -1167,7 +1168,7 @@
           <p:cNvPr id="4" name="Slide Number Placeholder 3">
             <a:extLst>
               <a:ext uri="{FF2B5EF4-FFF2-40B4-BE49-F238E27FC236}">
-                <a16:creationId xmlns:a16="http://schemas.microsoft.com/office/drawing/2014/main" xmlns="" id="{C31921E1-018C-46BC-A8C8-322A2940309F}"/>
+                <a16:creationId xmlns:a16="http://schemas.microsoft.com/office/drawing/2014/main" id="{C31921E1-018C-46BC-A8C8-322A2940309F}"/>
               </a:ext>
             </a:extLst>
           </p:cNvPr>
@@ -1370,7 +1371,7 @@
           <p:cNvPr id="10" name="Date Placeholder 9">
             <a:extLst>
               <a:ext uri="{FF2B5EF4-FFF2-40B4-BE49-F238E27FC236}">
-                <a16:creationId xmlns:a16="http://schemas.microsoft.com/office/drawing/2014/main" xmlns="" id="{6AD71E90-A095-4E69-9451-395CD82372CC}"/>
+                <a16:creationId xmlns:a16="http://schemas.microsoft.com/office/drawing/2014/main" id="{6AD71E90-A095-4E69-9451-395CD82372CC}"/>
               </a:ext>
             </a:extLst>
           </p:cNvPr>
@@ -1402,7 +1403,7 @@
           <p:cNvPr id="11" name="Footer Placeholder 10">
             <a:extLst>
               <a:ext uri="{FF2B5EF4-FFF2-40B4-BE49-F238E27FC236}">
-                <a16:creationId xmlns:a16="http://schemas.microsoft.com/office/drawing/2014/main" xmlns="" id="{9897A521-89BB-45E2-8829-2778F464A7B2}"/>
+                <a16:creationId xmlns:a16="http://schemas.microsoft.com/office/drawing/2014/main" id="{9897A521-89BB-45E2-8829-2778F464A7B2}"/>
               </a:ext>
             </a:extLst>
           </p:cNvPr>
@@ -1434,7 +1435,7 @@
           <p:cNvPr id="12" name="Slide Number Placeholder 11">
             <a:extLst>
               <a:ext uri="{FF2B5EF4-FFF2-40B4-BE49-F238E27FC236}">
-                <a16:creationId xmlns:a16="http://schemas.microsoft.com/office/drawing/2014/main" xmlns="" id="{E67A9A81-694D-4639-A4B6-89156A3472C8}"/>
+                <a16:creationId xmlns:a16="http://schemas.microsoft.com/office/drawing/2014/main" id="{E67A9A81-694D-4639-A4B6-89156A3472C8}"/>
               </a:ext>
             </a:extLst>
           </p:cNvPr>
@@ -1621,7 +1622,7 @@
           <p:cNvPr id="3" name="Date Placeholder 2">
             <a:extLst>
               <a:ext uri="{FF2B5EF4-FFF2-40B4-BE49-F238E27FC236}">
-                <a16:creationId xmlns:a16="http://schemas.microsoft.com/office/drawing/2014/main" xmlns="" id="{03A7B6BB-4346-41AB-8BAF-8B6DEFB48F7A}"/>
+                <a16:creationId xmlns:a16="http://schemas.microsoft.com/office/drawing/2014/main" id="{03A7B6BB-4346-41AB-8BAF-8B6DEFB48F7A}"/>
               </a:ext>
             </a:extLst>
           </p:cNvPr>
@@ -1653,7 +1654,7 @@
           <p:cNvPr id="4" name="Footer Placeholder 3">
             <a:extLst>
               <a:ext uri="{FF2B5EF4-FFF2-40B4-BE49-F238E27FC236}">
-                <a16:creationId xmlns:a16="http://schemas.microsoft.com/office/drawing/2014/main" xmlns="" id="{C3A322FD-6B4A-490F-ACE4-6D1F18620472}"/>
+                <a16:creationId xmlns:a16="http://schemas.microsoft.com/office/drawing/2014/main" id="{C3A322FD-6B4A-490F-ACE4-6D1F18620472}"/>
               </a:ext>
             </a:extLst>
           </p:cNvPr>
@@ -1685,7 +1686,7 @@
           <p:cNvPr id="6" name="Slide Number Placeholder 5">
             <a:extLst>
               <a:ext uri="{FF2B5EF4-FFF2-40B4-BE49-F238E27FC236}">
-                <a16:creationId xmlns:a16="http://schemas.microsoft.com/office/drawing/2014/main" xmlns="" id="{CBEB5B42-F45F-4D47-A4D6-D98ACFA3A4E4}"/>
+                <a16:creationId xmlns:a16="http://schemas.microsoft.com/office/drawing/2014/main" id="{CBEB5B42-F45F-4D47-A4D6-D98ACFA3A4E4}"/>
               </a:ext>
             </a:extLst>
           </p:cNvPr>
@@ -2598,7 +2599,7 @@
           <p:cNvPr id="3" name="Title 2">
             <a:extLst>
               <a:ext uri="{FF2B5EF4-FFF2-40B4-BE49-F238E27FC236}">
-                <a16:creationId xmlns:a16="http://schemas.microsoft.com/office/drawing/2014/main" xmlns="" id="{3D0D66C3-B4F9-4680-BE2F-E7D63605C468}"/>
+                <a16:creationId xmlns:a16="http://schemas.microsoft.com/office/drawing/2014/main" id="{3D0D66C3-B4F9-4680-BE2F-E7D63605C468}"/>
               </a:ext>
             </a:extLst>
           </p:cNvPr>
@@ -2649,7 +2650,7 @@
           <p:cNvPr id="2" name="Text Placeholder 1">
             <a:extLst>
               <a:ext uri="{FF2B5EF4-FFF2-40B4-BE49-F238E27FC236}">
-                <a16:creationId xmlns:a16="http://schemas.microsoft.com/office/drawing/2014/main" xmlns="" id="{A683E44D-4E7B-4942-97AB-42AFF39D85D9}"/>
+                <a16:creationId xmlns:a16="http://schemas.microsoft.com/office/drawing/2014/main" id="{A683E44D-4E7B-4942-97AB-42AFF39D85D9}"/>
               </a:ext>
             </a:extLst>
           </p:cNvPr>
@@ -2682,6 +2683,17 @@
               </a:tabLst>
             </a:pPr>
             <a:r>
+              <a:rPr lang="en-US">
+                <a:solidFill>
+                  <a:srgbClr val="000000"/>
+                </a:solidFill>
+                <a:latin typeface="Arial" panose="020B0604020202020204" pitchFamily="34" charset="0"/>
+                <a:ea typeface="Times New Roman" panose="02020603050405020304" pitchFamily="18" charset="0"/>
+                <a:cs typeface="Times New Roman" panose="02020603050405020304" pitchFamily="18" charset="0"/>
+              </a:rPr>
+              <a:t>Navigation </a:t>
+            </a:r>
+            <a:r>
               <a:rPr lang="en-US" dirty="0">
                 <a:solidFill>
                   <a:srgbClr val="000000"/>
@@ -2690,10 +2702,10 @@
                 <a:ea typeface="Times New Roman" panose="02020603050405020304" pitchFamily="18" charset="0"/>
                 <a:cs typeface="Times New Roman" panose="02020603050405020304" pitchFamily="18" charset="0"/>
               </a:rPr>
-              <a:t>How to work</a:t>
-            </a:r>
-            <a:br>
-              <a:rPr lang="en-US" dirty="0">
+              <a:t>M</a:t>
+            </a:r>
+            <a:r>
+              <a:rPr lang="en-US">
                 <a:solidFill>
                   <a:srgbClr val="000000"/>
                 </a:solidFill>
@@ -2701,18 +2713,16 @@
                 <a:ea typeface="Times New Roman" panose="02020603050405020304" pitchFamily="18" charset="0"/>
                 <a:cs typeface="Times New Roman" panose="02020603050405020304" pitchFamily="18" charset="0"/>
               </a:rPr>
-            </a:br>
-            <a:r>
-              <a:rPr lang="en-US" dirty="0">
-                <a:solidFill>
-                  <a:srgbClr val="000000"/>
-                </a:solidFill>
-                <a:latin typeface="Arial" panose="020B0604020202020204" pitchFamily="34" charset="0"/>
-                <a:ea typeface="Times New Roman" panose="02020603050405020304" pitchFamily="18" charset="0"/>
-                <a:cs typeface="Times New Roman" panose="02020603050405020304" pitchFamily="18" charset="0"/>
-              </a:rPr>
-              <a:t>with lists, links, and navigation menus</a:t>
-            </a:r>
+              <a:t>enus</a:t>
+            </a:r>
+            <a:endParaRPr lang="en-US" dirty="0">
+              <a:solidFill>
+                <a:srgbClr val="000000"/>
+              </a:solidFill>
+              <a:latin typeface="Arial" panose="020B0604020202020204" pitchFamily="34" charset="0"/>
+              <a:ea typeface="Times New Roman" panose="02020603050405020304" pitchFamily="18" charset="0"/>
+              <a:cs typeface="Times New Roman" panose="02020603050405020304" pitchFamily="18" charset="0"/>
+            </a:endParaRPr>
           </a:p>
           <a:p>
             <a:endParaRPr lang="en-US" dirty="0"/>
@@ -2724,7 +2734,7 @@
           <p:cNvPr id="5" name="Footer Placeholder 4">
             <a:extLst>
               <a:ext uri="{FF2B5EF4-FFF2-40B4-BE49-F238E27FC236}">
-                <a16:creationId xmlns:a16="http://schemas.microsoft.com/office/drawing/2014/main" xmlns="" id="{122A3984-E668-431C-B47A-D79A7058C76A}"/>
+                <a16:creationId xmlns:a16="http://schemas.microsoft.com/office/drawing/2014/main" id="{122A3984-E668-431C-B47A-D79A7058C76A}"/>
               </a:ext>
             </a:extLst>
           </p:cNvPr>
@@ -2761,7 +2771,7 @@
           <p:cNvPr id="4" name="Date Placeholder 3">
             <a:extLst>
               <a:ext uri="{FF2B5EF4-FFF2-40B4-BE49-F238E27FC236}">
-                <a16:creationId xmlns:a16="http://schemas.microsoft.com/office/drawing/2014/main" xmlns="" id="{63358075-7189-4561-A4E5-98C8C46EDDC9}"/>
+                <a16:creationId xmlns:a16="http://schemas.microsoft.com/office/drawing/2014/main" id="{63358075-7189-4561-A4E5-98C8C46EDDC9}"/>
               </a:ext>
             </a:extLst>
           </p:cNvPr>
@@ -2798,7 +2808,7 @@
           <p:cNvPr id="6" name="Slide Number Placeholder 5">
             <a:extLst>
               <a:ext uri="{FF2B5EF4-FFF2-40B4-BE49-F238E27FC236}">
-                <a16:creationId xmlns:a16="http://schemas.microsoft.com/office/drawing/2014/main" xmlns="" id="{4AFF6169-E941-478B-83FF-531399080CB6}"/>
+                <a16:creationId xmlns:a16="http://schemas.microsoft.com/office/drawing/2014/main" id="{4AFF6169-E941-478B-83FF-531399080CB6}"/>
               </a:ext>
             </a:extLst>
           </p:cNvPr>
@@ -2892,7 +2902,7 @@
           <p:cNvPr id="2" name="Title 1">
             <a:extLst>
               <a:ext uri="{FF2B5EF4-FFF2-40B4-BE49-F238E27FC236}">
-                <a16:creationId xmlns:a16="http://schemas.microsoft.com/office/drawing/2014/main" xmlns="" id="{BF809E60-8CD8-4413-A597-8B1BE50F8DF8}"/>
+                <a16:creationId xmlns:a16="http://schemas.microsoft.com/office/drawing/2014/main" id="{BF809E60-8CD8-4413-A597-8B1BE50F8DF8}"/>
               </a:ext>
             </a:extLst>
           </p:cNvPr>
@@ -2941,7 +2951,7 @@
           <p:cNvPr id="7" name="Content Placeholder 6" descr="See page 246 in book" title="See slide title">
             <a:extLst>
               <a:ext uri="{FF2B5EF4-FFF2-40B4-BE49-F238E27FC236}">
-                <a16:creationId xmlns:a16="http://schemas.microsoft.com/office/drawing/2014/main" xmlns="" id="{671052B5-6E3C-4B87-9904-5C5F74585A3D}"/>
+                <a16:creationId xmlns:a16="http://schemas.microsoft.com/office/drawing/2014/main" id="{671052B5-6E3C-4B87-9904-5C5F74585A3D}"/>
               </a:ext>
             </a:extLst>
           </p:cNvPr>
@@ -2979,7 +2989,7 @@
           <p:cNvPr id="5" name="Footer Placeholder 4">
             <a:extLst>
               <a:ext uri="{FF2B5EF4-FFF2-40B4-BE49-F238E27FC236}">
-                <a16:creationId xmlns:a16="http://schemas.microsoft.com/office/drawing/2014/main" xmlns="" id="{1160FA0E-E428-456B-A961-845F7C4F8536}"/>
+                <a16:creationId xmlns:a16="http://schemas.microsoft.com/office/drawing/2014/main" id="{1160FA0E-E428-456B-A961-845F7C4F8536}"/>
               </a:ext>
             </a:extLst>
           </p:cNvPr>
@@ -3011,7 +3021,7 @@
           <p:cNvPr id="4" name="Date Placeholder 3">
             <a:extLst>
               <a:ext uri="{FF2B5EF4-FFF2-40B4-BE49-F238E27FC236}">
-                <a16:creationId xmlns:a16="http://schemas.microsoft.com/office/drawing/2014/main" xmlns="" id="{CC18D755-1A5A-4905-B8B7-B6D890AD0DD1}"/>
+                <a16:creationId xmlns:a16="http://schemas.microsoft.com/office/drawing/2014/main" id="{CC18D755-1A5A-4905-B8B7-B6D890AD0DD1}"/>
               </a:ext>
             </a:extLst>
           </p:cNvPr>
@@ -3043,7 +3053,7 @@
           <p:cNvPr id="6" name="Slide Number Placeholder 5">
             <a:extLst>
               <a:ext uri="{FF2B5EF4-FFF2-40B4-BE49-F238E27FC236}">
-                <a16:creationId xmlns:a16="http://schemas.microsoft.com/office/drawing/2014/main" xmlns="" id="{A4BCD259-4F80-4D86-AD46-770BFE4EAFCE}"/>
+                <a16:creationId xmlns:a16="http://schemas.microsoft.com/office/drawing/2014/main" id="{A4BCD259-4F80-4D86-AD46-770BFE4EAFCE}"/>
               </a:ext>
             </a:extLst>
           </p:cNvPr>
@@ -3132,7 +3142,7 @@
           <p:cNvPr id="2" name="Title 1">
             <a:extLst>
               <a:ext uri="{FF2B5EF4-FFF2-40B4-BE49-F238E27FC236}">
-                <a16:creationId xmlns:a16="http://schemas.microsoft.com/office/drawing/2014/main" xmlns="" id="{08313786-6BD9-419D-9B6C-0F88190BD3F8}"/>
+                <a16:creationId xmlns:a16="http://schemas.microsoft.com/office/drawing/2014/main" id="{08313786-6BD9-419D-9B6C-0F88190BD3F8}"/>
               </a:ext>
             </a:extLst>
           </p:cNvPr>
@@ -3181,7 +3191,7 @@
           <p:cNvPr id="3" name="Text Placeholder 2">
             <a:extLst>
               <a:ext uri="{FF2B5EF4-FFF2-40B4-BE49-F238E27FC236}">
-                <a16:creationId xmlns:a16="http://schemas.microsoft.com/office/drawing/2014/main" xmlns="" id="{B29A5EB0-885B-4D7C-9969-16BDC8908CCE}"/>
+                <a16:creationId xmlns:a16="http://schemas.microsoft.com/office/drawing/2014/main" id="{B29A5EB0-885B-4D7C-9969-16BDC8908CCE}"/>
               </a:ext>
             </a:extLst>
           </p:cNvPr>
@@ -3380,7 +3390,7 @@
           <p:cNvPr id="5" name="Footer Placeholder 4">
             <a:extLst>
               <a:ext uri="{FF2B5EF4-FFF2-40B4-BE49-F238E27FC236}">
-                <a16:creationId xmlns:a16="http://schemas.microsoft.com/office/drawing/2014/main" xmlns="" id="{E1809DAB-DF95-4427-A26E-0E785B2219BC}"/>
+                <a16:creationId xmlns:a16="http://schemas.microsoft.com/office/drawing/2014/main" id="{E1809DAB-DF95-4427-A26E-0E785B2219BC}"/>
               </a:ext>
             </a:extLst>
           </p:cNvPr>
@@ -3412,7 +3422,7 @@
           <p:cNvPr id="4" name="Date Placeholder 3">
             <a:extLst>
               <a:ext uri="{FF2B5EF4-FFF2-40B4-BE49-F238E27FC236}">
-                <a16:creationId xmlns:a16="http://schemas.microsoft.com/office/drawing/2014/main" xmlns="" id="{906A5825-0504-4806-9BBF-6402FFA356CF}"/>
+                <a16:creationId xmlns:a16="http://schemas.microsoft.com/office/drawing/2014/main" id="{906A5825-0504-4806-9BBF-6402FFA356CF}"/>
               </a:ext>
             </a:extLst>
           </p:cNvPr>
@@ -3444,7 +3454,7 @@
           <p:cNvPr id="6" name="Slide Number Placeholder 5">
             <a:extLst>
               <a:ext uri="{FF2B5EF4-FFF2-40B4-BE49-F238E27FC236}">
-                <a16:creationId xmlns:a16="http://schemas.microsoft.com/office/drawing/2014/main" xmlns="" id="{F0D9A912-8FE1-407F-A9AE-B58936B1C5CA}"/>
+                <a16:creationId xmlns:a16="http://schemas.microsoft.com/office/drawing/2014/main" id="{F0D9A912-8FE1-407F-A9AE-B58936B1C5CA}"/>
               </a:ext>
             </a:extLst>
           </p:cNvPr>
@@ -3533,7 +3543,7 @@
           <p:cNvPr id="2" name="Title 1">
             <a:extLst>
               <a:ext uri="{FF2B5EF4-FFF2-40B4-BE49-F238E27FC236}">
-                <a16:creationId xmlns:a16="http://schemas.microsoft.com/office/drawing/2014/main" xmlns="" id="{7E93659B-6B23-430F-BA81-FC76B974DB82}"/>
+                <a16:creationId xmlns:a16="http://schemas.microsoft.com/office/drawing/2014/main" id="{7E93659B-6B23-430F-BA81-FC76B974DB82}"/>
               </a:ext>
             </a:extLst>
           </p:cNvPr>
@@ -3582,7 +3592,7 @@
           <p:cNvPr id="3" name="Text Placeholder 2">
             <a:extLst>
               <a:ext uri="{FF2B5EF4-FFF2-40B4-BE49-F238E27FC236}">
-                <a16:creationId xmlns:a16="http://schemas.microsoft.com/office/drawing/2014/main" xmlns="" id="{64DEF1A2-025F-469C-9E4E-CD29A5A26E9D}"/>
+                <a16:creationId xmlns:a16="http://schemas.microsoft.com/office/drawing/2014/main" id="{64DEF1A2-025F-469C-9E4E-CD29A5A26E9D}"/>
               </a:ext>
             </a:extLst>
           </p:cNvPr>
@@ -4217,7 +4227,7 @@
           <p:cNvPr id="5" name="Footer Placeholder 4">
             <a:extLst>
               <a:ext uri="{FF2B5EF4-FFF2-40B4-BE49-F238E27FC236}">
-                <a16:creationId xmlns:a16="http://schemas.microsoft.com/office/drawing/2014/main" xmlns="" id="{F1B33920-02FE-4EE3-BF79-43C18B0ABB1B}"/>
+                <a16:creationId xmlns:a16="http://schemas.microsoft.com/office/drawing/2014/main" id="{F1B33920-02FE-4EE3-BF79-43C18B0ABB1B}"/>
               </a:ext>
             </a:extLst>
           </p:cNvPr>
@@ -4249,7 +4259,7 @@
           <p:cNvPr id="4" name="Date Placeholder 3">
             <a:extLst>
               <a:ext uri="{FF2B5EF4-FFF2-40B4-BE49-F238E27FC236}">
-                <a16:creationId xmlns:a16="http://schemas.microsoft.com/office/drawing/2014/main" xmlns="" id="{B191CF8C-24C7-4581-B366-44D48F8C1E4A}"/>
+                <a16:creationId xmlns:a16="http://schemas.microsoft.com/office/drawing/2014/main" id="{B191CF8C-24C7-4581-B366-44D48F8C1E4A}"/>
               </a:ext>
             </a:extLst>
           </p:cNvPr>
@@ -4281,7 +4291,7 @@
           <p:cNvPr id="6" name="Slide Number Placeholder 5">
             <a:extLst>
               <a:ext uri="{FF2B5EF4-FFF2-40B4-BE49-F238E27FC236}">
-                <a16:creationId xmlns:a16="http://schemas.microsoft.com/office/drawing/2014/main" xmlns="" id="{A47894D5-3A43-4142-B90A-BCB42CA20798}"/>
+                <a16:creationId xmlns:a16="http://schemas.microsoft.com/office/drawing/2014/main" id="{A47894D5-3A43-4142-B90A-BCB42CA20798}"/>
               </a:ext>
             </a:extLst>
           </p:cNvPr>
@@ -4370,7 +4380,7 @@
           <p:cNvPr id="2" name="Title 1">
             <a:extLst>
               <a:ext uri="{FF2B5EF4-FFF2-40B4-BE49-F238E27FC236}">
-                <a16:creationId xmlns:a16="http://schemas.microsoft.com/office/drawing/2014/main" xmlns="" id="{0E36F23E-045F-4B0A-87D6-0E38D13D1B36}"/>
+                <a16:creationId xmlns:a16="http://schemas.microsoft.com/office/drawing/2014/main" id="{0E36F23E-045F-4B0A-87D6-0E38D13D1B36}"/>
               </a:ext>
             </a:extLst>
           </p:cNvPr>
@@ -4419,7 +4429,7 @@
           <p:cNvPr id="7" name="Content Placeholder 6" descr="See page 248 in book" title="See slide title">
             <a:extLst>
               <a:ext uri="{FF2B5EF4-FFF2-40B4-BE49-F238E27FC236}">
-                <a16:creationId xmlns:a16="http://schemas.microsoft.com/office/drawing/2014/main" xmlns="" id="{0B67F516-4AF2-440E-8EA6-9CE852F20977}"/>
+                <a16:creationId xmlns:a16="http://schemas.microsoft.com/office/drawing/2014/main" id="{0B67F516-4AF2-440E-8EA6-9CE852F20977}"/>
               </a:ext>
             </a:extLst>
           </p:cNvPr>
@@ -4457,7 +4467,7 @@
           <p:cNvPr id="5" name="Footer Placeholder 4">
             <a:extLst>
               <a:ext uri="{FF2B5EF4-FFF2-40B4-BE49-F238E27FC236}">
-                <a16:creationId xmlns:a16="http://schemas.microsoft.com/office/drawing/2014/main" xmlns="" id="{08086214-5A14-490E-AFF9-CCFB09BB5FBF}"/>
+                <a16:creationId xmlns:a16="http://schemas.microsoft.com/office/drawing/2014/main" id="{08086214-5A14-490E-AFF9-CCFB09BB5FBF}"/>
               </a:ext>
             </a:extLst>
           </p:cNvPr>
@@ -4489,7 +4499,7 @@
           <p:cNvPr id="4" name="Date Placeholder 3">
             <a:extLst>
               <a:ext uri="{FF2B5EF4-FFF2-40B4-BE49-F238E27FC236}">
-                <a16:creationId xmlns:a16="http://schemas.microsoft.com/office/drawing/2014/main" xmlns="" id="{DE3A93E6-A97C-46A6-A8D4-AC8330DB0506}"/>
+                <a16:creationId xmlns:a16="http://schemas.microsoft.com/office/drawing/2014/main" id="{DE3A93E6-A97C-46A6-A8D4-AC8330DB0506}"/>
               </a:ext>
             </a:extLst>
           </p:cNvPr>
@@ -4521,7 +4531,7 @@
           <p:cNvPr id="6" name="Slide Number Placeholder 5">
             <a:extLst>
               <a:ext uri="{FF2B5EF4-FFF2-40B4-BE49-F238E27FC236}">
-                <a16:creationId xmlns:a16="http://schemas.microsoft.com/office/drawing/2014/main" xmlns="" id="{C86015C4-8860-4949-A139-0761CAA142D7}"/>
+                <a16:creationId xmlns:a16="http://schemas.microsoft.com/office/drawing/2014/main" id="{C86015C4-8860-4949-A139-0761CAA142D7}"/>
               </a:ext>
             </a:extLst>
           </p:cNvPr>
@@ -4610,7 +4620,7 @@
           <p:cNvPr id="2" name="Title 1">
             <a:extLst>
               <a:ext uri="{FF2B5EF4-FFF2-40B4-BE49-F238E27FC236}">
-                <a16:creationId xmlns:a16="http://schemas.microsoft.com/office/drawing/2014/main" xmlns="" id="{56881244-E293-4BED-A075-1D336B53F0A6}"/>
+                <a16:creationId xmlns:a16="http://schemas.microsoft.com/office/drawing/2014/main" id="{56881244-E293-4BED-A075-1D336B53F0A6}"/>
               </a:ext>
             </a:extLst>
           </p:cNvPr>
@@ -4674,7 +4684,7 @@
           <p:cNvPr id="3" name="Text Placeholder 2">
             <a:extLst>
               <a:ext uri="{FF2B5EF4-FFF2-40B4-BE49-F238E27FC236}">
-                <a16:creationId xmlns:a16="http://schemas.microsoft.com/office/drawing/2014/main" xmlns="" id="{D7044E22-8550-4452-9F10-F72A0A84B89B}"/>
+                <a16:creationId xmlns:a16="http://schemas.microsoft.com/office/drawing/2014/main" id="{D7044E22-8550-4452-9F10-F72A0A84B89B}"/>
               </a:ext>
             </a:extLst>
           </p:cNvPr>
@@ -4839,7 +4849,7 @@
           <p:cNvPr id="5" name="Footer Placeholder 4">
             <a:extLst>
               <a:ext uri="{FF2B5EF4-FFF2-40B4-BE49-F238E27FC236}">
-                <a16:creationId xmlns:a16="http://schemas.microsoft.com/office/drawing/2014/main" xmlns="" id="{D51E8E20-6F79-428E-80B8-E4584B9D4D53}"/>
+                <a16:creationId xmlns:a16="http://schemas.microsoft.com/office/drawing/2014/main" id="{D51E8E20-6F79-428E-80B8-E4584B9D4D53}"/>
               </a:ext>
             </a:extLst>
           </p:cNvPr>
@@ -4871,7 +4881,7 @@
           <p:cNvPr id="4" name="Date Placeholder 3">
             <a:extLst>
               <a:ext uri="{FF2B5EF4-FFF2-40B4-BE49-F238E27FC236}">
-                <a16:creationId xmlns:a16="http://schemas.microsoft.com/office/drawing/2014/main" xmlns="" id="{71629E9F-BB42-4660-A4F8-C4E312B80B2A}"/>
+                <a16:creationId xmlns:a16="http://schemas.microsoft.com/office/drawing/2014/main" id="{71629E9F-BB42-4660-A4F8-C4E312B80B2A}"/>
               </a:ext>
             </a:extLst>
           </p:cNvPr>
@@ -4903,7 +4913,7 @@
           <p:cNvPr id="6" name="Slide Number Placeholder 5">
             <a:extLst>
               <a:ext uri="{FF2B5EF4-FFF2-40B4-BE49-F238E27FC236}">
-                <a16:creationId xmlns:a16="http://schemas.microsoft.com/office/drawing/2014/main" xmlns="" id="{A3923082-6F6D-4208-ACDE-26783A1401EC}"/>
+                <a16:creationId xmlns:a16="http://schemas.microsoft.com/office/drawing/2014/main" id="{A3923082-6F6D-4208-ACDE-26783A1401EC}"/>
               </a:ext>
             </a:extLst>
           </p:cNvPr>
@@ -4992,7 +5002,7 @@
           <p:cNvPr id="2" name="Title 1">
             <a:extLst>
               <a:ext uri="{FF2B5EF4-FFF2-40B4-BE49-F238E27FC236}">
-                <a16:creationId xmlns:a16="http://schemas.microsoft.com/office/drawing/2014/main" xmlns="" id="{3672A4D9-3717-4A2E-B7D2-DC3C07E75B6E}"/>
+                <a16:creationId xmlns:a16="http://schemas.microsoft.com/office/drawing/2014/main" id="{3672A4D9-3717-4A2E-B7D2-DC3C07E75B6E}"/>
               </a:ext>
             </a:extLst>
           </p:cNvPr>
@@ -5041,7 +5051,7 @@
           <p:cNvPr id="3" name="Text Placeholder 2">
             <a:extLst>
               <a:ext uri="{FF2B5EF4-FFF2-40B4-BE49-F238E27FC236}">
-                <a16:creationId xmlns:a16="http://schemas.microsoft.com/office/drawing/2014/main" xmlns="" id="{7A5A4E9D-E029-42ED-A078-5F256FB53031}"/>
+                <a16:creationId xmlns:a16="http://schemas.microsoft.com/office/drawing/2014/main" id="{7A5A4E9D-E029-42ED-A078-5F256FB53031}"/>
               </a:ext>
             </a:extLst>
           </p:cNvPr>
@@ -5422,7 +5432,7 @@
           <p:cNvPr id="5" name="Footer Placeholder 4">
             <a:extLst>
               <a:ext uri="{FF2B5EF4-FFF2-40B4-BE49-F238E27FC236}">
-                <a16:creationId xmlns:a16="http://schemas.microsoft.com/office/drawing/2014/main" xmlns="" id="{D35BCA03-FDDF-46DD-B4D5-06E646D5D544}"/>
+                <a16:creationId xmlns:a16="http://schemas.microsoft.com/office/drawing/2014/main" id="{D35BCA03-FDDF-46DD-B4D5-06E646D5D544}"/>
               </a:ext>
             </a:extLst>
           </p:cNvPr>
@@ -5454,7 +5464,7 @@
           <p:cNvPr id="4" name="Date Placeholder 3">
             <a:extLst>
               <a:ext uri="{FF2B5EF4-FFF2-40B4-BE49-F238E27FC236}">
-                <a16:creationId xmlns:a16="http://schemas.microsoft.com/office/drawing/2014/main" xmlns="" id="{7911D899-ED67-4DF8-813D-7CD8F7154C4D}"/>
+                <a16:creationId xmlns:a16="http://schemas.microsoft.com/office/drawing/2014/main" id="{7911D899-ED67-4DF8-813D-7CD8F7154C4D}"/>
               </a:ext>
             </a:extLst>
           </p:cNvPr>
@@ -5486,7 +5496,7 @@
           <p:cNvPr id="6" name="Slide Number Placeholder 5">
             <a:extLst>
               <a:ext uri="{FF2B5EF4-FFF2-40B4-BE49-F238E27FC236}">
-                <a16:creationId xmlns:a16="http://schemas.microsoft.com/office/drawing/2014/main" xmlns="" id="{4C5BE34B-9AEA-4AD3-9282-09F706FD0D58}"/>
+                <a16:creationId xmlns:a16="http://schemas.microsoft.com/office/drawing/2014/main" id="{4C5BE34B-9AEA-4AD3-9282-09F706FD0D58}"/>
               </a:ext>
             </a:extLst>
           </p:cNvPr>
@@ -5575,7 +5585,7 @@
           <p:cNvPr id="2" name="Title 1">
             <a:extLst>
               <a:ext uri="{FF2B5EF4-FFF2-40B4-BE49-F238E27FC236}">
-                <a16:creationId xmlns:a16="http://schemas.microsoft.com/office/drawing/2014/main" xmlns="" id="{72242874-399F-444C-A11E-97189E0E8341}"/>
+                <a16:creationId xmlns:a16="http://schemas.microsoft.com/office/drawing/2014/main" id="{72242874-399F-444C-A11E-97189E0E8341}"/>
               </a:ext>
             </a:extLst>
           </p:cNvPr>
@@ -5624,7 +5634,7 @@
           <p:cNvPr id="7" name="Content Placeholder 6" descr="See page 250 in book" title="See slide title">
             <a:extLst>
               <a:ext uri="{FF2B5EF4-FFF2-40B4-BE49-F238E27FC236}">
-                <a16:creationId xmlns:a16="http://schemas.microsoft.com/office/drawing/2014/main" xmlns="" id="{52475281-8EEA-4E77-8000-70A53D8056BC}"/>
+                <a16:creationId xmlns:a16="http://schemas.microsoft.com/office/drawing/2014/main" id="{52475281-8EEA-4E77-8000-70A53D8056BC}"/>
               </a:ext>
             </a:extLst>
           </p:cNvPr>
@@ -5662,7 +5672,7 @@
           <p:cNvPr id="5" name="Footer Placeholder 4">
             <a:extLst>
               <a:ext uri="{FF2B5EF4-FFF2-40B4-BE49-F238E27FC236}">
-                <a16:creationId xmlns:a16="http://schemas.microsoft.com/office/drawing/2014/main" xmlns="" id="{9504B32D-3EEF-41D9-B243-F11069C92512}"/>
+                <a16:creationId xmlns:a16="http://schemas.microsoft.com/office/drawing/2014/main" id="{9504B32D-3EEF-41D9-B243-F11069C92512}"/>
               </a:ext>
             </a:extLst>
           </p:cNvPr>
@@ -5694,7 +5704,7 @@
           <p:cNvPr id="4" name="Date Placeholder 3">
             <a:extLst>
               <a:ext uri="{FF2B5EF4-FFF2-40B4-BE49-F238E27FC236}">
-                <a16:creationId xmlns:a16="http://schemas.microsoft.com/office/drawing/2014/main" xmlns="" id="{E71F93C0-0D96-4997-B89B-7155CF8F886E}"/>
+                <a16:creationId xmlns:a16="http://schemas.microsoft.com/office/drawing/2014/main" id="{E71F93C0-0D96-4997-B89B-7155CF8F886E}"/>
               </a:ext>
             </a:extLst>
           </p:cNvPr>
@@ -5726,7 +5736,7 @@
           <p:cNvPr id="6" name="Slide Number Placeholder 5">
             <a:extLst>
               <a:ext uri="{FF2B5EF4-FFF2-40B4-BE49-F238E27FC236}">
-                <a16:creationId xmlns:a16="http://schemas.microsoft.com/office/drawing/2014/main" xmlns="" id="{F56A5867-7E76-47F2-9985-2F341D18890A}"/>
+                <a16:creationId xmlns:a16="http://schemas.microsoft.com/office/drawing/2014/main" id="{F56A5867-7E76-47F2-9985-2F341D18890A}"/>
               </a:ext>
             </a:extLst>
           </p:cNvPr>
@@ -5815,7 +5825,7 @@
           <p:cNvPr id="2" name="Title 1">
             <a:extLst>
               <a:ext uri="{FF2B5EF4-FFF2-40B4-BE49-F238E27FC236}">
-                <a16:creationId xmlns:a16="http://schemas.microsoft.com/office/drawing/2014/main" xmlns="" id="{C3D238CD-6E31-4839-A30F-3ED0DE7C1E43}"/>
+                <a16:creationId xmlns:a16="http://schemas.microsoft.com/office/drawing/2014/main" id="{C3D238CD-6E31-4839-A30F-3ED0DE7C1E43}"/>
               </a:ext>
             </a:extLst>
           </p:cNvPr>
@@ -5864,7 +5874,7 @@
           <p:cNvPr id="3" name="Text Placeholder 2">
             <a:extLst>
               <a:ext uri="{FF2B5EF4-FFF2-40B4-BE49-F238E27FC236}">
-                <a16:creationId xmlns:a16="http://schemas.microsoft.com/office/drawing/2014/main" xmlns="" id="{1FE6A6F5-53C7-4B3C-9DEC-8A15B63585C5}"/>
+                <a16:creationId xmlns:a16="http://schemas.microsoft.com/office/drawing/2014/main" id="{1FE6A6F5-53C7-4B3C-9DEC-8A15B63585C5}"/>
               </a:ext>
             </a:extLst>
           </p:cNvPr>
@@ -6398,7 +6408,7 @@
           <p:cNvPr id="5" name="Footer Placeholder 4">
             <a:extLst>
               <a:ext uri="{FF2B5EF4-FFF2-40B4-BE49-F238E27FC236}">
-                <a16:creationId xmlns:a16="http://schemas.microsoft.com/office/drawing/2014/main" xmlns="" id="{2DC5CA8E-CFCA-4681-A8FD-56145CB18B30}"/>
+                <a16:creationId xmlns:a16="http://schemas.microsoft.com/office/drawing/2014/main" id="{2DC5CA8E-CFCA-4681-A8FD-56145CB18B30}"/>
               </a:ext>
             </a:extLst>
           </p:cNvPr>
@@ -6430,7 +6440,7 @@
           <p:cNvPr id="4" name="Date Placeholder 3">
             <a:extLst>
               <a:ext uri="{FF2B5EF4-FFF2-40B4-BE49-F238E27FC236}">
-                <a16:creationId xmlns:a16="http://schemas.microsoft.com/office/drawing/2014/main" xmlns="" id="{07730D9A-CAFA-4BEA-BC46-377F8767C0C2}"/>
+                <a16:creationId xmlns:a16="http://schemas.microsoft.com/office/drawing/2014/main" id="{07730D9A-CAFA-4BEA-BC46-377F8767C0C2}"/>
               </a:ext>
             </a:extLst>
           </p:cNvPr>
@@ -6462,7 +6472,7 @@
           <p:cNvPr id="6" name="Slide Number Placeholder 5">
             <a:extLst>
               <a:ext uri="{FF2B5EF4-FFF2-40B4-BE49-F238E27FC236}">
-                <a16:creationId xmlns:a16="http://schemas.microsoft.com/office/drawing/2014/main" xmlns="" id="{9D0365F4-0E7B-46EA-BF30-8B9B78E36DBF}"/>
+                <a16:creationId xmlns:a16="http://schemas.microsoft.com/office/drawing/2014/main" id="{9D0365F4-0E7B-46EA-BF30-8B9B78E36DBF}"/>
               </a:ext>
             </a:extLst>
           </p:cNvPr>
@@ -6551,7 +6561,7 @@
           <p:cNvPr id="2" name="Title 1">
             <a:extLst>
               <a:ext uri="{FF2B5EF4-FFF2-40B4-BE49-F238E27FC236}">
-                <a16:creationId xmlns:a16="http://schemas.microsoft.com/office/drawing/2014/main" xmlns="" id="{0246CD7D-0185-48B7-876F-8F4DF29AA18B}"/>
+                <a16:creationId xmlns:a16="http://schemas.microsoft.com/office/drawing/2014/main" id="{0246CD7D-0185-48B7-876F-8F4DF29AA18B}"/>
               </a:ext>
             </a:extLst>
           </p:cNvPr>
@@ -6600,7 +6610,7 @@
           <p:cNvPr id="7" name="Content Placeholder 6" descr="See page 252 in book" title="See slide title">
             <a:extLst>
               <a:ext uri="{FF2B5EF4-FFF2-40B4-BE49-F238E27FC236}">
-                <a16:creationId xmlns:a16="http://schemas.microsoft.com/office/drawing/2014/main" xmlns="" id="{15DE4AE5-24D5-4ECF-B5E7-7E9CBE06E152}"/>
+                <a16:creationId xmlns:a16="http://schemas.microsoft.com/office/drawing/2014/main" id="{15DE4AE5-24D5-4ECF-B5E7-7E9CBE06E152}"/>
               </a:ext>
             </a:extLst>
           </p:cNvPr>
@@ -6638,7 +6648,7 @@
           <p:cNvPr id="5" name="Footer Placeholder 4">
             <a:extLst>
               <a:ext uri="{FF2B5EF4-FFF2-40B4-BE49-F238E27FC236}">
-                <a16:creationId xmlns:a16="http://schemas.microsoft.com/office/drawing/2014/main" xmlns="" id="{45E8A061-75CC-4223-A1AE-482E162DDC0F}"/>
+                <a16:creationId xmlns:a16="http://schemas.microsoft.com/office/drawing/2014/main" id="{45E8A061-75CC-4223-A1AE-482E162DDC0F}"/>
               </a:ext>
             </a:extLst>
           </p:cNvPr>
@@ -6670,7 +6680,7 @@
           <p:cNvPr id="4" name="Date Placeholder 3">
             <a:extLst>
               <a:ext uri="{FF2B5EF4-FFF2-40B4-BE49-F238E27FC236}">
-                <a16:creationId xmlns:a16="http://schemas.microsoft.com/office/drawing/2014/main" xmlns="" id="{AFB77CFA-6C14-4AA2-BA4B-7DA221554D92}"/>
+                <a16:creationId xmlns:a16="http://schemas.microsoft.com/office/drawing/2014/main" id="{AFB77CFA-6C14-4AA2-BA4B-7DA221554D92}"/>
               </a:ext>
             </a:extLst>
           </p:cNvPr>
@@ -6702,7 +6712,7 @@
           <p:cNvPr id="6" name="Slide Number Placeholder 5">
             <a:extLst>
               <a:ext uri="{FF2B5EF4-FFF2-40B4-BE49-F238E27FC236}">
-                <a16:creationId xmlns:a16="http://schemas.microsoft.com/office/drawing/2014/main" xmlns="" id="{45C0C7E8-6E95-4569-A275-0CA49829A2D9}"/>
+                <a16:creationId xmlns:a16="http://schemas.microsoft.com/office/drawing/2014/main" id="{45C0C7E8-6E95-4569-A275-0CA49829A2D9}"/>
               </a:ext>
             </a:extLst>
           </p:cNvPr>
@@ -6791,7 +6801,7 @@
           <p:cNvPr id="2" name="Title 1">
             <a:extLst>
               <a:ext uri="{FF2B5EF4-FFF2-40B4-BE49-F238E27FC236}">
-                <a16:creationId xmlns:a16="http://schemas.microsoft.com/office/drawing/2014/main" xmlns="" id="{C654C4C0-F786-4BA5-85D5-7D0D98FAF874}"/>
+                <a16:creationId xmlns:a16="http://schemas.microsoft.com/office/drawing/2014/main" id="{C654C4C0-F786-4BA5-85D5-7D0D98FAF874}"/>
               </a:ext>
             </a:extLst>
           </p:cNvPr>
@@ -6840,7 +6850,7 @@
           <p:cNvPr id="3" name="Text Placeholder 2">
             <a:extLst>
               <a:ext uri="{FF2B5EF4-FFF2-40B4-BE49-F238E27FC236}">
-                <a16:creationId xmlns:a16="http://schemas.microsoft.com/office/drawing/2014/main" xmlns="" id="{599DDD27-6050-4F9B-8E0B-1A2AEFF007CD}"/>
+                <a16:creationId xmlns:a16="http://schemas.microsoft.com/office/drawing/2014/main" id="{599DDD27-6050-4F9B-8E0B-1A2AEFF007CD}"/>
               </a:ext>
             </a:extLst>
           </p:cNvPr>
@@ -6970,7 +6980,7 @@
           <p:cNvPr id="5" name="Footer Placeholder 4">
             <a:extLst>
               <a:ext uri="{FF2B5EF4-FFF2-40B4-BE49-F238E27FC236}">
-                <a16:creationId xmlns:a16="http://schemas.microsoft.com/office/drawing/2014/main" xmlns="" id="{C2FA8C74-3EBA-4E55-AC13-C475A61DB108}"/>
+                <a16:creationId xmlns:a16="http://schemas.microsoft.com/office/drawing/2014/main" id="{C2FA8C74-3EBA-4E55-AC13-C475A61DB108}"/>
               </a:ext>
             </a:extLst>
           </p:cNvPr>
@@ -7002,7 +7012,7 @@
           <p:cNvPr id="4" name="Date Placeholder 3">
             <a:extLst>
               <a:ext uri="{FF2B5EF4-FFF2-40B4-BE49-F238E27FC236}">
-                <a16:creationId xmlns:a16="http://schemas.microsoft.com/office/drawing/2014/main" xmlns="" id="{ED2F93AC-9B02-45E5-ADD0-FDF8054AA0CE}"/>
+                <a16:creationId xmlns:a16="http://schemas.microsoft.com/office/drawing/2014/main" id="{ED2F93AC-9B02-45E5-ADD0-FDF8054AA0CE}"/>
               </a:ext>
             </a:extLst>
           </p:cNvPr>
@@ -7034,7 +7044,7 @@
           <p:cNvPr id="6" name="Slide Number Placeholder 5">
             <a:extLst>
               <a:ext uri="{FF2B5EF4-FFF2-40B4-BE49-F238E27FC236}">
-                <a16:creationId xmlns:a16="http://schemas.microsoft.com/office/drawing/2014/main" xmlns="" id="{54E211B2-36F8-4195-A361-A81E77DF3492}"/>
+                <a16:creationId xmlns:a16="http://schemas.microsoft.com/office/drawing/2014/main" id="{54E211B2-36F8-4195-A361-A81E77DF3492}"/>
               </a:ext>
             </a:extLst>
           </p:cNvPr>
@@ -7123,7 +7133,7 @@
           <p:cNvPr id="2" name="Title 1">
             <a:extLst>
               <a:ext uri="{FF2B5EF4-FFF2-40B4-BE49-F238E27FC236}">
-                <a16:creationId xmlns:a16="http://schemas.microsoft.com/office/drawing/2014/main" xmlns="" id="{FD171A4C-77D8-4D7A-B0B1-F0E906252D7F}"/>
+                <a16:creationId xmlns:a16="http://schemas.microsoft.com/office/drawing/2014/main" id="{FD171A4C-77D8-4D7A-B0B1-F0E906252D7F}"/>
               </a:ext>
             </a:extLst>
           </p:cNvPr>
@@ -7172,7 +7182,7 @@
           <p:cNvPr id="3" name="Text Placeholder 2">
             <a:extLst>
               <a:ext uri="{FF2B5EF4-FFF2-40B4-BE49-F238E27FC236}">
-                <a16:creationId xmlns:a16="http://schemas.microsoft.com/office/drawing/2014/main" xmlns="" id="{E74AD5DD-C463-4DD4-AD7C-77F43AA97336}"/>
+                <a16:creationId xmlns:a16="http://schemas.microsoft.com/office/drawing/2014/main" id="{E74AD5DD-C463-4DD4-AD7C-77F43AA97336}"/>
               </a:ext>
             </a:extLst>
           </p:cNvPr>
@@ -7336,14 +7346,7 @@
                 <a:latin typeface="Times New Roman" panose="02020603050405020304" pitchFamily="18" charset="0"/>
                 <a:ea typeface="Times New Roman" panose="02020603050405020304" pitchFamily="18" charset="0"/>
               </a:rPr>
-              <a:t>Describe the use of these pseudo-classes for formatting links: :link, :visited, :hover, and :focus</a:t>
-            </a:r>
-            <a:r>
-              <a:rPr lang="en-US" sz="1800" dirty="0" smtClean="0">
-                <a:latin typeface="Times New Roman" panose="02020603050405020304" pitchFamily="18" charset="0"/>
-                <a:ea typeface="Times New Roman" panose="02020603050405020304" pitchFamily="18" charset="0"/>
-              </a:rPr>
-              <a:t>.</a:t>
+              <a:t>Describe the use of these pseudo-classes for formatting links: :link, :visited, :hover, and :focus.</a:t>
             </a:r>
           </a:p>
           <a:p>
@@ -7365,19 +7368,8 @@
                 <a:latin typeface="Times New Roman" panose="02020603050405020304" pitchFamily="18" charset="0"/>
                 <a:ea typeface="Times New Roman" panose="02020603050405020304" pitchFamily="18" charset="0"/>
               </a:rPr>
-              <a:t>Describe the use of these CSS properties for formatting links: text-decoration and border</a:t>
-            </a:r>
-            <a:r>
-              <a:rPr lang="en-US" sz="1800" dirty="0" smtClean="0">
-                <a:latin typeface="Times New Roman" panose="02020603050405020304" pitchFamily="18" charset="0"/>
-                <a:ea typeface="Times New Roman" panose="02020603050405020304" pitchFamily="18" charset="0"/>
-              </a:rPr>
-              <a:t>.</a:t>
-            </a:r>
-            <a:endParaRPr lang="en-US" sz="1800" dirty="0">
-              <a:latin typeface="Times New Roman" panose="02020603050405020304" pitchFamily="18" charset="0"/>
-              <a:ea typeface="Times New Roman" panose="02020603050405020304" pitchFamily="18" charset="0"/>
-            </a:endParaRPr>
+              <a:t>Describe the use of these CSS properties for formatting links: text-decoration and border.</a:t>
+            </a:r>
           </a:p>
           <a:p>
             <a:endParaRPr lang="en-US" dirty="0"/>
@@ -7389,7 +7381,7 @@
           <p:cNvPr id="5" name="Footer Placeholder 4">
             <a:extLst>
               <a:ext uri="{FF2B5EF4-FFF2-40B4-BE49-F238E27FC236}">
-                <a16:creationId xmlns:a16="http://schemas.microsoft.com/office/drawing/2014/main" xmlns="" id="{90791A25-EB3A-4CA7-9960-1FD6F6B3BB5C}"/>
+                <a16:creationId xmlns:a16="http://schemas.microsoft.com/office/drawing/2014/main" id="{90791A25-EB3A-4CA7-9960-1FD6F6B3BB5C}"/>
               </a:ext>
             </a:extLst>
           </p:cNvPr>
@@ -7421,7 +7413,7 @@
           <p:cNvPr id="4" name="Date Placeholder 3">
             <a:extLst>
               <a:ext uri="{FF2B5EF4-FFF2-40B4-BE49-F238E27FC236}">
-                <a16:creationId xmlns:a16="http://schemas.microsoft.com/office/drawing/2014/main" xmlns="" id="{614853B6-8F84-44E8-94E5-18FD0D2C4AF4}"/>
+                <a16:creationId xmlns:a16="http://schemas.microsoft.com/office/drawing/2014/main" id="{614853B6-8F84-44E8-94E5-18FD0D2C4AF4}"/>
               </a:ext>
             </a:extLst>
           </p:cNvPr>
@@ -7453,7 +7445,7 @@
           <p:cNvPr id="6" name="Slide Number Placeholder 5">
             <a:extLst>
               <a:ext uri="{FF2B5EF4-FFF2-40B4-BE49-F238E27FC236}">
-                <a16:creationId xmlns:a16="http://schemas.microsoft.com/office/drawing/2014/main" xmlns="" id="{D1F6FE66-D3D4-4909-9219-91362D51F8A9}"/>
+                <a16:creationId xmlns:a16="http://schemas.microsoft.com/office/drawing/2014/main" id="{D1F6FE66-D3D4-4909-9219-91362D51F8A9}"/>
               </a:ext>
             </a:extLst>
           </p:cNvPr>
@@ -7542,7 +7534,7 @@
           <p:cNvPr id="2" name="Title 1">
             <a:extLst>
               <a:ext uri="{FF2B5EF4-FFF2-40B4-BE49-F238E27FC236}">
-                <a16:creationId xmlns:a16="http://schemas.microsoft.com/office/drawing/2014/main" xmlns="" id="{F1B766E3-A79A-410A-9651-E5D316DC5F6C}"/>
+                <a16:creationId xmlns:a16="http://schemas.microsoft.com/office/drawing/2014/main" id="{F1B766E3-A79A-410A-9651-E5D316DC5F6C}"/>
               </a:ext>
             </a:extLst>
           </p:cNvPr>
@@ -7606,7 +7598,7 @@
           <p:cNvPr id="3" name="Text Placeholder 2">
             <a:extLst>
               <a:ext uri="{FF2B5EF4-FFF2-40B4-BE49-F238E27FC236}">
-                <a16:creationId xmlns:a16="http://schemas.microsoft.com/office/drawing/2014/main" xmlns="" id="{6E60221E-8697-457B-939C-4175D1606C1F}"/>
+                <a16:creationId xmlns:a16="http://schemas.microsoft.com/office/drawing/2014/main" id="{6E60221E-8697-457B-939C-4175D1606C1F}"/>
               </a:ext>
             </a:extLst>
           </p:cNvPr>
@@ -8056,7 +8048,7 @@
           <p:cNvPr id="5" name="Footer Placeholder 4">
             <a:extLst>
               <a:ext uri="{FF2B5EF4-FFF2-40B4-BE49-F238E27FC236}">
-                <a16:creationId xmlns:a16="http://schemas.microsoft.com/office/drawing/2014/main" xmlns="" id="{077989C9-F691-4AB9-A02D-D2388EB694D3}"/>
+                <a16:creationId xmlns:a16="http://schemas.microsoft.com/office/drawing/2014/main" id="{077989C9-F691-4AB9-A02D-D2388EB694D3}"/>
               </a:ext>
             </a:extLst>
           </p:cNvPr>
@@ -8088,7 +8080,7 @@
           <p:cNvPr id="4" name="Date Placeholder 3">
             <a:extLst>
               <a:ext uri="{FF2B5EF4-FFF2-40B4-BE49-F238E27FC236}">
-                <a16:creationId xmlns:a16="http://schemas.microsoft.com/office/drawing/2014/main" xmlns="" id="{CAAC6F1B-0982-479A-A328-92BC6E8D200E}"/>
+                <a16:creationId xmlns:a16="http://schemas.microsoft.com/office/drawing/2014/main" id="{CAAC6F1B-0982-479A-A328-92BC6E8D200E}"/>
               </a:ext>
             </a:extLst>
           </p:cNvPr>
@@ -8120,7 +8112,7 @@
           <p:cNvPr id="6" name="Slide Number Placeholder 5">
             <a:extLst>
               <a:ext uri="{FF2B5EF4-FFF2-40B4-BE49-F238E27FC236}">
-                <a16:creationId xmlns:a16="http://schemas.microsoft.com/office/drawing/2014/main" xmlns="" id="{1C5E03F9-CB5F-425B-9736-58043614C224}"/>
+                <a16:creationId xmlns:a16="http://schemas.microsoft.com/office/drawing/2014/main" id="{1C5E03F9-CB5F-425B-9736-58043614C224}"/>
               </a:ext>
             </a:extLst>
           </p:cNvPr>
@@ -8209,7 +8201,7 @@
           <p:cNvPr id="2" name="Title 1">
             <a:extLst>
               <a:ext uri="{FF2B5EF4-FFF2-40B4-BE49-F238E27FC236}">
-                <a16:creationId xmlns:a16="http://schemas.microsoft.com/office/drawing/2014/main" xmlns="" id="{5C523968-6DF4-4AB3-AC2D-E8BF31F46FAE}"/>
+                <a16:creationId xmlns:a16="http://schemas.microsoft.com/office/drawing/2014/main" id="{5C523968-6DF4-4AB3-AC2D-E8BF31F46FAE}"/>
               </a:ext>
             </a:extLst>
           </p:cNvPr>
@@ -8258,7 +8250,7 @@
           <p:cNvPr id="7" name="Content Placeholder 6" descr="See page 254 in book" title="See slide title">
             <a:extLst>
               <a:ext uri="{FF2B5EF4-FFF2-40B4-BE49-F238E27FC236}">
-                <a16:creationId xmlns:a16="http://schemas.microsoft.com/office/drawing/2014/main" xmlns="" id="{99CFC296-7CE5-4341-ACAC-7666D27C8F38}"/>
+                <a16:creationId xmlns:a16="http://schemas.microsoft.com/office/drawing/2014/main" id="{99CFC296-7CE5-4341-ACAC-7666D27C8F38}"/>
               </a:ext>
             </a:extLst>
           </p:cNvPr>
@@ -8296,7 +8288,7 @@
           <p:cNvPr id="5" name="Footer Placeholder 4">
             <a:extLst>
               <a:ext uri="{FF2B5EF4-FFF2-40B4-BE49-F238E27FC236}">
-                <a16:creationId xmlns:a16="http://schemas.microsoft.com/office/drawing/2014/main" xmlns="" id="{B1C8735D-45F1-44EE-B9DB-21BC07129F2C}"/>
+                <a16:creationId xmlns:a16="http://schemas.microsoft.com/office/drawing/2014/main" id="{B1C8735D-45F1-44EE-B9DB-21BC07129F2C}"/>
               </a:ext>
             </a:extLst>
           </p:cNvPr>
@@ -8328,7 +8320,7 @@
           <p:cNvPr id="4" name="Date Placeholder 3">
             <a:extLst>
               <a:ext uri="{FF2B5EF4-FFF2-40B4-BE49-F238E27FC236}">
-                <a16:creationId xmlns:a16="http://schemas.microsoft.com/office/drawing/2014/main" xmlns="" id="{0EFF7D89-437B-4A2C-A77C-3598510F1E29}"/>
+                <a16:creationId xmlns:a16="http://schemas.microsoft.com/office/drawing/2014/main" id="{0EFF7D89-437B-4A2C-A77C-3598510F1E29}"/>
               </a:ext>
             </a:extLst>
           </p:cNvPr>
@@ -8360,7 +8352,7 @@
           <p:cNvPr id="6" name="Slide Number Placeholder 5">
             <a:extLst>
               <a:ext uri="{FF2B5EF4-FFF2-40B4-BE49-F238E27FC236}">
-                <a16:creationId xmlns:a16="http://schemas.microsoft.com/office/drawing/2014/main" xmlns="" id="{8063725B-DA73-40B9-9984-6374F3AE1A73}"/>
+                <a16:creationId xmlns:a16="http://schemas.microsoft.com/office/drawing/2014/main" id="{8063725B-DA73-40B9-9984-6374F3AE1A73}"/>
               </a:ext>
             </a:extLst>
           </p:cNvPr>
@@ -8449,7 +8441,7 @@
           <p:cNvPr id="2" name="Title 1">
             <a:extLst>
               <a:ext uri="{FF2B5EF4-FFF2-40B4-BE49-F238E27FC236}">
-                <a16:creationId xmlns:a16="http://schemas.microsoft.com/office/drawing/2014/main" xmlns="" id="{A9552300-D588-4E59-BF70-B084A031B5DA}"/>
+                <a16:creationId xmlns:a16="http://schemas.microsoft.com/office/drawing/2014/main" id="{A9552300-D588-4E59-BF70-B084A031B5DA}"/>
               </a:ext>
             </a:extLst>
           </p:cNvPr>
@@ -8498,7 +8490,7 @@
           <p:cNvPr id="3" name="Text Placeholder 2">
             <a:extLst>
               <a:ext uri="{FF2B5EF4-FFF2-40B4-BE49-F238E27FC236}">
-                <a16:creationId xmlns:a16="http://schemas.microsoft.com/office/drawing/2014/main" xmlns="" id="{FC703405-AAA6-48E6-BE27-AEDC776871E3}"/>
+                <a16:creationId xmlns:a16="http://schemas.microsoft.com/office/drawing/2014/main" id="{FC703405-AAA6-48E6-BE27-AEDC776871E3}"/>
               </a:ext>
             </a:extLst>
           </p:cNvPr>
@@ -8561,7 +8553,7 @@
           <p:cNvPr id="5" name="Footer Placeholder 4">
             <a:extLst>
               <a:ext uri="{FF2B5EF4-FFF2-40B4-BE49-F238E27FC236}">
-                <a16:creationId xmlns:a16="http://schemas.microsoft.com/office/drawing/2014/main" xmlns="" id="{669136F1-CAE1-4A19-BD0D-9327E535469B}"/>
+                <a16:creationId xmlns:a16="http://schemas.microsoft.com/office/drawing/2014/main" id="{669136F1-CAE1-4A19-BD0D-9327E535469B}"/>
               </a:ext>
             </a:extLst>
           </p:cNvPr>
@@ -8593,7 +8585,7 @@
           <p:cNvPr id="4" name="Date Placeholder 3">
             <a:extLst>
               <a:ext uri="{FF2B5EF4-FFF2-40B4-BE49-F238E27FC236}">
-                <a16:creationId xmlns:a16="http://schemas.microsoft.com/office/drawing/2014/main" xmlns="" id="{CFE0DED2-A46C-44F1-9690-E0C9C6EE1ED3}"/>
+                <a16:creationId xmlns:a16="http://schemas.microsoft.com/office/drawing/2014/main" id="{CFE0DED2-A46C-44F1-9690-E0C9C6EE1ED3}"/>
               </a:ext>
             </a:extLst>
           </p:cNvPr>
@@ -8625,7 +8617,7 @@
           <p:cNvPr id="6" name="Slide Number Placeholder 5">
             <a:extLst>
               <a:ext uri="{FF2B5EF4-FFF2-40B4-BE49-F238E27FC236}">
-                <a16:creationId xmlns:a16="http://schemas.microsoft.com/office/drawing/2014/main" xmlns="" id="{09A91E07-C0CA-4589-AABB-A013E4921A98}"/>
+                <a16:creationId xmlns:a16="http://schemas.microsoft.com/office/drawing/2014/main" id="{09A91E07-C0CA-4589-AABB-A013E4921A98}"/>
               </a:ext>
             </a:extLst>
           </p:cNvPr>
@@ -8714,7 +8706,7 @@
           <p:cNvPr id="2" name="Title 1">
             <a:extLst>
               <a:ext uri="{FF2B5EF4-FFF2-40B4-BE49-F238E27FC236}">
-                <a16:creationId xmlns:a16="http://schemas.microsoft.com/office/drawing/2014/main" xmlns="" id="{5E3EED60-5234-4689-B3A0-AD6F92CD7181}"/>
+                <a16:creationId xmlns:a16="http://schemas.microsoft.com/office/drawing/2014/main" id="{5E3EED60-5234-4689-B3A0-AD6F92CD7181}"/>
               </a:ext>
             </a:extLst>
           </p:cNvPr>
@@ -8763,7 +8755,7 @@
           <p:cNvPr id="3" name="Text Placeholder 2">
             <a:extLst>
               <a:ext uri="{FF2B5EF4-FFF2-40B4-BE49-F238E27FC236}">
-                <a16:creationId xmlns:a16="http://schemas.microsoft.com/office/drawing/2014/main" xmlns="" id="{72793D21-41D9-4C12-AD6A-33233239587B}"/>
+                <a16:creationId xmlns:a16="http://schemas.microsoft.com/office/drawing/2014/main" id="{72793D21-41D9-4C12-AD6A-33233239587B}"/>
               </a:ext>
             </a:extLst>
           </p:cNvPr>
@@ -8865,18 +8857,11 @@
           <a:p>
             <a:pPr marL="347663"/>
             <a:r>
-              <a:rPr lang="en-US" sz="1600" b="1" dirty="0" smtClean="0">
-                <a:latin typeface="Courier New" panose="02070309020205020404" pitchFamily="49" charset="0"/>
-                <a:ea typeface="Times New Roman" panose="02020603050405020304" pitchFamily="18" charset="0"/>
-              </a:rPr>
-              <a:t>:</a:t>
-            </a:r>
-            <a:r>
-              <a:rPr lang="en-US" sz="1600" b="1" dirty="0">
-                <a:latin typeface="Courier New" panose="02070309020205020404" pitchFamily="49" charset="0"/>
-                <a:ea typeface="Times New Roman" panose="02020603050405020304" pitchFamily="18" charset="0"/>
-              </a:rPr>
-              <a:t>active</a:t>
+              <a:rPr lang="en-US" sz="1600" b="1" dirty="0">
+                <a:latin typeface="Courier New" panose="02070309020205020404" pitchFamily="49" charset="0"/>
+                <a:ea typeface="Times New Roman" panose="02020603050405020304" pitchFamily="18" charset="0"/>
+              </a:rPr>
+              <a:t>:active</a:t>
             </a:r>
             <a:endParaRPr lang="en-US" sz="1600" dirty="0"/>
           </a:p>
@@ -8887,7 +8872,7 @@
           <p:cNvPr id="5" name="Footer Placeholder 4">
             <a:extLst>
               <a:ext uri="{FF2B5EF4-FFF2-40B4-BE49-F238E27FC236}">
-                <a16:creationId xmlns:a16="http://schemas.microsoft.com/office/drawing/2014/main" xmlns="" id="{39B971D9-CD44-4A66-9847-44B062E7E25B}"/>
+                <a16:creationId xmlns:a16="http://schemas.microsoft.com/office/drawing/2014/main" id="{39B971D9-CD44-4A66-9847-44B062E7E25B}"/>
               </a:ext>
             </a:extLst>
           </p:cNvPr>
@@ -8919,7 +8904,7 @@
           <p:cNvPr id="4" name="Date Placeholder 3">
             <a:extLst>
               <a:ext uri="{FF2B5EF4-FFF2-40B4-BE49-F238E27FC236}">
-                <a16:creationId xmlns:a16="http://schemas.microsoft.com/office/drawing/2014/main" xmlns="" id="{49AD4B1F-F922-4586-9E44-8C889355DCCB}"/>
+                <a16:creationId xmlns:a16="http://schemas.microsoft.com/office/drawing/2014/main" id="{49AD4B1F-F922-4586-9E44-8C889355DCCB}"/>
               </a:ext>
             </a:extLst>
           </p:cNvPr>
@@ -8951,7 +8936,7 @@
           <p:cNvPr id="6" name="Slide Number Placeholder 5">
             <a:extLst>
               <a:ext uri="{FF2B5EF4-FFF2-40B4-BE49-F238E27FC236}">
-                <a16:creationId xmlns:a16="http://schemas.microsoft.com/office/drawing/2014/main" xmlns="" id="{A56B86E5-9A45-4D05-9699-4303AC8051D6}"/>
+                <a16:creationId xmlns:a16="http://schemas.microsoft.com/office/drawing/2014/main" id="{A56B86E5-9A45-4D05-9699-4303AC8051D6}"/>
               </a:ext>
             </a:extLst>
           </p:cNvPr>
@@ -9040,7 +9025,7 @@
           <p:cNvPr id="2" name="Title 1">
             <a:extLst>
               <a:ext uri="{FF2B5EF4-FFF2-40B4-BE49-F238E27FC236}">
-                <a16:creationId xmlns:a16="http://schemas.microsoft.com/office/drawing/2014/main" xmlns="" id="{4A65D5C1-5A4D-4E2E-9DB6-C240404C063F}"/>
+                <a16:creationId xmlns:a16="http://schemas.microsoft.com/office/drawing/2014/main" id="{4A65D5C1-5A4D-4E2E-9DB6-C240404C063F}"/>
               </a:ext>
             </a:extLst>
           </p:cNvPr>
@@ -9104,7 +9089,7 @@
           <p:cNvPr id="3" name="Text Placeholder 2">
             <a:extLst>
               <a:ext uri="{FF2B5EF4-FFF2-40B4-BE49-F238E27FC236}">
-                <a16:creationId xmlns:a16="http://schemas.microsoft.com/office/drawing/2014/main" xmlns="" id="{9364A943-221C-46AE-BF6B-4A0902643090}"/>
+                <a16:creationId xmlns:a16="http://schemas.microsoft.com/office/drawing/2014/main" id="{9364A943-221C-46AE-BF6B-4A0902643090}"/>
               </a:ext>
             </a:extLst>
           </p:cNvPr>
@@ -9176,7 +9161,7 @@
           <p:cNvPr id="5" name="Footer Placeholder 4">
             <a:extLst>
               <a:ext uri="{FF2B5EF4-FFF2-40B4-BE49-F238E27FC236}">
-                <a16:creationId xmlns:a16="http://schemas.microsoft.com/office/drawing/2014/main" xmlns="" id="{1258A883-1DAC-48E5-A221-FAB9B5B02C30}"/>
+                <a16:creationId xmlns:a16="http://schemas.microsoft.com/office/drawing/2014/main" id="{1258A883-1DAC-48E5-A221-FAB9B5B02C30}"/>
               </a:ext>
             </a:extLst>
           </p:cNvPr>
@@ -9208,7 +9193,7 @@
           <p:cNvPr id="4" name="Date Placeholder 3">
             <a:extLst>
               <a:ext uri="{FF2B5EF4-FFF2-40B4-BE49-F238E27FC236}">
-                <a16:creationId xmlns:a16="http://schemas.microsoft.com/office/drawing/2014/main" xmlns="" id="{D0DC37DD-49FC-4045-BB9E-F61DCB416CFB}"/>
+                <a16:creationId xmlns:a16="http://schemas.microsoft.com/office/drawing/2014/main" id="{D0DC37DD-49FC-4045-BB9E-F61DCB416CFB}"/>
               </a:ext>
             </a:extLst>
           </p:cNvPr>
@@ -9240,7 +9225,7 @@
           <p:cNvPr id="6" name="Slide Number Placeholder 5">
             <a:extLst>
               <a:ext uri="{FF2B5EF4-FFF2-40B4-BE49-F238E27FC236}">
-                <a16:creationId xmlns:a16="http://schemas.microsoft.com/office/drawing/2014/main" xmlns="" id="{713FD83A-F4FA-43D2-9962-DE029343EB61}"/>
+                <a16:creationId xmlns:a16="http://schemas.microsoft.com/office/drawing/2014/main" id="{713FD83A-F4FA-43D2-9962-DE029343EB61}"/>
               </a:ext>
             </a:extLst>
           </p:cNvPr>
@@ -9329,7 +9314,7 @@
           <p:cNvPr id="2" name="Title 1">
             <a:extLst>
               <a:ext uri="{FF2B5EF4-FFF2-40B4-BE49-F238E27FC236}">
-                <a16:creationId xmlns:a16="http://schemas.microsoft.com/office/drawing/2014/main" xmlns="" id="{BAEFF008-737B-41CB-9121-271FEDBC433D}"/>
+                <a16:creationId xmlns:a16="http://schemas.microsoft.com/office/drawing/2014/main" id="{BAEFF008-737B-41CB-9121-271FEDBC433D}"/>
               </a:ext>
             </a:extLst>
           </p:cNvPr>
@@ -9378,7 +9363,7 @@
           <p:cNvPr id="3" name="Text Placeholder 2">
             <a:extLst>
               <a:ext uri="{FF2B5EF4-FFF2-40B4-BE49-F238E27FC236}">
-                <a16:creationId xmlns:a16="http://schemas.microsoft.com/office/drawing/2014/main" xmlns="" id="{308C83B0-F412-45F8-8429-C57B6568A019}"/>
+                <a16:creationId xmlns:a16="http://schemas.microsoft.com/office/drawing/2014/main" id="{308C83B0-F412-45F8-8429-C57B6568A019}"/>
               </a:ext>
             </a:extLst>
           </p:cNvPr>
@@ -9857,7 +9842,7 @@
           <p:cNvPr id="5" name="Footer Placeholder 4">
             <a:extLst>
               <a:ext uri="{FF2B5EF4-FFF2-40B4-BE49-F238E27FC236}">
-                <a16:creationId xmlns:a16="http://schemas.microsoft.com/office/drawing/2014/main" xmlns="" id="{502B14AC-0F9E-4976-98A9-080A5BAD966F}"/>
+                <a16:creationId xmlns:a16="http://schemas.microsoft.com/office/drawing/2014/main" id="{502B14AC-0F9E-4976-98A9-080A5BAD966F}"/>
               </a:ext>
             </a:extLst>
           </p:cNvPr>
@@ -9889,7 +9874,7 @@
           <p:cNvPr id="4" name="Date Placeholder 3">
             <a:extLst>
               <a:ext uri="{FF2B5EF4-FFF2-40B4-BE49-F238E27FC236}">
-                <a16:creationId xmlns:a16="http://schemas.microsoft.com/office/drawing/2014/main" xmlns="" id="{00F4CB76-DFF4-47B9-BE2B-618830D6DA0F}"/>
+                <a16:creationId xmlns:a16="http://schemas.microsoft.com/office/drawing/2014/main" id="{00F4CB76-DFF4-47B9-BE2B-618830D6DA0F}"/>
               </a:ext>
             </a:extLst>
           </p:cNvPr>
@@ -9921,7 +9906,7 @@
           <p:cNvPr id="6" name="Slide Number Placeholder 5">
             <a:extLst>
               <a:ext uri="{FF2B5EF4-FFF2-40B4-BE49-F238E27FC236}">
-                <a16:creationId xmlns:a16="http://schemas.microsoft.com/office/drawing/2014/main" xmlns="" id="{AAE360D1-2366-4453-834B-00597CFADD1F}"/>
+                <a16:creationId xmlns:a16="http://schemas.microsoft.com/office/drawing/2014/main" id="{AAE360D1-2366-4453-834B-00597CFADD1F}"/>
               </a:ext>
             </a:extLst>
           </p:cNvPr>
@@ -10010,7 +9995,7 @@
           <p:cNvPr id="2" name="Title 1">
             <a:extLst>
               <a:ext uri="{FF2B5EF4-FFF2-40B4-BE49-F238E27FC236}">
-                <a16:creationId xmlns:a16="http://schemas.microsoft.com/office/drawing/2014/main" xmlns="" id="{FED3ABDF-9024-4011-A698-9497C2F25390}"/>
+                <a16:creationId xmlns:a16="http://schemas.microsoft.com/office/drawing/2014/main" id="{FED3ABDF-9024-4011-A698-9497C2F25390}"/>
               </a:ext>
             </a:extLst>
           </p:cNvPr>
@@ -10074,7 +10059,7 @@
           <p:cNvPr id="7" name="Content Placeholder 6" descr="See page 256 in book" title="See slide title">
             <a:extLst>
               <a:ext uri="{FF2B5EF4-FFF2-40B4-BE49-F238E27FC236}">
-                <a16:creationId xmlns:a16="http://schemas.microsoft.com/office/drawing/2014/main" xmlns="" id="{E55E944C-8348-47D5-AE21-B4E65AD1EC59}"/>
+                <a16:creationId xmlns:a16="http://schemas.microsoft.com/office/drawing/2014/main" id="{E55E944C-8348-47D5-AE21-B4E65AD1EC59}"/>
               </a:ext>
             </a:extLst>
           </p:cNvPr>
@@ -10117,7 +10102,7 @@
           <p:cNvPr id="5" name="Footer Placeholder 4">
             <a:extLst>
               <a:ext uri="{FF2B5EF4-FFF2-40B4-BE49-F238E27FC236}">
-                <a16:creationId xmlns:a16="http://schemas.microsoft.com/office/drawing/2014/main" xmlns="" id="{DA8DA9F3-E749-4726-BA5A-03D55048D6B6}"/>
+                <a16:creationId xmlns:a16="http://schemas.microsoft.com/office/drawing/2014/main" id="{DA8DA9F3-E749-4726-BA5A-03D55048D6B6}"/>
               </a:ext>
             </a:extLst>
           </p:cNvPr>
@@ -10149,7 +10134,7 @@
           <p:cNvPr id="4" name="Date Placeholder 3">
             <a:extLst>
               <a:ext uri="{FF2B5EF4-FFF2-40B4-BE49-F238E27FC236}">
-                <a16:creationId xmlns:a16="http://schemas.microsoft.com/office/drawing/2014/main" xmlns="" id="{8B0D08A3-83D5-4340-B70E-CF6E9F84242F}"/>
+                <a16:creationId xmlns:a16="http://schemas.microsoft.com/office/drawing/2014/main" id="{8B0D08A3-83D5-4340-B70E-CF6E9F84242F}"/>
               </a:ext>
             </a:extLst>
           </p:cNvPr>
@@ -10181,7 +10166,7 @@
           <p:cNvPr id="6" name="Slide Number Placeholder 5">
             <a:extLst>
               <a:ext uri="{FF2B5EF4-FFF2-40B4-BE49-F238E27FC236}">
-                <a16:creationId xmlns:a16="http://schemas.microsoft.com/office/drawing/2014/main" xmlns="" id="{3BFDA7F9-D026-43AA-B166-12329DCB1521}"/>
+                <a16:creationId xmlns:a16="http://schemas.microsoft.com/office/drawing/2014/main" id="{3BFDA7F9-D026-43AA-B166-12329DCB1521}"/>
               </a:ext>
             </a:extLst>
           </p:cNvPr>
@@ -10270,7 +10255,7 @@
           <p:cNvPr id="2" name="Title 1">
             <a:extLst>
               <a:ext uri="{FF2B5EF4-FFF2-40B4-BE49-F238E27FC236}">
-                <a16:creationId xmlns:a16="http://schemas.microsoft.com/office/drawing/2014/main" xmlns="" id="{5F25B444-F466-4711-BCA3-B8D4F780A0D5}"/>
+                <a16:creationId xmlns:a16="http://schemas.microsoft.com/office/drawing/2014/main" id="{5F25B444-F466-4711-BCA3-B8D4F780A0D5}"/>
               </a:ext>
             </a:extLst>
           </p:cNvPr>
@@ -10319,7 +10304,7 @@
           <p:cNvPr id="3" name="Text Placeholder 2">
             <a:extLst>
               <a:ext uri="{FF2B5EF4-FFF2-40B4-BE49-F238E27FC236}">
-                <a16:creationId xmlns:a16="http://schemas.microsoft.com/office/drawing/2014/main" xmlns="" id="{04A2A0C3-8FC4-4180-88EF-AD9F989AD26F}"/>
+                <a16:creationId xmlns:a16="http://schemas.microsoft.com/office/drawing/2014/main" id="{04A2A0C3-8FC4-4180-88EF-AD9F989AD26F}"/>
               </a:ext>
             </a:extLst>
           </p:cNvPr>
@@ -10382,7 +10367,7 @@
           <p:cNvPr id="5" name="Footer Placeholder 4">
             <a:extLst>
               <a:ext uri="{FF2B5EF4-FFF2-40B4-BE49-F238E27FC236}">
-                <a16:creationId xmlns:a16="http://schemas.microsoft.com/office/drawing/2014/main" xmlns="" id="{312DC643-F067-417A-81C8-F231B21D4E5E}"/>
+                <a16:creationId xmlns:a16="http://schemas.microsoft.com/office/drawing/2014/main" id="{312DC643-F067-417A-81C8-F231B21D4E5E}"/>
               </a:ext>
             </a:extLst>
           </p:cNvPr>
@@ -10414,7 +10399,7 @@
           <p:cNvPr id="4" name="Date Placeholder 3">
             <a:extLst>
               <a:ext uri="{FF2B5EF4-FFF2-40B4-BE49-F238E27FC236}">
-                <a16:creationId xmlns:a16="http://schemas.microsoft.com/office/drawing/2014/main" xmlns="" id="{AFBCC3D3-3A5C-456C-9AF2-F8AA7BAC4BDA}"/>
+                <a16:creationId xmlns:a16="http://schemas.microsoft.com/office/drawing/2014/main" id="{AFBCC3D3-3A5C-456C-9AF2-F8AA7BAC4BDA}"/>
               </a:ext>
             </a:extLst>
           </p:cNvPr>
@@ -10446,7 +10431,7 @@
           <p:cNvPr id="6" name="Slide Number Placeholder 5">
             <a:extLst>
               <a:ext uri="{FF2B5EF4-FFF2-40B4-BE49-F238E27FC236}">
-                <a16:creationId xmlns:a16="http://schemas.microsoft.com/office/drawing/2014/main" xmlns="" id="{88FD9A91-384B-4660-BE56-D01C75082A47}"/>
+                <a16:creationId xmlns:a16="http://schemas.microsoft.com/office/drawing/2014/main" id="{88FD9A91-384B-4660-BE56-D01C75082A47}"/>
               </a:ext>
             </a:extLst>
           </p:cNvPr>
@@ -10535,7 +10520,7 @@
           <p:cNvPr id="2" name="Title 1">
             <a:extLst>
               <a:ext uri="{FF2B5EF4-FFF2-40B4-BE49-F238E27FC236}">
-                <a16:creationId xmlns:a16="http://schemas.microsoft.com/office/drawing/2014/main" xmlns="" id="{B70F7150-AB09-4F5A-80DE-D038E5E3A357}"/>
+                <a16:creationId xmlns:a16="http://schemas.microsoft.com/office/drawing/2014/main" id="{B70F7150-AB09-4F5A-80DE-D038E5E3A357}"/>
               </a:ext>
             </a:extLst>
           </p:cNvPr>
@@ -10618,7 +10603,7 @@
           <p:cNvPr id="3" name="Text Placeholder 2">
             <a:extLst>
               <a:ext uri="{FF2B5EF4-FFF2-40B4-BE49-F238E27FC236}">
-                <a16:creationId xmlns:a16="http://schemas.microsoft.com/office/drawing/2014/main" xmlns="" id="{131F7C8A-FC91-4D07-8033-8830DE01E465}"/>
+                <a16:creationId xmlns:a16="http://schemas.microsoft.com/office/drawing/2014/main" id="{131F7C8A-FC91-4D07-8033-8830DE01E465}"/>
               </a:ext>
             </a:extLst>
           </p:cNvPr>
@@ -10864,7 +10849,7 @@
           <p:cNvPr id="5" name="Footer Placeholder 4">
             <a:extLst>
               <a:ext uri="{FF2B5EF4-FFF2-40B4-BE49-F238E27FC236}">
-                <a16:creationId xmlns:a16="http://schemas.microsoft.com/office/drawing/2014/main" xmlns="" id="{7986E4D7-C2DF-402E-A4CA-3E3F57113483}"/>
+                <a16:creationId xmlns:a16="http://schemas.microsoft.com/office/drawing/2014/main" id="{7986E4D7-C2DF-402E-A4CA-3E3F57113483}"/>
               </a:ext>
             </a:extLst>
           </p:cNvPr>
@@ -10896,7 +10881,7 @@
           <p:cNvPr id="4" name="Date Placeholder 3">
             <a:extLst>
               <a:ext uri="{FF2B5EF4-FFF2-40B4-BE49-F238E27FC236}">
-                <a16:creationId xmlns:a16="http://schemas.microsoft.com/office/drawing/2014/main" xmlns="" id="{9E66D067-BF04-4AC5-962C-B42AC9EBBE16}"/>
+                <a16:creationId xmlns:a16="http://schemas.microsoft.com/office/drawing/2014/main" id="{9E66D067-BF04-4AC5-962C-B42AC9EBBE16}"/>
               </a:ext>
             </a:extLst>
           </p:cNvPr>
@@ -10928,7 +10913,7 @@
           <p:cNvPr id="6" name="Slide Number Placeholder 5">
             <a:extLst>
               <a:ext uri="{FF2B5EF4-FFF2-40B4-BE49-F238E27FC236}">
-                <a16:creationId xmlns:a16="http://schemas.microsoft.com/office/drawing/2014/main" xmlns="" id="{2D12BEE7-7DFA-4DF4-A751-AAB629EE6A37}"/>
+                <a16:creationId xmlns:a16="http://schemas.microsoft.com/office/drawing/2014/main" id="{2D12BEE7-7DFA-4DF4-A751-AAB629EE6A37}"/>
               </a:ext>
             </a:extLst>
           </p:cNvPr>
@@ -11017,7 +11002,7 @@
           <p:cNvPr id="2" name="Title 1">
             <a:extLst>
               <a:ext uri="{FF2B5EF4-FFF2-40B4-BE49-F238E27FC236}">
-                <a16:creationId xmlns:a16="http://schemas.microsoft.com/office/drawing/2014/main" xmlns="" id="{58197738-E60E-4773-BF7D-3E9FF0CE454F}"/>
+                <a16:creationId xmlns:a16="http://schemas.microsoft.com/office/drawing/2014/main" id="{58197738-E60E-4773-BF7D-3E9FF0CE454F}"/>
               </a:ext>
             </a:extLst>
           </p:cNvPr>
@@ -11066,7 +11051,7 @@
           <p:cNvPr id="7" name="Content Placeholder 6" descr="See page 258 in book" title="See slide title">
             <a:extLst>
               <a:ext uri="{FF2B5EF4-FFF2-40B4-BE49-F238E27FC236}">
-                <a16:creationId xmlns:a16="http://schemas.microsoft.com/office/drawing/2014/main" xmlns="" id="{DCEFB51F-718F-43BC-B02B-203453C53F7A}"/>
+                <a16:creationId xmlns:a16="http://schemas.microsoft.com/office/drawing/2014/main" id="{DCEFB51F-718F-43BC-B02B-203453C53F7A}"/>
               </a:ext>
             </a:extLst>
           </p:cNvPr>
@@ -11104,7 +11089,7 @@
           <p:cNvPr id="5" name="Footer Placeholder 4">
             <a:extLst>
               <a:ext uri="{FF2B5EF4-FFF2-40B4-BE49-F238E27FC236}">
-                <a16:creationId xmlns:a16="http://schemas.microsoft.com/office/drawing/2014/main" xmlns="" id="{1F6315D0-31D2-4919-94A0-BAE1482C613E}"/>
+                <a16:creationId xmlns:a16="http://schemas.microsoft.com/office/drawing/2014/main" id="{1F6315D0-31D2-4919-94A0-BAE1482C613E}"/>
               </a:ext>
             </a:extLst>
           </p:cNvPr>
@@ -11136,7 +11121,7 @@
           <p:cNvPr id="4" name="Date Placeholder 3">
             <a:extLst>
               <a:ext uri="{FF2B5EF4-FFF2-40B4-BE49-F238E27FC236}">
-                <a16:creationId xmlns:a16="http://schemas.microsoft.com/office/drawing/2014/main" xmlns="" id="{D1C714DF-16F9-49B4-A70D-40BA070052C7}"/>
+                <a16:creationId xmlns:a16="http://schemas.microsoft.com/office/drawing/2014/main" id="{D1C714DF-16F9-49B4-A70D-40BA070052C7}"/>
               </a:ext>
             </a:extLst>
           </p:cNvPr>
@@ -11168,7 +11153,7 @@
           <p:cNvPr id="6" name="Slide Number Placeholder 5">
             <a:extLst>
               <a:ext uri="{FF2B5EF4-FFF2-40B4-BE49-F238E27FC236}">
-                <a16:creationId xmlns:a16="http://schemas.microsoft.com/office/drawing/2014/main" xmlns="" id="{641B5A76-C41D-4D33-8A1E-43A5F1B73E13}"/>
+                <a16:creationId xmlns:a16="http://schemas.microsoft.com/office/drawing/2014/main" id="{641B5A76-C41D-4D33-8A1E-43A5F1B73E13}"/>
               </a:ext>
             </a:extLst>
           </p:cNvPr>
@@ -11257,7 +11242,7 @@
           <p:cNvPr id="2" name="Title 1">
             <a:extLst>
               <a:ext uri="{FF2B5EF4-FFF2-40B4-BE49-F238E27FC236}">
-                <a16:creationId xmlns:a16="http://schemas.microsoft.com/office/drawing/2014/main" xmlns="" id="{69A121D4-8FC1-4CBE-8CAB-50AC6829D184}"/>
+                <a16:creationId xmlns:a16="http://schemas.microsoft.com/office/drawing/2014/main" id="{69A121D4-8FC1-4CBE-8CAB-50AC6829D184}"/>
               </a:ext>
             </a:extLst>
           </p:cNvPr>
@@ -11295,25 +11280,17 @@
                 <a:ea typeface="Times New Roman" panose="02020603050405020304" pitchFamily="18" charset="0"/>
                 <a:cs typeface="Times New Roman" panose="02020603050405020304" pitchFamily="18" charset="0"/>
               </a:rPr>
-              <a:t>HTML for an unordered </a:t>
-            </a:r>
-            <a:r>
-              <a:rPr lang="en-US" dirty="0" smtClean="0">
+              <a:t>HTML for an unordered list with paragraphs </a:t>
+            </a:r>
+            <a:br>
+              <a:rPr lang="en-US" dirty="0">
                 <a:latin typeface="Arial" panose="020B0604020202020204" pitchFamily="34" charset="0"/>
                 <a:ea typeface="Times New Roman" panose="02020603050405020304" pitchFamily="18" charset="0"/>
                 <a:cs typeface="Times New Roman" panose="02020603050405020304" pitchFamily="18" charset="0"/>
               </a:rPr>
-              <a:t>list with paragraphs </a:t>
-            </a:r>
-            <a:br>
-              <a:rPr lang="en-US" dirty="0" smtClean="0">
-                <a:latin typeface="Arial" panose="020B0604020202020204" pitchFamily="34" charset="0"/>
-                <a:ea typeface="Times New Roman" panose="02020603050405020304" pitchFamily="18" charset="0"/>
-                <a:cs typeface="Times New Roman" panose="02020603050405020304" pitchFamily="18" charset="0"/>
-              </a:rPr>
             </a:br>
             <a:r>
-              <a:rPr lang="en-US" dirty="0" smtClean="0">
+              <a:rPr lang="en-US" dirty="0">
                 <a:latin typeface="Arial" panose="020B0604020202020204" pitchFamily="34" charset="0"/>
                 <a:ea typeface="Times New Roman" panose="02020603050405020304" pitchFamily="18" charset="0"/>
                 <a:cs typeface="Times New Roman" panose="02020603050405020304" pitchFamily="18" charset="0"/>
@@ -11329,7 +11306,7 @@
           <p:cNvPr id="3" name="Text Placeholder 2">
             <a:extLst>
               <a:ext uri="{FF2B5EF4-FFF2-40B4-BE49-F238E27FC236}">
-                <a16:creationId xmlns:a16="http://schemas.microsoft.com/office/drawing/2014/main" xmlns="" id="{5862F5B9-160F-408B-96F1-E8E098B4CD10}"/>
+                <a16:creationId xmlns:a16="http://schemas.microsoft.com/office/drawing/2014/main" id="{5862F5B9-160F-408B-96F1-E8E098B4CD10}"/>
               </a:ext>
             </a:extLst>
           </p:cNvPr>
@@ -11785,7 +11762,7 @@
           <p:cNvPr id="5" name="Footer Placeholder 4">
             <a:extLst>
               <a:ext uri="{FF2B5EF4-FFF2-40B4-BE49-F238E27FC236}">
-                <a16:creationId xmlns:a16="http://schemas.microsoft.com/office/drawing/2014/main" xmlns="" id="{1F69E33E-DDA0-4DB7-B554-B532368FD782}"/>
+                <a16:creationId xmlns:a16="http://schemas.microsoft.com/office/drawing/2014/main" id="{1F69E33E-DDA0-4DB7-B554-B532368FD782}"/>
               </a:ext>
             </a:extLst>
           </p:cNvPr>
@@ -11817,7 +11794,7 @@
           <p:cNvPr id="4" name="Date Placeholder 3">
             <a:extLst>
               <a:ext uri="{FF2B5EF4-FFF2-40B4-BE49-F238E27FC236}">
-                <a16:creationId xmlns:a16="http://schemas.microsoft.com/office/drawing/2014/main" xmlns="" id="{98789841-6E8C-4811-9F62-5705A43510A4}"/>
+                <a16:creationId xmlns:a16="http://schemas.microsoft.com/office/drawing/2014/main" id="{98789841-6E8C-4811-9F62-5705A43510A4}"/>
               </a:ext>
             </a:extLst>
           </p:cNvPr>
@@ -11849,7 +11826,7 @@
           <p:cNvPr id="6" name="Slide Number Placeholder 5">
             <a:extLst>
               <a:ext uri="{FF2B5EF4-FFF2-40B4-BE49-F238E27FC236}">
-                <a16:creationId xmlns:a16="http://schemas.microsoft.com/office/drawing/2014/main" xmlns="" id="{4A785EAE-7F87-4C69-A26F-4CE0763FD42F}"/>
+                <a16:creationId xmlns:a16="http://schemas.microsoft.com/office/drawing/2014/main" id="{4A785EAE-7F87-4C69-A26F-4CE0763FD42F}"/>
               </a:ext>
             </a:extLst>
           </p:cNvPr>
@@ -11938,7 +11915,7 @@
           <p:cNvPr id="2" name="Title 1">
             <a:extLst>
               <a:ext uri="{FF2B5EF4-FFF2-40B4-BE49-F238E27FC236}">
-                <a16:creationId xmlns:a16="http://schemas.microsoft.com/office/drawing/2014/main" xmlns="" id="{9DCA3D45-D0D0-4117-98C0-98537C28A6C5}"/>
+                <a16:creationId xmlns:a16="http://schemas.microsoft.com/office/drawing/2014/main" id="{9DCA3D45-D0D0-4117-98C0-98537C28A6C5}"/>
               </a:ext>
             </a:extLst>
           </p:cNvPr>
@@ -11987,7 +11964,7 @@
           <p:cNvPr id="7" name="Content Placeholder 6" descr="See page 258 in book" title="See slide title">
             <a:extLst>
               <a:ext uri="{FF2B5EF4-FFF2-40B4-BE49-F238E27FC236}">
-                <a16:creationId xmlns:a16="http://schemas.microsoft.com/office/drawing/2014/main" xmlns="" id="{C823E3B7-D5F0-44BC-96A9-820D15A33A08}"/>
+                <a16:creationId xmlns:a16="http://schemas.microsoft.com/office/drawing/2014/main" id="{C823E3B7-D5F0-44BC-96A9-820D15A33A08}"/>
               </a:ext>
             </a:extLst>
           </p:cNvPr>
@@ -12025,7 +12002,7 @@
           <p:cNvPr id="5" name="Footer Placeholder 4">
             <a:extLst>
               <a:ext uri="{FF2B5EF4-FFF2-40B4-BE49-F238E27FC236}">
-                <a16:creationId xmlns:a16="http://schemas.microsoft.com/office/drawing/2014/main" xmlns="" id="{03F59418-F66D-4996-8B70-49D799E3A1BE}"/>
+                <a16:creationId xmlns:a16="http://schemas.microsoft.com/office/drawing/2014/main" id="{03F59418-F66D-4996-8B70-49D799E3A1BE}"/>
               </a:ext>
             </a:extLst>
           </p:cNvPr>
@@ -12057,7 +12034,7 @@
           <p:cNvPr id="4" name="Date Placeholder 3">
             <a:extLst>
               <a:ext uri="{FF2B5EF4-FFF2-40B4-BE49-F238E27FC236}">
-                <a16:creationId xmlns:a16="http://schemas.microsoft.com/office/drawing/2014/main" xmlns="" id="{E4886AC6-5CF1-464C-B91E-AB7FAEA559E2}"/>
+                <a16:creationId xmlns:a16="http://schemas.microsoft.com/office/drawing/2014/main" id="{E4886AC6-5CF1-464C-B91E-AB7FAEA559E2}"/>
               </a:ext>
             </a:extLst>
           </p:cNvPr>
@@ -12089,7 +12066,7 @@
           <p:cNvPr id="6" name="Slide Number Placeholder 5">
             <a:extLst>
               <a:ext uri="{FF2B5EF4-FFF2-40B4-BE49-F238E27FC236}">
-                <a16:creationId xmlns:a16="http://schemas.microsoft.com/office/drawing/2014/main" xmlns="" id="{805E8573-9915-4443-BA64-720A4559B950}"/>
+                <a16:creationId xmlns:a16="http://schemas.microsoft.com/office/drawing/2014/main" id="{805E8573-9915-4443-BA64-720A4559B950}"/>
               </a:ext>
             </a:extLst>
           </p:cNvPr>
@@ -12178,7 +12155,7 @@
           <p:cNvPr id="2" name="Title 1">
             <a:extLst>
               <a:ext uri="{FF2B5EF4-FFF2-40B4-BE49-F238E27FC236}">
-                <a16:creationId xmlns:a16="http://schemas.microsoft.com/office/drawing/2014/main" xmlns="" id="{62FEAA16-78F9-4602-B5BB-B4694BFC8439}"/>
+                <a16:creationId xmlns:a16="http://schemas.microsoft.com/office/drawing/2014/main" id="{62FEAA16-78F9-4602-B5BB-B4694BFC8439}"/>
               </a:ext>
             </a:extLst>
           </p:cNvPr>
@@ -12227,7 +12204,7 @@
           <p:cNvPr id="7" name="Content Placeholder 6" descr="See page 260 in book" title="See slide title">
             <a:extLst>
               <a:ext uri="{FF2B5EF4-FFF2-40B4-BE49-F238E27FC236}">
-                <a16:creationId xmlns:a16="http://schemas.microsoft.com/office/drawing/2014/main" xmlns="" id="{BDD92492-B735-4D42-ABCD-D191DA7B813B}"/>
+                <a16:creationId xmlns:a16="http://schemas.microsoft.com/office/drawing/2014/main" id="{BDD92492-B735-4D42-ABCD-D191DA7B813B}"/>
               </a:ext>
             </a:extLst>
           </p:cNvPr>
@@ -12265,7 +12242,7 @@
           <p:cNvPr id="5" name="Footer Placeholder 4">
             <a:extLst>
               <a:ext uri="{FF2B5EF4-FFF2-40B4-BE49-F238E27FC236}">
-                <a16:creationId xmlns:a16="http://schemas.microsoft.com/office/drawing/2014/main" xmlns="" id="{CCB8B249-63ED-403E-A616-8D6DBFDC7A10}"/>
+                <a16:creationId xmlns:a16="http://schemas.microsoft.com/office/drawing/2014/main" id="{CCB8B249-63ED-403E-A616-8D6DBFDC7A10}"/>
               </a:ext>
             </a:extLst>
           </p:cNvPr>
@@ -12297,7 +12274,7 @@
           <p:cNvPr id="4" name="Date Placeholder 3">
             <a:extLst>
               <a:ext uri="{FF2B5EF4-FFF2-40B4-BE49-F238E27FC236}">
-                <a16:creationId xmlns:a16="http://schemas.microsoft.com/office/drawing/2014/main" xmlns="" id="{F57F7672-8912-437D-8473-A12D8849F3D4}"/>
+                <a16:creationId xmlns:a16="http://schemas.microsoft.com/office/drawing/2014/main" id="{F57F7672-8912-437D-8473-A12D8849F3D4}"/>
               </a:ext>
             </a:extLst>
           </p:cNvPr>
@@ -12329,7 +12306,7 @@
           <p:cNvPr id="6" name="Slide Number Placeholder 5">
             <a:extLst>
               <a:ext uri="{FF2B5EF4-FFF2-40B4-BE49-F238E27FC236}">
-                <a16:creationId xmlns:a16="http://schemas.microsoft.com/office/drawing/2014/main" xmlns="" id="{D24F28A9-782B-47E6-AF42-EF25A1B86BAC}"/>
+                <a16:creationId xmlns:a16="http://schemas.microsoft.com/office/drawing/2014/main" id="{D24F28A9-782B-47E6-AF42-EF25A1B86BAC}"/>
               </a:ext>
             </a:extLst>
           </p:cNvPr>
@@ -12418,7 +12395,7 @@
           <p:cNvPr id="2" name="Title 1">
             <a:extLst>
               <a:ext uri="{FF2B5EF4-FFF2-40B4-BE49-F238E27FC236}">
-                <a16:creationId xmlns:a16="http://schemas.microsoft.com/office/drawing/2014/main" xmlns="" id="{00833C54-E4E2-48F4-AFAE-3274C7B6554D}"/>
+                <a16:creationId xmlns:a16="http://schemas.microsoft.com/office/drawing/2014/main" id="{00833C54-E4E2-48F4-AFAE-3274C7B6554D}"/>
               </a:ext>
             </a:extLst>
           </p:cNvPr>
@@ -12467,7 +12444,7 @@
           <p:cNvPr id="7" name="Content Placeholder 6" descr="See page 260 in book" title="See slide title">
             <a:extLst>
               <a:ext uri="{FF2B5EF4-FFF2-40B4-BE49-F238E27FC236}">
-                <a16:creationId xmlns:a16="http://schemas.microsoft.com/office/drawing/2014/main" xmlns="" id="{A2FAB782-2EA1-47A6-8780-F8294F3927CE}"/>
+                <a16:creationId xmlns:a16="http://schemas.microsoft.com/office/drawing/2014/main" id="{A2FAB782-2EA1-47A6-8780-F8294F3927CE}"/>
               </a:ext>
             </a:extLst>
           </p:cNvPr>
@@ -12505,7 +12482,7 @@
           <p:cNvPr id="5" name="Footer Placeholder 4">
             <a:extLst>
               <a:ext uri="{FF2B5EF4-FFF2-40B4-BE49-F238E27FC236}">
-                <a16:creationId xmlns:a16="http://schemas.microsoft.com/office/drawing/2014/main" xmlns="" id="{D506D866-91F1-4CA1-ABBF-262A2C78FBD7}"/>
+                <a16:creationId xmlns:a16="http://schemas.microsoft.com/office/drawing/2014/main" id="{D506D866-91F1-4CA1-ABBF-262A2C78FBD7}"/>
               </a:ext>
             </a:extLst>
           </p:cNvPr>
@@ -12537,7 +12514,7 @@
           <p:cNvPr id="4" name="Date Placeholder 3">
             <a:extLst>
               <a:ext uri="{FF2B5EF4-FFF2-40B4-BE49-F238E27FC236}">
-                <a16:creationId xmlns:a16="http://schemas.microsoft.com/office/drawing/2014/main" xmlns="" id="{5974AF61-405F-4BAC-9E50-1F1170C616E1}"/>
+                <a16:creationId xmlns:a16="http://schemas.microsoft.com/office/drawing/2014/main" id="{5974AF61-405F-4BAC-9E50-1F1170C616E1}"/>
               </a:ext>
             </a:extLst>
           </p:cNvPr>
@@ -12569,7 +12546,7 @@
           <p:cNvPr id="6" name="Slide Number Placeholder 5">
             <a:extLst>
               <a:ext uri="{FF2B5EF4-FFF2-40B4-BE49-F238E27FC236}">
-                <a16:creationId xmlns:a16="http://schemas.microsoft.com/office/drawing/2014/main" xmlns="" id="{52F12B3A-D0AA-4830-B587-C0D1283EC21B}"/>
+                <a16:creationId xmlns:a16="http://schemas.microsoft.com/office/drawing/2014/main" id="{52F12B3A-D0AA-4830-B587-C0D1283EC21B}"/>
               </a:ext>
             </a:extLst>
           </p:cNvPr>
@@ -12658,7 +12635,7 @@
           <p:cNvPr id="2" name="Title 1">
             <a:extLst>
               <a:ext uri="{FF2B5EF4-FFF2-40B4-BE49-F238E27FC236}">
-                <a16:creationId xmlns:a16="http://schemas.microsoft.com/office/drawing/2014/main" xmlns="" id="{9E3441DD-62C1-41E8-9E93-9FEDB6D1446A}"/>
+                <a16:creationId xmlns:a16="http://schemas.microsoft.com/office/drawing/2014/main" id="{9E3441DD-62C1-41E8-9E93-9FEDB6D1446A}"/>
               </a:ext>
             </a:extLst>
           </p:cNvPr>
@@ -12707,7 +12684,7 @@
           <p:cNvPr id="3" name="Text Placeholder 2">
             <a:extLst>
               <a:ext uri="{FF2B5EF4-FFF2-40B4-BE49-F238E27FC236}">
-                <a16:creationId xmlns:a16="http://schemas.microsoft.com/office/drawing/2014/main" xmlns="" id="{750A2EEA-90EC-42B1-A36A-F7B41B072340}"/>
+                <a16:creationId xmlns:a16="http://schemas.microsoft.com/office/drawing/2014/main" id="{750A2EEA-90EC-42B1-A36A-F7B41B072340}"/>
               </a:ext>
             </a:extLst>
           </p:cNvPr>
@@ -13115,7 +13092,7 @@
           <p:cNvPr id="5" name="Footer Placeholder 4">
             <a:extLst>
               <a:ext uri="{FF2B5EF4-FFF2-40B4-BE49-F238E27FC236}">
-                <a16:creationId xmlns:a16="http://schemas.microsoft.com/office/drawing/2014/main" xmlns="" id="{E95FC3E8-F56C-49CD-ACE7-D18965875F5F}"/>
+                <a16:creationId xmlns:a16="http://schemas.microsoft.com/office/drawing/2014/main" id="{E95FC3E8-F56C-49CD-ACE7-D18965875F5F}"/>
               </a:ext>
             </a:extLst>
           </p:cNvPr>
@@ -13147,7 +13124,7 @@
           <p:cNvPr id="4" name="Date Placeholder 3">
             <a:extLst>
               <a:ext uri="{FF2B5EF4-FFF2-40B4-BE49-F238E27FC236}">
-                <a16:creationId xmlns:a16="http://schemas.microsoft.com/office/drawing/2014/main" xmlns="" id="{19CBE6C3-06FE-4884-835D-B304803EAE12}"/>
+                <a16:creationId xmlns:a16="http://schemas.microsoft.com/office/drawing/2014/main" id="{19CBE6C3-06FE-4884-835D-B304803EAE12}"/>
               </a:ext>
             </a:extLst>
           </p:cNvPr>
@@ -13179,7 +13156,7 @@
           <p:cNvPr id="6" name="Slide Number Placeholder 5">
             <a:extLst>
               <a:ext uri="{FF2B5EF4-FFF2-40B4-BE49-F238E27FC236}">
-                <a16:creationId xmlns:a16="http://schemas.microsoft.com/office/drawing/2014/main" xmlns="" id="{BD6BD2D0-E64E-47FE-B3F1-8989B78B58A4}"/>
+                <a16:creationId xmlns:a16="http://schemas.microsoft.com/office/drawing/2014/main" id="{BD6BD2D0-E64E-47FE-B3F1-8989B78B58A4}"/>
               </a:ext>
             </a:extLst>
           </p:cNvPr>
@@ -13268,7 +13245,7 @@
           <p:cNvPr id="2" name="Title 1">
             <a:extLst>
               <a:ext uri="{FF2B5EF4-FFF2-40B4-BE49-F238E27FC236}">
-                <a16:creationId xmlns:a16="http://schemas.microsoft.com/office/drawing/2014/main" xmlns="" id="{47910091-64A3-4606-B0B7-FA08CBD0A5B3}"/>
+                <a16:creationId xmlns:a16="http://schemas.microsoft.com/office/drawing/2014/main" id="{47910091-64A3-4606-B0B7-FA08CBD0A5B3}"/>
               </a:ext>
             </a:extLst>
           </p:cNvPr>
@@ -13317,7 +13294,7 @@
           <p:cNvPr id="3" name="Text Placeholder 2">
             <a:extLst>
               <a:ext uri="{FF2B5EF4-FFF2-40B4-BE49-F238E27FC236}">
-                <a16:creationId xmlns:a16="http://schemas.microsoft.com/office/drawing/2014/main" xmlns="" id="{77F91AE8-32B4-4865-AFB5-66BCAACB88D0}"/>
+                <a16:creationId xmlns:a16="http://schemas.microsoft.com/office/drawing/2014/main" id="{77F91AE8-32B4-4865-AFB5-66BCAACB88D0}"/>
               </a:ext>
             </a:extLst>
           </p:cNvPr>
@@ -13410,7 +13387,7 @@
           <p:cNvPr id="5" name="Footer Placeholder 4">
             <a:extLst>
               <a:ext uri="{FF2B5EF4-FFF2-40B4-BE49-F238E27FC236}">
-                <a16:creationId xmlns:a16="http://schemas.microsoft.com/office/drawing/2014/main" xmlns="" id="{C634F311-777E-4BA6-B2E7-8CA1B8D29577}"/>
+                <a16:creationId xmlns:a16="http://schemas.microsoft.com/office/drawing/2014/main" id="{C634F311-777E-4BA6-B2E7-8CA1B8D29577}"/>
               </a:ext>
             </a:extLst>
           </p:cNvPr>
@@ -13442,7 +13419,7 @@
           <p:cNvPr id="4" name="Date Placeholder 3">
             <a:extLst>
               <a:ext uri="{FF2B5EF4-FFF2-40B4-BE49-F238E27FC236}">
-                <a16:creationId xmlns:a16="http://schemas.microsoft.com/office/drawing/2014/main" xmlns="" id="{F7B07E45-E328-45C4-A4F5-CE6F63C67037}"/>
+                <a16:creationId xmlns:a16="http://schemas.microsoft.com/office/drawing/2014/main" id="{F7B07E45-E328-45C4-A4F5-CE6F63C67037}"/>
               </a:ext>
             </a:extLst>
           </p:cNvPr>
@@ -13474,7 +13451,7 @@
           <p:cNvPr id="6" name="Slide Number Placeholder 5">
             <a:extLst>
               <a:ext uri="{FF2B5EF4-FFF2-40B4-BE49-F238E27FC236}">
-                <a16:creationId xmlns:a16="http://schemas.microsoft.com/office/drawing/2014/main" xmlns="" id="{8E2E7F1B-ECDC-4F3B-8A3F-BA7BD0089D3F}"/>
+                <a16:creationId xmlns:a16="http://schemas.microsoft.com/office/drawing/2014/main" id="{8E2E7F1B-ECDC-4F3B-8A3F-BA7BD0089D3F}"/>
               </a:ext>
             </a:extLst>
           </p:cNvPr>
@@ -13563,7 +13540,7 @@
           <p:cNvPr id="2" name="Title 1">
             <a:extLst>
               <a:ext uri="{FF2B5EF4-FFF2-40B4-BE49-F238E27FC236}">
-                <a16:creationId xmlns:a16="http://schemas.microsoft.com/office/drawing/2014/main" xmlns="" id="{D138A9BE-113D-4405-B937-E8A09C8B8EE0}"/>
+                <a16:creationId xmlns:a16="http://schemas.microsoft.com/office/drawing/2014/main" id="{D138A9BE-113D-4405-B937-E8A09C8B8EE0}"/>
               </a:ext>
             </a:extLst>
           </p:cNvPr>
@@ -13627,7 +13604,7 @@
           <p:cNvPr id="3" name="Text Placeholder 2">
             <a:extLst>
               <a:ext uri="{FF2B5EF4-FFF2-40B4-BE49-F238E27FC236}">
-                <a16:creationId xmlns:a16="http://schemas.microsoft.com/office/drawing/2014/main" xmlns="" id="{93B0AF49-6503-4077-960C-CAA5DEBB6391}"/>
+                <a16:creationId xmlns:a16="http://schemas.microsoft.com/office/drawing/2014/main" id="{93B0AF49-6503-4077-960C-CAA5DEBB6391}"/>
               </a:ext>
             </a:extLst>
           </p:cNvPr>
@@ -13736,7 +13713,7 @@
           <p:cNvPr id="5" name="Footer Placeholder 4">
             <a:extLst>
               <a:ext uri="{FF2B5EF4-FFF2-40B4-BE49-F238E27FC236}">
-                <a16:creationId xmlns:a16="http://schemas.microsoft.com/office/drawing/2014/main" xmlns="" id="{8F92DABA-056F-440F-9048-B63E5E438AD2}"/>
+                <a16:creationId xmlns:a16="http://schemas.microsoft.com/office/drawing/2014/main" id="{8F92DABA-056F-440F-9048-B63E5E438AD2}"/>
               </a:ext>
             </a:extLst>
           </p:cNvPr>
@@ -13768,7 +13745,7 @@
           <p:cNvPr id="4" name="Date Placeholder 3">
             <a:extLst>
               <a:ext uri="{FF2B5EF4-FFF2-40B4-BE49-F238E27FC236}">
-                <a16:creationId xmlns:a16="http://schemas.microsoft.com/office/drawing/2014/main" xmlns="" id="{D586515A-A1E1-4D71-802E-4BD015EEDBD2}"/>
+                <a16:creationId xmlns:a16="http://schemas.microsoft.com/office/drawing/2014/main" id="{D586515A-A1E1-4D71-802E-4BD015EEDBD2}"/>
               </a:ext>
             </a:extLst>
           </p:cNvPr>
@@ -13800,7 +13777,7 @@
           <p:cNvPr id="6" name="Slide Number Placeholder 5">
             <a:extLst>
               <a:ext uri="{FF2B5EF4-FFF2-40B4-BE49-F238E27FC236}">
-                <a16:creationId xmlns:a16="http://schemas.microsoft.com/office/drawing/2014/main" xmlns="" id="{E7105AE1-A09C-445C-BC7E-CA892095E2E9}"/>
+                <a16:creationId xmlns:a16="http://schemas.microsoft.com/office/drawing/2014/main" id="{E7105AE1-A09C-445C-BC7E-CA892095E2E9}"/>
               </a:ext>
             </a:extLst>
           </p:cNvPr>
@@ -13889,7 +13866,7 @@
           <p:cNvPr id="2" name="Title 1">
             <a:extLst>
               <a:ext uri="{FF2B5EF4-FFF2-40B4-BE49-F238E27FC236}">
-                <a16:creationId xmlns:a16="http://schemas.microsoft.com/office/drawing/2014/main" xmlns="" id="{91D98CF1-8C0A-4D17-8B63-7A0E41D863F6}"/>
+                <a16:creationId xmlns:a16="http://schemas.microsoft.com/office/drawing/2014/main" id="{91D98CF1-8C0A-4D17-8B63-7A0E41D863F6}"/>
               </a:ext>
             </a:extLst>
           </p:cNvPr>
@@ -13938,7 +13915,7 @@
           <p:cNvPr id="7" name="Content Placeholder 6" descr="See page 262 in book" title="See slide title">
             <a:extLst>
               <a:ext uri="{FF2B5EF4-FFF2-40B4-BE49-F238E27FC236}">
-                <a16:creationId xmlns:a16="http://schemas.microsoft.com/office/drawing/2014/main" xmlns="" id="{A99070FB-18E0-4A9D-8109-CF249523073E}"/>
+                <a16:creationId xmlns:a16="http://schemas.microsoft.com/office/drawing/2014/main" id="{A99070FB-18E0-4A9D-8109-CF249523073E}"/>
               </a:ext>
             </a:extLst>
           </p:cNvPr>
@@ -13976,7 +13953,7 @@
           <p:cNvPr id="5" name="Footer Placeholder 4">
             <a:extLst>
               <a:ext uri="{FF2B5EF4-FFF2-40B4-BE49-F238E27FC236}">
-                <a16:creationId xmlns:a16="http://schemas.microsoft.com/office/drawing/2014/main" xmlns="" id="{05295929-A701-490E-ADF8-285C714914FA}"/>
+                <a16:creationId xmlns:a16="http://schemas.microsoft.com/office/drawing/2014/main" id="{05295929-A701-490E-ADF8-285C714914FA}"/>
               </a:ext>
             </a:extLst>
           </p:cNvPr>
@@ -14008,7 +13985,7 @@
           <p:cNvPr id="4" name="Date Placeholder 3">
             <a:extLst>
               <a:ext uri="{FF2B5EF4-FFF2-40B4-BE49-F238E27FC236}">
-                <a16:creationId xmlns:a16="http://schemas.microsoft.com/office/drawing/2014/main" xmlns="" id="{AD3A19D2-AAD2-4131-870B-8D34165D7C38}"/>
+                <a16:creationId xmlns:a16="http://schemas.microsoft.com/office/drawing/2014/main" id="{AD3A19D2-AAD2-4131-870B-8D34165D7C38}"/>
               </a:ext>
             </a:extLst>
           </p:cNvPr>
@@ -14040,7 +14017,7 @@
           <p:cNvPr id="6" name="Slide Number Placeholder 5">
             <a:extLst>
               <a:ext uri="{FF2B5EF4-FFF2-40B4-BE49-F238E27FC236}">
-                <a16:creationId xmlns:a16="http://schemas.microsoft.com/office/drawing/2014/main" xmlns="" id="{91F1AFCB-080A-4C39-8E6E-B5CA9D4B2D22}"/>
+                <a16:creationId xmlns:a16="http://schemas.microsoft.com/office/drawing/2014/main" id="{91F1AFCB-080A-4C39-8E6E-B5CA9D4B2D22}"/>
               </a:ext>
             </a:extLst>
           </p:cNvPr>
@@ -14129,7 +14106,7 @@
           <p:cNvPr id="2" name="Title 1">
             <a:extLst>
               <a:ext uri="{FF2B5EF4-FFF2-40B4-BE49-F238E27FC236}">
-                <a16:creationId xmlns:a16="http://schemas.microsoft.com/office/drawing/2014/main" xmlns="" id="{35F4FE7E-9BFD-4A7D-A430-13CFB7DCB735}"/>
+                <a16:creationId xmlns:a16="http://schemas.microsoft.com/office/drawing/2014/main" id="{35F4FE7E-9BFD-4A7D-A430-13CFB7DCB735}"/>
               </a:ext>
             </a:extLst>
           </p:cNvPr>
@@ -14178,7 +14155,7 @@
           <p:cNvPr id="3" name="Text Placeholder 2">
             <a:extLst>
               <a:ext uri="{FF2B5EF4-FFF2-40B4-BE49-F238E27FC236}">
-                <a16:creationId xmlns:a16="http://schemas.microsoft.com/office/drawing/2014/main" xmlns="" id="{8C884011-D52C-400F-A36E-C9EEC056DABE}"/>
+                <a16:creationId xmlns:a16="http://schemas.microsoft.com/office/drawing/2014/main" id="{8C884011-D52C-400F-A36E-C9EEC056DABE}"/>
               </a:ext>
             </a:extLst>
           </p:cNvPr>
@@ -14255,7 +14232,7 @@
           <p:cNvPr id="5" name="Footer Placeholder 4">
             <a:extLst>
               <a:ext uri="{FF2B5EF4-FFF2-40B4-BE49-F238E27FC236}">
-                <a16:creationId xmlns:a16="http://schemas.microsoft.com/office/drawing/2014/main" xmlns="" id="{F4014983-BF75-4823-AD8A-22726473CDEA}"/>
+                <a16:creationId xmlns:a16="http://schemas.microsoft.com/office/drawing/2014/main" id="{F4014983-BF75-4823-AD8A-22726473CDEA}"/>
               </a:ext>
             </a:extLst>
           </p:cNvPr>
@@ -14287,7 +14264,7 @@
           <p:cNvPr id="4" name="Date Placeholder 3">
             <a:extLst>
               <a:ext uri="{FF2B5EF4-FFF2-40B4-BE49-F238E27FC236}">
-                <a16:creationId xmlns:a16="http://schemas.microsoft.com/office/drawing/2014/main" xmlns="" id="{BC156294-C22D-4059-8910-F5C5942E47AE}"/>
+                <a16:creationId xmlns:a16="http://schemas.microsoft.com/office/drawing/2014/main" id="{BC156294-C22D-4059-8910-F5C5942E47AE}"/>
               </a:ext>
             </a:extLst>
           </p:cNvPr>
@@ -14319,7 +14296,7 @@
           <p:cNvPr id="6" name="Slide Number Placeholder 5">
             <a:extLst>
               <a:ext uri="{FF2B5EF4-FFF2-40B4-BE49-F238E27FC236}">
-                <a16:creationId xmlns:a16="http://schemas.microsoft.com/office/drawing/2014/main" xmlns="" id="{91542298-D7A4-4735-9F10-BE6853E4E20D}"/>
+                <a16:creationId xmlns:a16="http://schemas.microsoft.com/office/drawing/2014/main" id="{91542298-D7A4-4735-9F10-BE6853E4E20D}"/>
               </a:ext>
             </a:extLst>
           </p:cNvPr>
@@ -14408,7 +14385,7 @@
           <p:cNvPr id="2" name="Title 1">
             <a:extLst>
               <a:ext uri="{FF2B5EF4-FFF2-40B4-BE49-F238E27FC236}">
-                <a16:creationId xmlns:a16="http://schemas.microsoft.com/office/drawing/2014/main" xmlns="" id="{71FA5B0A-EAD2-41FB-8340-492F0396653E}"/>
+                <a16:creationId xmlns:a16="http://schemas.microsoft.com/office/drawing/2014/main" id="{71FA5B0A-EAD2-41FB-8340-492F0396653E}"/>
               </a:ext>
             </a:extLst>
           </p:cNvPr>
@@ -14457,7 +14434,7 @@
           <p:cNvPr id="3" name="Text Placeholder 2">
             <a:extLst>
               <a:ext uri="{FF2B5EF4-FFF2-40B4-BE49-F238E27FC236}">
-                <a16:creationId xmlns:a16="http://schemas.microsoft.com/office/drawing/2014/main" xmlns="" id="{44C8A0C6-7924-43E8-9000-B7E4F67AFEA8}"/>
+                <a16:creationId xmlns:a16="http://schemas.microsoft.com/office/drawing/2014/main" id="{44C8A0C6-7924-43E8-9000-B7E4F67AFEA8}"/>
               </a:ext>
             </a:extLst>
           </p:cNvPr>
@@ -14562,7 +14539,7 @@
           <p:cNvPr id="5" name="Footer Placeholder 4">
             <a:extLst>
               <a:ext uri="{FF2B5EF4-FFF2-40B4-BE49-F238E27FC236}">
-                <a16:creationId xmlns:a16="http://schemas.microsoft.com/office/drawing/2014/main" xmlns="" id="{09DBECE0-6EF9-49B5-94B8-2E8B44DD651E}"/>
+                <a16:creationId xmlns:a16="http://schemas.microsoft.com/office/drawing/2014/main" id="{09DBECE0-6EF9-49B5-94B8-2E8B44DD651E}"/>
               </a:ext>
             </a:extLst>
           </p:cNvPr>
@@ -14594,7 +14571,7 @@
           <p:cNvPr id="4" name="Date Placeholder 3">
             <a:extLst>
               <a:ext uri="{FF2B5EF4-FFF2-40B4-BE49-F238E27FC236}">
-                <a16:creationId xmlns:a16="http://schemas.microsoft.com/office/drawing/2014/main" xmlns="" id="{FB1217F2-4311-4FFD-966D-67C95AC95158}"/>
+                <a16:creationId xmlns:a16="http://schemas.microsoft.com/office/drawing/2014/main" id="{FB1217F2-4311-4FFD-966D-67C95AC95158}"/>
               </a:ext>
             </a:extLst>
           </p:cNvPr>
@@ -14626,7 +14603,7 @@
           <p:cNvPr id="6" name="Slide Number Placeholder 5">
             <a:extLst>
               <a:ext uri="{FF2B5EF4-FFF2-40B4-BE49-F238E27FC236}">
-                <a16:creationId xmlns:a16="http://schemas.microsoft.com/office/drawing/2014/main" xmlns="" id="{C4646B8F-1806-45C5-942A-A3D8EE102FC4}"/>
+                <a16:creationId xmlns:a16="http://schemas.microsoft.com/office/drawing/2014/main" id="{C4646B8F-1806-45C5-942A-A3D8EE102FC4}"/>
               </a:ext>
             </a:extLst>
           </p:cNvPr>
@@ -14715,7 +14692,7 @@
           <p:cNvPr id="2" name="Title 1">
             <a:extLst>
               <a:ext uri="{FF2B5EF4-FFF2-40B4-BE49-F238E27FC236}">
-                <a16:creationId xmlns:a16="http://schemas.microsoft.com/office/drawing/2014/main" xmlns="" id="{C79CF571-35E1-46A6-B3C2-851AAD4205B9}"/>
+                <a16:creationId xmlns:a16="http://schemas.microsoft.com/office/drawing/2014/main" id="{C79CF571-35E1-46A6-B3C2-851AAD4205B9}"/>
               </a:ext>
             </a:extLst>
           </p:cNvPr>
@@ -14764,7 +14741,7 @@
           <p:cNvPr id="7" name="Content Placeholder 6" descr="See page 264 in book" title="See slide title">
             <a:extLst>
               <a:ext uri="{FF2B5EF4-FFF2-40B4-BE49-F238E27FC236}">
-                <a16:creationId xmlns:a16="http://schemas.microsoft.com/office/drawing/2014/main" xmlns="" id="{70B7A991-64F8-4B7B-9D7A-EA022FF6B4BF}"/>
+                <a16:creationId xmlns:a16="http://schemas.microsoft.com/office/drawing/2014/main" id="{70B7A991-64F8-4B7B-9D7A-EA022FF6B4BF}"/>
               </a:ext>
             </a:extLst>
           </p:cNvPr>
@@ -14802,7 +14779,7 @@
           <p:cNvPr id="5" name="Footer Placeholder 4">
             <a:extLst>
               <a:ext uri="{FF2B5EF4-FFF2-40B4-BE49-F238E27FC236}">
-                <a16:creationId xmlns:a16="http://schemas.microsoft.com/office/drawing/2014/main" xmlns="" id="{9FD25EA5-B8C8-4FA8-A30B-5E53D3BA301E}"/>
+                <a16:creationId xmlns:a16="http://schemas.microsoft.com/office/drawing/2014/main" id="{9FD25EA5-B8C8-4FA8-A30B-5E53D3BA301E}"/>
               </a:ext>
             </a:extLst>
           </p:cNvPr>
@@ -14834,7 +14811,7 @@
           <p:cNvPr id="4" name="Date Placeholder 3">
             <a:extLst>
               <a:ext uri="{FF2B5EF4-FFF2-40B4-BE49-F238E27FC236}">
-                <a16:creationId xmlns:a16="http://schemas.microsoft.com/office/drawing/2014/main" xmlns="" id="{D92ABFED-3284-4381-BE64-16A178C7C27C}"/>
+                <a16:creationId xmlns:a16="http://schemas.microsoft.com/office/drawing/2014/main" id="{D92ABFED-3284-4381-BE64-16A178C7C27C}"/>
               </a:ext>
             </a:extLst>
           </p:cNvPr>
@@ -14866,7 +14843,7 @@
           <p:cNvPr id="6" name="Slide Number Placeholder 5">
             <a:extLst>
               <a:ext uri="{FF2B5EF4-FFF2-40B4-BE49-F238E27FC236}">
-                <a16:creationId xmlns:a16="http://schemas.microsoft.com/office/drawing/2014/main" xmlns="" id="{6E963E39-DBDB-4C20-998B-0B4A0B854397}"/>
+                <a16:creationId xmlns:a16="http://schemas.microsoft.com/office/drawing/2014/main" id="{6E963E39-DBDB-4C20-998B-0B4A0B854397}"/>
               </a:ext>
             </a:extLst>
           </p:cNvPr>
@@ -14955,7 +14932,7 @@
           <p:cNvPr id="2" name="Title 1">
             <a:extLst>
               <a:ext uri="{FF2B5EF4-FFF2-40B4-BE49-F238E27FC236}">
-                <a16:creationId xmlns:a16="http://schemas.microsoft.com/office/drawing/2014/main" xmlns="" id="{7C01448B-E58A-4609-8686-49C4DFEAA674}"/>
+                <a16:creationId xmlns:a16="http://schemas.microsoft.com/office/drawing/2014/main" id="{7C01448B-E58A-4609-8686-49C4DFEAA674}"/>
               </a:ext>
             </a:extLst>
           </p:cNvPr>
@@ -15004,7 +14981,7 @@
           <p:cNvPr id="7" name="Content Placeholder 6" descr="See page 240 in book" title="See slide title">
             <a:extLst>
               <a:ext uri="{FF2B5EF4-FFF2-40B4-BE49-F238E27FC236}">
-                <a16:creationId xmlns:a16="http://schemas.microsoft.com/office/drawing/2014/main" xmlns="" id="{1066C0E9-2B98-406A-BEA7-0A0B41B52E8F}"/>
+                <a16:creationId xmlns:a16="http://schemas.microsoft.com/office/drawing/2014/main" id="{1066C0E9-2B98-406A-BEA7-0A0B41B52E8F}"/>
               </a:ext>
             </a:extLst>
           </p:cNvPr>
@@ -15042,7 +15019,7 @@
           <p:cNvPr id="5" name="Footer Placeholder 4">
             <a:extLst>
               <a:ext uri="{FF2B5EF4-FFF2-40B4-BE49-F238E27FC236}">
-                <a16:creationId xmlns:a16="http://schemas.microsoft.com/office/drawing/2014/main" xmlns="" id="{5A4777B7-C643-4BB7-A42A-999750E92615}"/>
+                <a16:creationId xmlns:a16="http://schemas.microsoft.com/office/drawing/2014/main" id="{5A4777B7-C643-4BB7-A42A-999750E92615}"/>
               </a:ext>
             </a:extLst>
           </p:cNvPr>
@@ -15074,7 +15051,7 @@
           <p:cNvPr id="4" name="Date Placeholder 3">
             <a:extLst>
               <a:ext uri="{FF2B5EF4-FFF2-40B4-BE49-F238E27FC236}">
-                <a16:creationId xmlns:a16="http://schemas.microsoft.com/office/drawing/2014/main" xmlns="" id="{38A44D43-71A4-4197-AAAC-295CFDF9D698}"/>
+                <a16:creationId xmlns:a16="http://schemas.microsoft.com/office/drawing/2014/main" id="{38A44D43-71A4-4197-AAAC-295CFDF9D698}"/>
               </a:ext>
             </a:extLst>
           </p:cNvPr>
@@ -15106,7 +15083,7 @@
           <p:cNvPr id="6" name="Slide Number Placeholder 5">
             <a:extLst>
               <a:ext uri="{FF2B5EF4-FFF2-40B4-BE49-F238E27FC236}">
-                <a16:creationId xmlns:a16="http://schemas.microsoft.com/office/drawing/2014/main" xmlns="" id="{B98BE87C-E3FD-4170-BC49-E406281726A4}"/>
+                <a16:creationId xmlns:a16="http://schemas.microsoft.com/office/drawing/2014/main" id="{B98BE87C-E3FD-4170-BC49-E406281726A4}"/>
               </a:ext>
             </a:extLst>
           </p:cNvPr>
@@ -15195,7 +15172,7 @@
           <p:cNvPr id="2" name="Title 1">
             <a:extLst>
               <a:ext uri="{FF2B5EF4-FFF2-40B4-BE49-F238E27FC236}">
-                <a16:creationId xmlns:a16="http://schemas.microsoft.com/office/drawing/2014/main" xmlns="" id="{BE4EA566-AE67-4E7E-90C5-2DD6D017B6D1}"/>
+                <a16:creationId xmlns:a16="http://schemas.microsoft.com/office/drawing/2014/main" id="{BE4EA566-AE67-4E7E-90C5-2DD6D017B6D1}"/>
               </a:ext>
             </a:extLst>
           </p:cNvPr>
@@ -15244,7 +15221,7 @@
           <p:cNvPr id="3" name="Text Placeholder 2">
             <a:extLst>
               <a:ext uri="{FF2B5EF4-FFF2-40B4-BE49-F238E27FC236}">
-                <a16:creationId xmlns:a16="http://schemas.microsoft.com/office/drawing/2014/main" xmlns="" id="{94795F2A-ECCD-4BB3-BE16-35B4DDF4F2B8}"/>
+                <a16:creationId xmlns:a16="http://schemas.microsoft.com/office/drawing/2014/main" id="{94795F2A-ECCD-4BB3-BE16-35B4DDF4F2B8}"/>
               </a:ext>
             </a:extLst>
           </p:cNvPr>
@@ -15315,15 +15292,7 @@
                 <a:ea typeface="Times New Roman" panose="02020603050405020304" pitchFamily="18" charset="0"/>
                 <a:cs typeface="Times New Roman" panose="02020603050405020304" pitchFamily="18" charset="0"/>
               </a:rPr>
-              <a:t>="mailto:support@murach.com"&gt;Send us an email&lt;/a</a:t>
-            </a:r>
-            <a:r>
-              <a:rPr lang="en-US" sz="1600" b="1" dirty="0" smtClean="0">
-                <a:latin typeface="Courier New" panose="02070309020205020404" pitchFamily="49" charset="0"/>
-                <a:ea typeface="Times New Roman" panose="02020603050405020304" pitchFamily="18" charset="0"/>
-                <a:cs typeface="Times New Roman" panose="02020603050405020304" pitchFamily="18" charset="0"/>
-              </a:rPr>
-              <a:t>&gt;</a:t>
+              <a:t>="mailto:support@murach.com"&gt;Send us an email&lt;/a&gt;</a:t>
             </a:r>
           </a:p>
           <a:p>
@@ -15339,7 +15308,7 @@
               </a:tabLst>
             </a:pPr>
             <a:r>
-              <a:rPr lang="en-US" b="1" dirty="0" smtClean="0">
+              <a:rPr lang="en-US" b="1" dirty="0">
                 <a:latin typeface="Arial" panose="020B0604020202020204" pitchFamily="34" charset="0"/>
                 <a:ea typeface="Times New Roman" panose="02020603050405020304" pitchFamily="18" charset="0"/>
                 <a:cs typeface="Arial" panose="020B0604020202020204" pitchFamily="34" charset="0"/>
@@ -15360,7 +15329,7 @@
               </a:tabLst>
             </a:pPr>
             <a:r>
-              <a:rPr lang="en-US" sz="1600" b="1" dirty="0" smtClean="0">
+              <a:rPr lang="en-US" sz="1600" b="1" dirty="0">
                 <a:latin typeface="Courier New" panose="02070309020205020404" pitchFamily="49" charset="0"/>
                 <a:ea typeface="Times New Roman" panose="02020603050405020304" pitchFamily="18" charset="0"/>
                 <a:cs typeface="Courier New" panose="02070309020205020404" pitchFamily="49" charset="0"/>
@@ -15368,7 +15337,7 @@
               <a:t>&lt;a </a:t>
             </a:r>
             <a:r>
-              <a:rPr lang="en-US" sz="1600" b="1" dirty="0" err="1" smtClean="0">
+              <a:rPr lang="en-US" sz="1600" b="1" dirty="0" err="1">
                 <a:latin typeface="Courier New" panose="02070309020205020404" pitchFamily="49" charset="0"/>
                 <a:ea typeface="Times New Roman" panose="02020603050405020304" pitchFamily="18" charset="0"/>
                 <a:cs typeface="Courier New" panose="02070309020205020404" pitchFamily="49" charset="0"/>
@@ -15376,7 +15345,7 @@
               <a:t>href</a:t>
             </a:r>
             <a:r>
-              <a:rPr lang="en-US" sz="1600" b="1" dirty="0" smtClean="0">
+              <a:rPr lang="en-US" sz="1600" b="1" dirty="0">
                 <a:latin typeface="Courier New" panose="02070309020205020404" pitchFamily="49" charset="0"/>
                 <a:ea typeface="Times New Roman" panose="02020603050405020304" pitchFamily="18" charset="0"/>
                 <a:cs typeface="Courier New" panose="02070309020205020404" pitchFamily="49" charset="0"/>
@@ -15384,14 +15353,14 @@
               <a:t>="mailto:support@murach.com?cc=ben@murach.com</a:t>
             </a:r>
             <a:br>
-              <a:rPr lang="en-US" sz="1600" b="1" dirty="0" smtClean="0">
+              <a:rPr lang="en-US" sz="1600" b="1" dirty="0">
                 <a:latin typeface="Courier New" panose="02070309020205020404" pitchFamily="49" charset="0"/>
                 <a:ea typeface="Times New Roman" panose="02020603050405020304" pitchFamily="18" charset="0"/>
                 <a:cs typeface="Courier New" panose="02070309020205020404" pitchFamily="49" charset="0"/>
               </a:rPr>
             </a:br>
             <a:r>
-              <a:rPr lang="en-US" sz="1600" b="1" dirty="0" smtClean="0">
+              <a:rPr lang="en-US" sz="1600" b="1" dirty="0">
                 <a:latin typeface="Courier New" panose="02070309020205020404" pitchFamily="49" charset="0"/>
                 <a:ea typeface="Times New Roman" panose="02020603050405020304" pitchFamily="18" charset="0"/>
                 <a:cs typeface="Courier New" panose="02070309020205020404" pitchFamily="49" charset="0"/>
@@ -15412,7 +15381,7 @@
               </a:tabLst>
             </a:pPr>
             <a:r>
-              <a:rPr lang="en-US" b="1" dirty="0" smtClean="0">
+              <a:rPr lang="en-US" b="1" dirty="0">
                 <a:latin typeface="Arial" panose="020B0604020202020204" pitchFamily="34" charset="0"/>
                 <a:ea typeface="Times New Roman" panose="02020603050405020304" pitchFamily="18" charset="0"/>
                 <a:cs typeface="Arial" panose="020B0604020202020204" pitchFamily="34" charset="0"/>
@@ -15433,7 +15402,7 @@
               </a:tabLst>
             </a:pPr>
             <a:r>
-              <a:rPr lang="en-US" sz="1600" b="1" dirty="0" smtClean="0">
+              <a:rPr lang="en-US" sz="1600" b="1" dirty="0">
                 <a:latin typeface="Courier New" panose="02070309020205020404" pitchFamily="49" charset="0"/>
                 <a:ea typeface="Times New Roman" panose="02020603050405020304" pitchFamily="18" charset="0"/>
                 <a:cs typeface="Courier New" panose="02070309020205020404" pitchFamily="49" charset="0"/>
@@ -15441,7 +15410,7 @@
               <a:t>&lt;a </a:t>
             </a:r>
             <a:r>
-              <a:rPr lang="en-US" sz="1600" b="1" dirty="0" err="1" smtClean="0">
+              <a:rPr lang="en-US" sz="1600" b="1" dirty="0" err="1">
                 <a:latin typeface="Courier New" panose="02070309020205020404" pitchFamily="49" charset="0"/>
                 <a:ea typeface="Times New Roman" panose="02020603050405020304" pitchFamily="18" charset="0"/>
                 <a:cs typeface="Courier New" panose="02070309020205020404" pitchFamily="49" charset="0"/>
@@ -15449,7 +15418,7 @@
               <a:t>href</a:t>
             </a:r>
             <a:r>
-              <a:rPr lang="en-US" sz="1600" b="1" dirty="0" smtClean="0">
+              <a:rPr lang="en-US" sz="1600" b="1" dirty="0">
                 <a:latin typeface="Courier New" panose="02070309020205020404" pitchFamily="49" charset="0"/>
                 <a:ea typeface="Times New Roman" panose="02020603050405020304" pitchFamily="18" charset="0"/>
                 <a:cs typeface="Courier New" panose="02070309020205020404" pitchFamily="49" charset="0"/>
@@ -15470,7 +15439,7 @@
               </a:tabLst>
             </a:pPr>
             <a:r>
-              <a:rPr lang="en-US" b="1" dirty="0" smtClean="0">
+              <a:rPr lang="en-US" b="1" dirty="0">
                 <a:latin typeface="Arial" panose="020B0604020202020204" pitchFamily="34" charset="0"/>
                 <a:ea typeface="Times New Roman" panose="02020603050405020304" pitchFamily="18" charset="0"/>
                 <a:cs typeface="Arial" panose="020B0604020202020204" pitchFamily="34" charset="0"/>
@@ -15491,7 +15460,7 @@
               </a:tabLst>
             </a:pPr>
             <a:r>
-              <a:rPr lang="en-US" sz="1600" b="1" dirty="0" smtClean="0">
+              <a:rPr lang="en-US" sz="1600" b="1" dirty="0">
                 <a:latin typeface="Courier New" panose="02070309020205020404" pitchFamily="49" charset="0"/>
                 <a:ea typeface="Times New Roman" panose="02020603050405020304" pitchFamily="18" charset="0"/>
                 <a:cs typeface="Courier New" panose="02070309020205020404" pitchFamily="49" charset="0"/>
@@ -15499,7 +15468,7 @@
               <a:t>&lt;a </a:t>
             </a:r>
             <a:r>
-              <a:rPr lang="en-US" sz="1600" b="1" dirty="0" err="1" smtClean="0">
+              <a:rPr lang="en-US" sz="1600" b="1" dirty="0" err="1">
                 <a:latin typeface="Courier New" panose="02070309020205020404" pitchFamily="49" charset="0"/>
                 <a:ea typeface="Times New Roman" panose="02020603050405020304" pitchFamily="18" charset="0"/>
                 <a:cs typeface="Courier New" panose="02070309020205020404" pitchFamily="49" charset="0"/>
@@ -15507,7 +15476,7 @@
               <a:t>href</a:t>
             </a:r>
             <a:r>
-              <a:rPr lang="en-US" sz="1600" b="1" dirty="0" smtClean="0">
+              <a:rPr lang="en-US" sz="1600" b="1" dirty="0">
                 <a:latin typeface="Courier New" panose="02070309020205020404" pitchFamily="49" charset="0"/>
                 <a:ea typeface="Times New Roman" panose="02020603050405020304" pitchFamily="18" charset="0"/>
                 <a:cs typeface="Courier New" panose="02070309020205020404" pitchFamily="49" charset="0"/>
@@ -15515,7 +15484,7 @@
               <a:t>="</a:t>
             </a:r>
             <a:r>
-              <a:rPr lang="en-US" sz="1600" b="1" dirty="0" err="1" smtClean="0">
+              <a:rPr lang="en-US" sz="1600" b="1" dirty="0" err="1">
                 <a:latin typeface="Courier New" panose="02070309020205020404" pitchFamily="49" charset="0"/>
                 <a:ea typeface="Times New Roman" panose="02020603050405020304" pitchFamily="18" charset="0"/>
                 <a:cs typeface="Courier New" panose="02070309020205020404" pitchFamily="49" charset="0"/>
@@ -15523,18 +15492,13 @@
               <a:t>skype:murachsupport</a:t>
             </a:r>
             <a:r>
-              <a:rPr lang="en-US" sz="1600" b="1" dirty="0" smtClean="0">
+              <a:rPr lang="en-US" sz="1600" b="1" dirty="0">
                 <a:latin typeface="Courier New" panose="02070309020205020404" pitchFamily="49" charset="0"/>
                 <a:ea typeface="Times New Roman" panose="02020603050405020304" pitchFamily="18" charset="0"/>
                 <a:cs typeface="Courier New" panose="02070309020205020404" pitchFamily="49" charset="0"/>
               </a:rPr>
               <a:t>"&gt;Skype chat with us&lt;/a&gt;</a:t>
             </a:r>
-            <a:endParaRPr lang="en-US" sz="1600" b="1" dirty="0">
-              <a:latin typeface="Courier New" panose="02070309020205020404" pitchFamily="49" charset="0"/>
-              <a:ea typeface="Times New Roman" panose="02020603050405020304" pitchFamily="18" charset="0"/>
-              <a:cs typeface="Courier New" panose="02070309020205020404" pitchFamily="49" charset="0"/>
-            </a:endParaRPr>
           </a:p>
           <a:p>
             <a:endParaRPr lang="en-US" dirty="0"/>
@@ -15546,7 +15510,7 @@
           <p:cNvPr id="5" name="Footer Placeholder 4">
             <a:extLst>
               <a:ext uri="{FF2B5EF4-FFF2-40B4-BE49-F238E27FC236}">
-                <a16:creationId xmlns:a16="http://schemas.microsoft.com/office/drawing/2014/main" xmlns="" id="{71BDC70C-2065-495C-B08A-1AE46383725E}"/>
+                <a16:creationId xmlns:a16="http://schemas.microsoft.com/office/drawing/2014/main" id="{71BDC70C-2065-495C-B08A-1AE46383725E}"/>
               </a:ext>
             </a:extLst>
           </p:cNvPr>
@@ -15578,7 +15542,7 @@
           <p:cNvPr id="4" name="Date Placeholder 3">
             <a:extLst>
               <a:ext uri="{FF2B5EF4-FFF2-40B4-BE49-F238E27FC236}">
-                <a16:creationId xmlns:a16="http://schemas.microsoft.com/office/drawing/2014/main" xmlns="" id="{D5D4C180-FA3A-4E5E-9557-9ABFF885C062}"/>
+                <a16:creationId xmlns:a16="http://schemas.microsoft.com/office/drawing/2014/main" id="{D5D4C180-FA3A-4E5E-9557-9ABFF885C062}"/>
               </a:ext>
             </a:extLst>
           </p:cNvPr>
@@ -15610,7 +15574,7 @@
           <p:cNvPr id="6" name="Slide Number Placeholder 5">
             <a:extLst>
               <a:ext uri="{FF2B5EF4-FFF2-40B4-BE49-F238E27FC236}">
-                <a16:creationId xmlns:a16="http://schemas.microsoft.com/office/drawing/2014/main" xmlns="" id="{A6487607-1D1D-4166-97C9-329D7DA6A87A}"/>
+                <a16:creationId xmlns:a16="http://schemas.microsoft.com/office/drawing/2014/main" id="{A6487607-1D1D-4166-97C9-329D7DA6A87A}"/>
               </a:ext>
             </a:extLst>
           </p:cNvPr>
@@ -15699,7 +15663,7 @@
           <p:cNvPr id="2" name="Title 1">
             <a:extLst>
               <a:ext uri="{FF2B5EF4-FFF2-40B4-BE49-F238E27FC236}">
-                <a16:creationId xmlns:a16="http://schemas.microsoft.com/office/drawing/2014/main" xmlns="" id="{585F82E3-45F4-4367-9CFB-96ED4EF2BC89}"/>
+                <a16:creationId xmlns:a16="http://schemas.microsoft.com/office/drawing/2014/main" id="{585F82E3-45F4-4367-9CFB-96ED4EF2BC89}"/>
               </a:ext>
             </a:extLst>
           </p:cNvPr>
@@ -15748,7 +15712,7 @@
           <p:cNvPr id="7" name="Content Placeholder 6" descr="See page 266 in book" title="See slide title">
             <a:extLst>
               <a:ext uri="{FF2B5EF4-FFF2-40B4-BE49-F238E27FC236}">
-                <a16:creationId xmlns:a16="http://schemas.microsoft.com/office/drawing/2014/main" xmlns="" id="{AA61BFEE-7F61-4297-B7EB-03E637861F25}"/>
+                <a16:creationId xmlns:a16="http://schemas.microsoft.com/office/drawing/2014/main" id="{AA61BFEE-7F61-4297-B7EB-03E637861F25}"/>
               </a:ext>
             </a:extLst>
           </p:cNvPr>
@@ -15786,7 +15750,7 @@
           <p:cNvPr id="5" name="Footer Placeholder 4">
             <a:extLst>
               <a:ext uri="{FF2B5EF4-FFF2-40B4-BE49-F238E27FC236}">
-                <a16:creationId xmlns:a16="http://schemas.microsoft.com/office/drawing/2014/main" xmlns="" id="{C98D0962-3809-4791-8C1D-4280413E16A0}"/>
+                <a16:creationId xmlns:a16="http://schemas.microsoft.com/office/drawing/2014/main" id="{C98D0962-3809-4791-8C1D-4280413E16A0}"/>
               </a:ext>
             </a:extLst>
           </p:cNvPr>
@@ -15818,7 +15782,7 @@
           <p:cNvPr id="4" name="Date Placeholder 3">
             <a:extLst>
               <a:ext uri="{FF2B5EF4-FFF2-40B4-BE49-F238E27FC236}">
-                <a16:creationId xmlns:a16="http://schemas.microsoft.com/office/drawing/2014/main" xmlns="" id="{4144DC57-DAB2-47D9-AD89-2BB2464EDF3E}"/>
+                <a16:creationId xmlns:a16="http://schemas.microsoft.com/office/drawing/2014/main" id="{4144DC57-DAB2-47D9-AD89-2BB2464EDF3E}"/>
               </a:ext>
             </a:extLst>
           </p:cNvPr>
@@ -15850,7 +15814,7 @@
           <p:cNvPr id="6" name="Slide Number Placeholder 5">
             <a:extLst>
               <a:ext uri="{FF2B5EF4-FFF2-40B4-BE49-F238E27FC236}">
-                <a16:creationId xmlns:a16="http://schemas.microsoft.com/office/drawing/2014/main" xmlns="" id="{1DE2D29C-6489-4AA4-A182-18088912B3E3}"/>
+                <a16:creationId xmlns:a16="http://schemas.microsoft.com/office/drawing/2014/main" id="{1DE2D29C-6489-4AA4-A182-18088912B3E3}"/>
               </a:ext>
             </a:extLst>
           </p:cNvPr>
@@ -15939,7 +15903,7 @@
           <p:cNvPr id="2" name="Title 1">
             <a:extLst>
               <a:ext uri="{FF2B5EF4-FFF2-40B4-BE49-F238E27FC236}">
-                <a16:creationId xmlns:a16="http://schemas.microsoft.com/office/drawing/2014/main" xmlns="" id="{0E734CCE-2C6C-463E-85C2-2EE9550EC02B}"/>
+                <a16:creationId xmlns:a16="http://schemas.microsoft.com/office/drawing/2014/main" id="{0E734CCE-2C6C-463E-85C2-2EE9550EC02B}"/>
               </a:ext>
             </a:extLst>
           </p:cNvPr>
@@ -15988,7 +15952,7 @@
           <p:cNvPr id="3" name="Text Placeholder 2">
             <a:extLst>
               <a:ext uri="{FF2B5EF4-FFF2-40B4-BE49-F238E27FC236}">
-                <a16:creationId xmlns:a16="http://schemas.microsoft.com/office/drawing/2014/main" xmlns="" id="{A1577D10-A955-402F-BC13-B416B64BECC3}"/>
+                <a16:creationId xmlns:a16="http://schemas.microsoft.com/office/drawing/2014/main" id="{A1577D10-A955-402F-BC13-B416B64BECC3}"/>
               </a:ext>
             </a:extLst>
           </p:cNvPr>
@@ -16464,7 +16428,7 @@
           <p:cNvPr id="5" name="Footer Placeholder 4">
             <a:extLst>
               <a:ext uri="{FF2B5EF4-FFF2-40B4-BE49-F238E27FC236}">
-                <a16:creationId xmlns:a16="http://schemas.microsoft.com/office/drawing/2014/main" xmlns="" id="{E8286884-3CFB-4E4B-9097-1A74CB50497B}"/>
+                <a16:creationId xmlns:a16="http://schemas.microsoft.com/office/drawing/2014/main" id="{E8286884-3CFB-4E4B-9097-1A74CB50497B}"/>
               </a:ext>
             </a:extLst>
           </p:cNvPr>
@@ -16496,7 +16460,7 @@
           <p:cNvPr id="4" name="Date Placeholder 3">
             <a:extLst>
               <a:ext uri="{FF2B5EF4-FFF2-40B4-BE49-F238E27FC236}">
-                <a16:creationId xmlns:a16="http://schemas.microsoft.com/office/drawing/2014/main" xmlns="" id="{85571F8A-F294-48DF-8FBD-7FD5CC17B960}"/>
+                <a16:creationId xmlns:a16="http://schemas.microsoft.com/office/drawing/2014/main" id="{85571F8A-F294-48DF-8FBD-7FD5CC17B960}"/>
               </a:ext>
             </a:extLst>
           </p:cNvPr>
@@ -16528,7 +16492,7 @@
           <p:cNvPr id="6" name="Slide Number Placeholder 5">
             <a:extLst>
               <a:ext uri="{FF2B5EF4-FFF2-40B4-BE49-F238E27FC236}">
-                <a16:creationId xmlns:a16="http://schemas.microsoft.com/office/drawing/2014/main" xmlns="" id="{A2894C99-600F-4211-9F19-7FE60178D39F}"/>
+                <a16:creationId xmlns:a16="http://schemas.microsoft.com/office/drawing/2014/main" id="{A2894C99-600F-4211-9F19-7FE60178D39F}"/>
               </a:ext>
             </a:extLst>
           </p:cNvPr>
@@ -16617,7 +16581,7 @@
           <p:cNvPr id="2" name="Title 1">
             <a:extLst>
               <a:ext uri="{FF2B5EF4-FFF2-40B4-BE49-F238E27FC236}">
-                <a16:creationId xmlns:a16="http://schemas.microsoft.com/office/drawing/2014/main" xmlns="" id="{A8150800-CC12-4DD0-80C1-3B15E906289B}"/>
+                <a16:creationId xmlns:a16="http://schemas.microsoft.com/office/drawing/2014/main" id="{A8150800-CC12-4DD0-80C1-3B15E906289B}"/>
               </a:ext>
             </a:extLst>
           </p:cNvPr>
@@ -16666,7 +16630,7 @@
           <p:cNvPr id="3" name="Text Placeholder 2">
             <a:extLst>
               <a:ext uri="{FF2B5EF4-FFF2-40B4-BE49-F238E27FC236}">
-                <a16:creationId xmlns:a16="http://schemas.microsoft.com/office/drawing/2014/main" xmlns="" id="{46CFA442-FF8B-44FD-9980-E9D0655D0B24}"/>
+                <a16:creationId xmlns:a16="http://schemas.microsoft.com/office/drawing/2014/main" id="{46CFA442-FF8B-44FD-9980-E9D0655D0B24}"/>
               </a:ext>
             </a:extLst>
           </p:cNvPr>
@@ -17408,7 +17372,7 @@
           <p:cNvPr id="5" name="Footer Placeholder 4">
             <a:extLst>
               <a:ext uri="{FF2B5EF4-FFF2-40B4-BE49-F238E27FC236}">
-                <a16:creationId xmlns:a16="http://schemas.microsoft.com/office/drawing/2014/main" xmlns="" id="{F16E4961-2DFC-4232-BAAB-67EA56900FA9}"/>
+                <a16:creationId xmlns:a16="http://schemas.microsoft.com/office/drawing/2014/main" id="{F16E4961-2DFC-4232-BAAB-67EA56900FA9}"/>
               </a:ext>
             </a:extLst>
           </p:cNvPr>
@@ -17440,7 +17404,7 @@
           <p:cNvPr id="4" name="Date Placeholder 3">
             <a:extLst>
               <a:ext uri="{FF2B5EF4-FFF2-40B4-BE49-F238E27FC236}">
-                <a16:creationId xmlns:a16="http://schemas.microsoft.com/office/drawing/2014/main" xmlns="" id="{9AC232F1-E737-43E5-B8A3-268CBD5EE451}"/>
+                <a16:creationId xmlns:a16="http://schemas.microsoft.com/office/drawing/2014/main" id="{9AC232F1-E737-43E5-B8A3-268CBD5EE451}"/>
               </a:ext>
             </a:extLst>
           </p:cNvPr>
@@ -17472,7 +17436,7 @@
           <p:cNvPr id="6" name="Slide Number Placeholder 5">
             <a:extLst>
               <a:ext uri="{FF2B5EF4-FFF2-40B4-BE49-F238E27FC236}">
-                <a16:creationId xmlns:a16="http://schemas.microsoft.com/office/drawing/2014/main" xmlns="" id="{44E653A6-7FDC-46F3-BEAD-1246FB9899A0}"/>
+                <a16:creationId xmlns:a16="http://schemas.microsoft.com/office/drawing/2014/main" id="{44E653A6-7FDC-46F3-BEAD-1246FB9899A0}"/>
               </a:ext>
             </a:extLst>
           </p:cNvPr>
@@ -17561,7 +17525,7 @@
           <p:cNvPr id="2" name="Title 1">
             <a:extLst>
               <a:ext uri="{FF2B5EF4-FFF2-40B4-BE49-F238E27FC236}">
-                <a16:creationId xmlns:a16="http://schemas.microsoft.com/office/drawing/2014/main" xmlns="" id="{17B1D44E-46AA-4BAA-AD61-D385332D86BF}"/>
+                <a16:creationId xmlns:a16="http://schemas.microsoft.com/office/drawing/2014/main" id="{17B1D44E-46AA-4BAA-AD61-D385332D86BF}"/>
               </a:ext>
             </a:extLst>
           </p:cNvPr>
@@ -17610,7 +17574,7 @@
           <p:cNvPr id="7" name="Content Placeholder 6" descr="See page 268 in book" title="See slide title">
             <a:extLst>
               <a:ext uri="{FF2B5EF4-FFF2-40B4-BE49-F238E27FC236}">
-                <a16:creationId xmlns:a16="http://schemas.microsoft.com/office/drawing/2014/main" xmlns="" id="{3A48E438-8D11-4152-A792-D9D940C3F192}"/>
+                <a16:creationId xmlns:a16="http://schemas.microsoft.com/office/drawing/2014/main" id="{3A48E438-8D11-4152-A792-D9D940C3F192}"/>
               </a:ext>
             </a:extLst>
           </p:cNvPr>
@@ -17648,7 +17612,7 @@
           <p:cNvPr id="5" name="Footer Placeholder 4">
             <a:extLst>
               <a:ext uri="{FF2B5EF4-FFF2-40B4-BE49-F238E27FC236}">
-                <a16:creationId xmlns:a16="http://schemas.microsoft.com/office/drawing/2014/main" xmlns="" id="{D95C9CE6-C870-4815-9A45-0F6F949E81B7}"/>
+                <a16:creationId xmlns:a16="http://schemas.microsoft.com/office/drawing/2014/main" id="{D95C9CE6-C870-4815-9A45-0F6F949E81B7}"/>
               </a:ext>
             </a:extLst>
           </p:cNvPr>
@@ -17680,7 +17644,7 @@
           <p:cNvPr id="4" name="Date Placeholder 3">
             <a:extLst>
               <a:ext uri="{FF2B5EF4-FFF2-40B4-BE49-F238E27FC236}">
-                <a16:creationId xmlns:a16="http://schemas.microsoft.com/office/drawing/2014/main" xmlns="" id="{39406317-D360-4938-8A02-C8C2F3B0B111}"/>
+                <a16:creationId xmlns:a16="http://schemas.microsoft.com/office/drawing/2014/main" id="{39406317-D360-4938-8A02-C8C2F3B0B111}"/>
               </a:ext>
             </a:extLst>
           </p:cNvPr>
@@ -17712,7 +17676,7 @@
           <p:cNvPr id="6" name="Slide Number Placeholder 5">
             <a:extLst>
               <a:ext uri="{FF2B5EF4-FFF2-40B4-BE49-F238E27FC236}">
-                <a16:creationId xmlns:a16="http://schemas.microsoft.com/office/drawing/2014/main" xmlns="" id="{66C5E88C-475D-417A-A538-D1932EB82DEA}"/>
+                <a16:creationId xmlns:a16="http://schemas.microsoft.com/office/drawing/2014/main" id="{66C5E88C-475D-417A-A538-D1932EB82DEA}"/>
               </a:ext>
             </a:extLst>
           </p:cNvPr>
@@ -17801,7 +17765,7 @@
           <p:cNvPr id="2" name="Title 1">
             <a:extLst>
               <a:ext uri="{FF2B5EF4-FFF2-40B4-BE49-F238E27FC236}">
-                <a16:creationId xmlns:a16="http://schemas.microsoft.com/office/drawing/2014/main" xmlns="" id="{43075C44-2210-460F-A2E9-301A033BBE56}"/>
+                <a16:creationId xmlns:a16="http://schemas.microsoft.com/office/drawing/2014/main" id="{43075C44-2210-460F-A2E9-301A033BBE56}"/>
               </a:ext>
             </a:extLst>
           </p:cNvPr>
@@ -17850,7 +17814,7 @@
           <p:cNvPr id="3" name="Text Placeholder 2">
             <a:extLst>
               <a:ext uri="{FF2B5EF4-FFF2-40B4-BE49-F238E27FC236}">
-                <a16:creationId xmlns:a16="http://schemas.microsoft.com/office/drawing/2014/main" xmlns="" id="{D760F038-BCD0-4F53-BFE7-0DB9455464EF}"/>
+                <a16:creationId xmlns:a16="http://schemas.microsoft.com/office/drawing/2014/main" id="{D760F038-BCD0-4F53-BFE7-0DB9455464EF}"/>
               </a:ext>
             </a:extLst>
           </p:cNvPr>
@@ -18369,7 +18333,7 @@
           <p:cNvPr id="5" name="Footer Placeholder 4">
             <a:extLst>
               <a:ext uri="{FF2B5EF4-FFF2-40B4-BE49-F238E27FC236}">
-                <a16:creationId xmlns:a16="http://schemas.microsoft.com/office/drawing/2014/main" xmlns="" id="{8EC60317-16E1-480B-8958-7AA78A06EA73}"/>
+                <a16:creationId xmlns:a16="http://schemas.microsoft.com/office/drawing/2014/main" id="{8EC60317-16E1-480B-8958-7AA78A06EA73}"/>
               </a:ext>
             </a:extLst>
           </p:cNvPr>
@@ -18401,7 +18365,7 @@
           <p:cNvPr id="4" name="Date Placeholder 3">
             <a:extLst>
               <a:ext uri="{FF2B5EF4-FFF2-40B4-BE49-F238E27FC236}">
-                <a16:creationId xmlns:a16="http://schemas.microsoft.com/office/drawing/2014/main" xmlns="" id="{0849E4D0-4B95-49C2-863B-513112585622}"/>
+                <a16:creationId xmlns:a16="http://schemas.microsoft.com/office/drawing/2014/main" id="{0849E4D0-4B95-49C2-863B-513112585622}"/>
               </a:ext>
             </a:extLst>
           </p:cNvPr>
@@ -18433,7 +18397,7 @@
           <p:cNvPr id="6" name="Slide Number Placeholder 5">
             <a:extLst>
               <a:ext uri="{FF2B5EF4-FFF2-40B4-BE49-F238E27FC236}">
-                <a16:creationId xmlns:a16="http://schemas.microsoft.com/office/drawing/2014/main" xmlns="" id="{1114B9E2-63F2-4027-882C-5617E2FE21A7}"/>
+                <a16:creationId xmlns:a16="http://schemas.microsoft.com/office/drawing/2014/main" id="{1114B9E2-63F2-4027-882C-5617E2FE21A7}"/>
               </a:ext>
             </a:extLst>
           </p:cNvPr>
@@ -18522,7 +18486,7 @@
           <p:cNvPr id="2" name="Title 1">
             <a:extLst>
               <a:ext uri="{FF2B5EF4-FFF2-40B4-BE49-F238E27FC236}">
-                <a16:creationId xmlns:a16="http://schemas.microsoft.com/office/drawing/2014/main" xmlns="" id="{F867243C-C03D-4262-8A5D-BD44A3824292}"/>
+                <a16:creationId xmlns:a16="http://schemas.microsoft.com/office/drawing/2014/main" id="{F867243C-C03D-4262-8A5D-BD44A3824292}"/>
               </a:ext>
             </a:extLst>
           </p:cNvPr>
@@ -18571,7 +18535,7 @@
           <p:cNvPr id="3" name="Text Placeholder 2">
             <a:extLst>
               <a:ext uri="{FF2B5EF4-FFF2-40B4-BE49-F238E27FC236}">
-                <a16:creationId xmlns:a16="http://schemas.microsoft.com/office/drawing/2014/main" xmlns="" id="{12A417DA-0348-4F71-91FB-E12F36801E43}"/>
+                <a16:creationId xmlns:a16="http://schemas.microsoft.com/office/drawing/2014/main" id="{12A417DA-0348-4F71-91FB-E12F36801E43}"/>
               </a:ext>
             </a:extLst>
           </p:cNvPr>
@@ -19258,7 +19222,7 @@
           <p:cNvPr id="5" name="Footer Placeholder 4">
             <a:extLst>
               <a:ext uri="{FF2B5EF4-FFF2-40B4-BE49-F238E27FC236}">
-                <a16:creationId xmlns:a16="http://schemas.microsoft.com/office/drawing/2014/main" xmlns="" id="{2714B781-CEBD-4242-A7B8-505939E8D4CA}"/>
+                <a16:creationId xmlns:a16="http://schemas.microsoft.com/office/drawing/2014/main" id="{2714B781-CEBD-4242-A7B8-505939E8D4CA}"/>
               </a:ext>
             </a:extLst>
           </p:cNvPr>
@@ -19290,7 +19254,7 @@
           <p:cNvPr id="4" name="Date Placeholder 3">
             <a:extLst>
               <a:ext uri="{FF2B5EF4-FFF2-40B4-BE49-F238E27FC236}">
-                <a16:creationId xmlns:a16="http://schemas.microsoft.com/office/drawing/2014/main" xmlns="" id="{85D3DBA1-D2D8-4E35-AFB6-5248DBB62783}"/>
+                <a16:creationId xmlns:a16="http://schemas.microsoft.com/office/drawing/2014/main" id="{85D3DBA1-D2D8-4E35-AFB6-5248DBB62783}"/>
               </a:ext>
             </a:extLst>
           </p:cNvPr>
@@ -19322,7 +19286,7 @@
           <p:cNvPr id="6" name="Slide Number Placeholder 5">
             <a:extLst>
               <a:ext uri="{FF2B5EF4-FFF2-40B4-BE49-F238E27FC236}">
-                <a16:creationId xmlns:a16="http://schemas.microsoft.com/office/drawing/2014/main" xmlns="" id="{B4CB844E-0089-45C3-9C6E-51B2921719C6}"/>
+                <a16:creationId xmlns:a16="http://schemas.microsoft.com/office/drawing/2014/main" id="{B4CB844E-0089-45C3-9C6E-51B2921719C6}"/>
               </a:ext>
             </a:extLst>
           </p:cNvPr>
@@ -19411,7 +19375,7 @@
           <p:cNvPr id="2" name="Title 1">
             <a:extLst>
               <a:ext uri="{FF2B5EF4-FFF2-40B4-BE49-F238E27FC236}">
-                <a16:creationId xmlns:a16="http://schemas.microsoft.com/office/drawing/2014/main" xmlns="" id="{0B63CB4D-3246-40BE-BE5D-CED9F53B34BC}"/>
+                <a16:creationId xmlns:a16="http://schemas.microsoft.com/office/drawing/2014/main" id="{0B63CB4D-3246-40BE-BE5D-CED9F53B34BC}"/>
               </a:ext>
             </a:extLst>
           </p:cNvPr>
@@ -19460,7 +19424,7 @@
           <p:cNvPr id="3" name="Text Placeholder 2">
             <a:extLst>
               <a:ext uri="{FF2B5EF4-FFF2-40B4-BE49-F238E27FC236}">
-                <a16:creationId xmlns:a16="http://schemas.microsoft.com/office/drawing/2014/main" xmlns="" id="{D3264BAD-7827-4A2B-AF40-B155343A7D5B}"/>
+                <a16:creationId xmlns:a16="http://schemas.microsoft.com/office/drawing/2014/main" id="{D3264BAD-7827-4A2B-AF40-B155343A7D5B}"/>
               </a:ext>
             </a:extLst>
           </p:cNvPr>
@@ -20255,7 +20219,7 @@
           <p:cNvPr id="5" name="Footer Placeholder 4">
             <a:extLst>
               <a:ext uri="{FF2B5EF4-FFF2-40B4-BE49-F238E27FC236}">
-                <a16:creationId xmlns:a16="http://schemas.microsoft.com/office/drawing/2014/main" xmlns="" id="{1BBDFD53-5D35-4291-85E0-1EA49F263A81}"/>
+                <a16:creationId xmlns:a16="http://schemas.microsoft.com/office/drawing/2014/main" id="{1BBDFD53-5D35-4291-85E0-1EA49F263A81}"/>
               </a:ext>
             </a:extLst>
           </p:cNvPr>
@@ -20287,7 +20251,7 @@
           <p:cNvPr id="4" name="Date Placeholder 3">
             <a:extLst>
               <a:ext uri="{FF2B5EF4-FFF2-40B4-BE49-F238E27FC236}">
-                <a16:creationId xmlns:a16="http://schemas.microsoft.com/office/drawing/2014/main" xmlns="" id="{092A4B81-265D-4728-8143-4CA2739EF78E}"/>
+                <a16:creationId xmlns:a16="http://schemas.microsoft.com/office/drawing/2014/main" id="{092A4B81-265D-4728-8143-4CA2739EF78E}"/>
               </a:ext>
             </a:extLst>
           </p:cNvPr>
@@ -20319,7 +20283,7 @@
           <p:cNvPr id="6" name="Slide Number Placeholder 5">
             <a:extLst>
               <a:ext uri="{FF2B5EF4-FFF2-40B4-BE49-F238E27FC236}">
-                <a16:creationId xmlns:a16="http://schemas.microsoft.com/office/drawing/2014/main" xmlns="" id="{F7C7C4EA-3628-40CB-85F6-E4F1FB9B187C}"/>
+                <a16:creationId xmlns:a16="http://schemas.microsoft.com/office/drawing/2014/main" id="{F7C7C4EA-3628-40CB-85F6-E4F1FB9B187C}"/>
               </a:ext>
             </a:extLst>
           </p:cNvPr>
@@ -20408,7 +20372,7 @@
           <p:cNvPr id="2" name="Title 1">
             <a:extLst>
               <a:ext uri="{FF2B5EF4-FFF2-40B4-BE49-F238E27FC236}">
-                <a16:creationId xmlns:a16="http://schemas.microsoft.com/office/drawing/2014/main" xmlns="" id="{6D536DEF-69C7-4C8D-BF15-912E5C463A1F}"/>
+                <a16:creationId xmlns:a16="http://schemas.microsoft.com/office/drawing/2014/main" id="{6D536DEF-69C7-4C8D-BF15-912E5C463A1F}"/>
               </a:ext>
             </a:extLst>
           </p:cNvPr>
@@ -20457,7 +20421,7 @@
           <p:cNvPr id="7" name="Content Placeholder 6" descr="See page 270 in book" title="See slide title">
             <a:extLst>
               <a:ext uri="{FF2B5EF4-FFF2-40B4-BE49-F238E27FC236}">
-                <a16:creationId xmlns:a16="http://schemas.microsoft.com/office/drawing/2014/main" xmlns="" id="{A615D9E2-24CE-4A26-BE3A-62EC726EDF0B}"/>
+                <a16:creationId xmlns:a16="http://schemas.microsoft.com/office/drawing/2014/main" id="{A615D9E2-24CE-4A26-BE3A-62EC726EDF0B}"/>
               </a:ext>
             </a:extLst>
           </p:cNvPr>
@@ -20495,7 +20459,7 @@
           <p:cNvPr id="5" name="Footer Placeholder 4">
             <a:extLst>
               <a:ext uri="{FF2B5EF4-FFF2-40B4-BE49-F238E27FC236}">
-                <a16:creationId xmlns:a16="http://schemas.microsoft.com/office/drawing/2014/main" xmlns="" id="{62750BFC-12C2-4F0D-A18F-455C2864061E}"/>
+                <a16:creationId xmlns:a16="http://schemas.microsoft.com/office/drawing/2014/main" id="{62750BFC-12C2-4F0D-A18F-455C2864061E}"/>
               </a:ext>
             </a:extLst>
           </p:cNvPr>
@@ -20527,7 +20491,7 @@
           <p:cNvPr id="4" name="Date Placeholder 3">
             <a:extLst>
               <a:ext uri="{FF2B5EF4-FFF2-40B4-BE49-F238E27FC236}">
-                <a16:creationId xmlns:a16="http://schemas.microsoft.com/office/drawing/2014/main" xmlns="" id="{A2041AC3-E7A4-483D-A1E2-E95C174764E0}"/>
+                <a16:creationId xmlns:a16="http://schemas.microsoft.com/office/drawing/2014/main" id="{A2041AC3-E7A4-483D-A1E2-E95C174764E0}"/>
               </a:ext>
             </a:extLst>
           </p:cNvPr>
@@ -20559,7 +20523,7 @@
           <p:cNvPr id="6" name="Slide Number Placeholder 5">
             <a:extLst>
               <a:ext uri="{FF2B5EF4-FFF2-40B4-BE49-F238E27FC236}">
-                <a16:creationId xmlns:a16="http://schemas.microsoft.com/office/drawing/2014/main" xmlns="" id="{4AE404AD-74D5-46DF-8AFE-F365348FCF96}"/>
+                <a16:creationId xmlns:a16="http://schemas.microsoft.com/office/drawing/2014/main" id="{4AE404AD-74D5-46DF-8AFE-F365348FCF96}"/>
               </a:ext>
             </a:extLst>
           </p:cNvPr>
@@ -20648,7 +20612,7 @@
           <p:cNvPr id="2" name="Title 1">
             <a:extLst>
               <a:ext uri="{FF2B5EF4-FFF2-40B4-BE49-F238E27FC236}">
-                <a16:creationId xmlns:a16="http://schemas.microsoft.com/office/drawing/2014/main" xmlns="" id="{7297E6E5-7FA5-4530-A1AB-2113709BAEF6}"/>
+                <a16:creationId xmlns:a16="http://schemas.microsoft.com/office/drawing/2014/main" id="{7297E6E5-7FA5-4530-A1AB-2113709BAEF6}"/>
               </a:ext>
             </a:extLst>
           </p:cNvPr>
@@ -20697,7 +20661,7 @@
           <p:cNvPr id="3" name="Text Placeholder 2">
             <a:extLst>
               <a:ext uri="{FF2B5EF4-FFF2-40B4-BE49-F238E27FC236}">
-                <a16:creationId xmlns:a16="http://schemas.microsoft.com/office/drawing/2014/main" xmlns="" id="{99FA9D84-C0B7-4B66-9EC7-09C8A6D090AA}"/>
+                <a16:creationId xmlns:a16="http://schemas.microsoft.com/office/drawing/2014/main" id="{99FA9D84-C0B7-4B66-9EC7-09C8A6D090AA}"/>
               </a:ext>
             </a:extLst>
           </p:cNvPr>
@@ -21510,7 +21474,7 @@
           <p:cNvPr id="5" name="Footer Placeholder 4">
             <a:extLst>
               <a:ext uri="{FF2B5EF4-FFF2-40B4-BE49-F238E27FC236}">
-                <a16:creationId xmlns:a16="http://schemas.microsoft.com/office/drawing/2014/main" xmlns="" id="{72D98DE5-B213-4A7C-A370-FEEAF2A8ECA1}"/>
+                <a16:creationId xmlns:a16="http://schemas.microsoft.com/office/drawing/2014/main" id="{72D98DE5-B213-4A7C-A370-FEEAF2A8ECA1}"/>
               </a:ext>
             </a:extLst>
           </p:cNvPr>
@@ -21542,7 +21506,7 @@
           <p:cNvPr id="4" name="Date Placeholder 3">
             <a:extLst>
               <a:ext uri="{FF2B5EF4-FFF2-40B4-BE49-F238E27FC236}">
-                <a16:creationId xmlns:a16="http://schemas.microsoft.com/office/drawing/2014/main" xmlns="" id="{4C4BC47B-D18F-4B41-8F3A-7D3AB91E4C06}"/>
+                <a16:creationId xmlns:a16="http://schemas.microsoft.com/office/drawing/2014/main" id="{4C4BC47B-D18F-4B41-8F3A-7D3AB91E4C06}"/>
               </a:ext>
             </a:extLst>
           </p:cNvPr>
@@ -21574,7 +21538,7 @@
           <p:cNvPr id="6" name="Slide Number Placeholder 5">
             <a:extLst>
               <a:ext uri="{FF2B5EF4-FFF2-40B4-BE49-F238E27FC236}">
-                <a16:creationId xmlns:a16="http://schemas.microsoft.com/office/drawing/2014/main" xmlns="" id="{85386169-2724-484C-A0CA-1711E1913A0A}"/>
+                <a16:creationId xmlns:a16="http://schemas.microsoft.com/office/drawing/2014/main" id="{85386169-2724-484C-A0CA-1711E1913A0A}"/>
               </a:ext>
             </a:extLst>
           </p:cNvPr>
@@ -21663,7 +21627,7 @@
           <p:cNvPr id="2" name="Title 1">
             <a:extLst>
               <a:ext uri="{FF2B5EF4-FFF2-40B4-BE49-F238E27FC236}">
-                <a16:creationId xmlns:a16="http://schemas.microsoft.com/office/drawing/2014/main" xmlns="" id="{92D0E2A7-386F-4F62-86E1-90913EBD8E93}"/>
+                <a16:creationId xmlns:a16="http://schemas.microsoft.com/office/drawing/2014/main" id="{92D0E2A7-386F-4F62-86E1-90913EBD8E93}"/>
               </a:ext>
             </a:extLst>
           </p:cNvPr>
@@ -21712,7 +21676,7 @@
           <p:cNvPr id="3" name="Text Placeholder 2">
             <a:extLst>
               <a:ext uri="{FF2B5EF4-FFF2-40B4-BE49-F238E27FC236}">
-                <a16:creationId xmlns:a16="http://schemas.microsoft.com/office/drawing/2014/main" xmlns="" id="{7DB0BE67-4134-41E5-A11E-AD41D84EA53D}"/>
+                <a16:creationId xmlns:a16="http://schemas.microsoft.com/office/drawing/2014/main" id="{7DB0BE67-4134-41E5-A11E-AD41D84EA53D}"/>
               </a:ext>
             </a:extLst>
           </p:cNvPr>
@@ -22198,7 +22162,7 @@
           <p:cNvPr id="5" name="Footer Placeholder 4">
             <a:extLst>
               <a:ext uri="{FF2B5EF4-FFF2-40B4-BE49-F238E27FC236}">
-                <a16:creationId xmlns:a16="http://schemas.microsoft.com/office/drawing/2014/main" xmlns="" id="{D56EC364-36F4-461F-BFE5-B77FFA527EAC}"/>
+                <a16:creationId xmlns:a16="http://schemas.microsoft.com/office/drawing/2014/main" id="{D56EC364-36F4-461F-BFE5-B77FFA527EAC}"/>
               </a:ext>
             </a:extLst>
           </p:cNvPr>
@@ -22230,7 +22194,7 @@
           <p:cNvPr id="4" name="Date Placeholder 3">
             <a:extLst>
               <a:ext uri="{FF2B5EF4-FFF2-40B4-BE49-F238E27FC236}">
-                <a16:creationId xmlns:a16="http://schemas.microsoft.com/office/drawing/2014/main" xmlns="" id="{43670D16-C62E-4E1D-9364-2863D5755476}"/>
+                <a16:creationId xmlns:a16="http://schemas.microsoft.com/office/drawing/2014/main" id="{43670D16-C62E-4E1D-9364-2863D5755476}"/>
               </a:ext>
             </a:extLst>
           </p:cNvPr>
@@ -22262,7 +22226,7 @@
           <p:cNvPr id="6" name="Slide Number Placeholder 5">
             <a:extLst>
               <a:ext uri="{FF2B5EF4-FFF2-40B4-BE49-F238E27FC236}">
-                <a16:creationId xmlns:a16="http://schemas.microsoft.com/office/drawing/2014/main" xmlns="" id="{9E43AF01-8485-40DD-9C43-4D30D6E62993}"/>
+                <a16:creationId xmlns:a16="http://schemas.microsoft.com/office/drawing/2014/main" id="{9E43AF01-8485-40DD-9C43-4D30D6E62993}"/>
               </a:ext>
             </a:extLst>
           </p:cNvPr>
@@ -22351,7 +22315,7 @@
           <p:cNvPr id="2" name="Title 1">
             <a:extLst>
               <a:ext uri="{FF2B5EF4-FFF2-40B4-BE49-F238E27FC236}">
-                <a16:creationId xmlns:a16="http://schemas.microsoft.com/office/drawing/2014/main" xmlns="" id="{9F08C39D-6AA6-4A77-8CD7-C387F0563123}"/>
+                <a16:creationId xmlns:a16="http://schemas.microsoft.com/office/drawing/2014/main" id="{9F08C39D-6AA6-4A77-8CD7-C387F0563123}"/>
               </a:ext>
             </a:extLst>
           </p:cNvPr>
@@ -22400,7 +22364,7 @@
           <p:cNvPr id="3" name="Text Placeholder 2">
             <a:extLst>
               <a:ext uri="{FF2B5EF4-FFF2-40B4-BE49-F238E27FC236}">
-                <a16:creationId xmlns:a16="http://schemas.microsoft.com/office/drawing/2014/main" xmlns="" id="{02097D5D-93E1-4141-BBF6-E0A99A9812E0}"/>
+                <a16:creationId xmlns:a16="http://schemas.microsoft.com/office/drawing/2014/main" id="{02097D5D-93E1-4141-BBF6-E0A99A9812E0}"/>
               </a:ext>
             </a:extLst>
           </p:cNvPr>
@@ -23122,7 +23086,7 @@
           <p:cNvPr id="5" name="Footer Placeholder 4">
             <a:extLst>
               <a:ext uri="{FF2B5EF4-FFF2-40B4-BE49-F238E27FC236}">
-                <a16:creationId xmlns:a16="http://schemas.microsoft.com/office/drawing/2014/main" xmlns="" id="{959369F3-6CC9-4F5A-B887-0E24992489FE}"/>
+                <a16:creationId xmlns:a16="http://schemas.microsoft.com/office/drawing/2014/main" id="{959369F3-6CC9-4F5A-B887-0E24992489FE}"/>
               </a:ext>
             </a:extLst>
           </p:cNvPr>
@@ -23154,7 +23118,7 @@
           <p:cNvPr id="4" name="Date Placeholder 3">
             <a:extLst>
               <a:ext uri="{FF2B5EF4-FFF2-40B4-BE49-F238E27FC236}">
-                <a16:creationId xmlns:a16="http://schemas.microsoft.com/office/drawing/2014/main" xmlns="" id="{88E6C34D-08C8-4645-9D31-878826B97757}"/>
+                <a16:creationId xmlns:a16="http://schemas.microsoft.com/office/drawing/2014/main" id="{88E6C34D-08C8-4645-9D31-878826B97757}"/>
               </a:ext>
             </a:extLst>
           </p:cNvPr>
@@ -23186,7 +23150,7 @@
           <p:cNvPr id="6" name="Slide Number Placeholder 5">
             <a:extLst>
               <a:ext uri="{FF2B5EF4-FFF2-40B4-BE49-F238E27FC236}">
-                <a16:creationId xmlns:a16="http://schemas.microsoft.com/office/drawing/2014/main" xmlns="" id="{56B01317-9EEB-4686-B9C1-5F62D215A9C9}"/>
+                <a16:creationId xmlns:a16="http://schemas.microsoft.com/office/drawing/2014/main" id="{56B01317-9EEB-4686-B9C1-5F62D215A9C9}"/>
               </a:ext>
             </a:extLst>
           </p:cNvPr>
@@ -23275,7 +23239,7 @@
           <p:cNvPr id="2" name="Title 1">
             <a:extLst>
               <a:ext uri="{FF2B5EF4-FFF2-40B4-BE49-F238E27FC236}">
-                <a16:creationId xmlns:a16="http://schemas.microsoft.com/office/drawing/2014/main" xmlns="" id="{3053AC62-9E73-49F3-B8AC-76FBB3DED153}"/>
+                <a16:creationId xmlns:a16="http://schemas.microsoft.com/office/drawing/2014/main" id="{3053AC62-9E73-49F3-B8AC-76FBB3DED153}"/>
               </a:ext>
             </a:extLst>
           </p:cNvPr>
@@ -23324,7 +23288,7 @@
           <p:cNvPr id="7" name="Content Placeholder 6" descr="See page 272 in book" title="See slide title">
             <a:extLst>
               <a:ext uri="{FF2B5EF4-FFF2-40B4-BE49-F238E27FC236}">
-                <a16:creationId xmlns:a16="http://schemas.microsoft.com/office/drawing/2014/main" xmlns="" id="{C777FA0B-C006-4EB2-AA07-A11CFE1403BD}"/>
+                <a16:creationId xmlns:a16="http://schemas.microsoft.com/office/drawing/2014/main" id="{C777FA0B-C006-4EB2-AA07-A11CFE1403BD}"/>
               </a:ext>
             </a:extLst>
           </p:cNvPr>
@@ -23362,7 +23326,7 @@
           <p:cNvPr id="5" name="Footer Placeholder 4">
             <a:extLst>
               <a:ext uri="{FF2B5EF4-FFF2-40B4-BE49-F238E27FC236}">
-                <a16:creationId xmlns:a16="http://schemas.microsoft.com/office/drawing/2014/main" xmlns="" id="{C389C943-9C3C-4555-85D3-8E48EF86CB95}"/>
+                <a16:creationId xmlns:a16="http://schemas.microsoft.com/office/drawing/2014/main" id="{C389C943-9C3C-4555-85D3-8E48EF86CB95}"/>
               </a:ext>
             </a:extLst>
           </p:cNvPr>
@@ -23394,7 +23358,7 @@
           <p:cNvPr id="4" name="Date Placeholder 3">
             <a:extLst>
               <a:ext uri="{FF2B5EF4-FFF2-40B4-BE49-F238E27FC236}">
-                <a16:creationId xmlns:a16="http://schemas.microsoft.com/office/drawing/2014/main" xmlns="" id="{69EC2F15-C2F1-4C88-AF46-1C7CF4141AE1}"/>
+                <a16:creationId xmlns:a16="http://schemas.microsoft.com/office/drawing/2014/main" id="{69EC2F15-C2F1-4C88-AF46-1C7CF4141AE1}"/>
               </a:ext>
             </a:extLst>
           </p:cNvPr>
@@ -23426,7 +23390,7 @@
           <p:cNvPr id="6" name="Slide Number Placeholder 5">
             <a:extLst>
               <a:ext uri="{FF2B5EF4-FFF2-40B4-BE49-F238E27FC236}">
-                <a16:creationId xmlns:a16="http://schemas.microsoft.com/office/drawing/2014/main" xmlns="" id="{8E691FED-745C-4C25-8AAF-C0CF033FEA0C}"/>
+                <a16:creationId xmlns:a16="http://schemas.microsoft.com/office/drawing/2014/main" id="{8E691FED-745C-4C25-8AAF-C0CF033FEA0C}"/>
               </a:ext>
             </a:extLst>
           </p:cNvPr>
@@ -23515,7 +23479,7 @@
           <p:cNvPr id="2" name="Title 1">
             <a:extLst>
               <a:ext uri="{FF2B5EF4-FFF2-40B4-BE49-F238E27FC236}">
-                <a16:creationId xmlns:a16="http://schemas.microsoft.com/office/drawing/2014/main" xmlns="" id="{EE63D397-2D68-49EC-BDE1-A64CA88C110C}"/>
+                <a16:creationId xmlns:a16="http://schemas.microsoft.com/office/drawing/2014/main" id="{EE63D397-2D68-49EC-BDE1-A64CA88C110C}"/>
               </a:ext>
             </a:extLst>
           </p:cNvPr>
@@ -23564,7 +23528,7 @@
           <p:cNvPr id="3" name="Text Placeholder 2">
             <a:extLst>
               <a:ext uri="{FF2B5EF4-FFF2-40B4-BE49-F238E27FC236}">
-                <a16:creationId xmlns:a16="http://schemas.microsoft.com/office/drawing/2014/main" xmlns="" id="{36402200-398E-4166-BA8A-B7F0538D5985}"/>
+                <a16:creationId xmlns:a16="http://schemas.microsoft.com/office/drawing/2014/main" id="{36402200-398E-4166-BA8A-B7F0538D5985}"/>
               </a:ext>
             </a:extLst>
           </p:cNvPr>
@@ -24276,7 +24240,7 @@
           <p:cNvPr id="5" name="Footer Placeholder 4">
             <a:extLst>
               <a:ext uri="{FF2B5EF4-FFF2-40B4-BE49-F238E27FC236}">
-                <a16:creationId xmlns:a16="http://schemas.microsoft.com/office/drawing/2014/main" xmlns="" id="{1B0D657D-5708-4B05-90D7-4AB1BA1EC7AD}"/>
+                <a16:creationId xmlns:a16="http://schemas.microsoft.com/office/drawing/2014/main" id="{1B0D657D-5708-4B05-90D7-4AB1BA1EC7AD}"/>
               </a:ext>
             </a:extLst>
           </p:cNvPr>
@@ -24308,7 +24272,7 @@
           <p:cNvPr id="4" name="Date Placeholder 3">
             <a:extLst>
               <a:ext uri="{FF2B5EF4-FFF2-40B4-BE49-F238E27FC236}">
-                <a16:creationId xmlns:a16="http://schemas.microsoft.com/office/drawing/2014/main" xmlns="" id="{33FC252C-AD20-472A-80F1-F900C111F6B5}"/>
+                <a16:creationId xmlns:a16="http://schemas.microsoft.com/office/drawing/2014/main" id="{33FC252C-AD20-472A-80F1-F900C111F6B5}"/>
               </a:ext>
             </a:extLst>
           </p:cNvPr>
@@ -24340,7 +24304,7 @@
           <p:cNvPr id="6" name="Slide Number Placeholder 5">
             <a:extLst>
               <a:ext uri="{FF2B5EF4-FFF2-40B4-BE49-F238E27FC236}">
-                <a16:creationId xmlns:a16="http://schemas.microsoft.com/office/drawing/2014/main" xmlns="" id="{8B0469A6-EF81-4C37-BA0B-C24B52FA2B59}"/>
+                <a16:creationId xmlns:a16="http://schemas.microsoft.com/office/drawing/2014/main" id="{8B0469A6-EF81-4C37-BA0B-C24B52FA2B59}"/>
               </a:ext>
             </a:extLst>
           </p:cNvPr>
@@ -24429,7 +24393,7 @@
           <p:cNvPr id="2" name="Title 1">
             <a:extLst>
               <a:ext uri="{FF2B5EF4-FFF2-40B4-BE49-F238E27FC236}">
-                <a16:creationId xmlns:a16="http://schemas.microsoft.com/office/drawing/2014/main" xmlns="" id="{10EFDA4B-9E13-4203-9A13-3714C919FC3D}"/>
+                <a16:creationId xmlns:a16="http://schemas.microsoft.com/office/drawing/2014/main" id="{10EFDA4B-9E13-4203-9A13-3714C919FC3D}"/>
               </a:ext>
             </a:extLst>
           </p:cNvPr>
@@ -24478,7 +24442,7 @@
           <p:cNvPr id="3" name="Text Placeholder 2">
             <a:extLst>
               <a:ext uri="{FF2B5EF4-FFF2-40B4-BE49-F238E27FC236}">
-                <a16:creationId xmlns:a16="http://schemas.microsoft.com/office/drawing/2014/main" xmlns="" id="{5CE9D76F-8831-42B5-9EAD-9D62E22AE6F9}"/>
+                <a16:creationId xmlns:a16="http://schemas.microsoft.com/office/drawing/2014/main" id="{5CE9D76F-8831-42B5-9EAD-9D62E22AE6F9}"/>
               </a:ext>
             </a:extLst>
           </p:cNvPr>
@@ -25140,7 +25104,7 @@
           <p:cNvPr id="5" name="Footer Placeholder 4">
             <a:extLst>
               <a:ext uri="{FF2B5EF4-FFF2-40B4-BE49-F238E27FC236}">
-                <a16:creationId xmlns:a16="http://schemas.microsoft.com/office/drawing/2014/main" xmlns="" id="{41056D4C-AB05-44AE-B5C1-2909AF9C11AD}"/>
+                <a16:creationId xmlns:a16="http://schemas.microsoft.com/office/drawing/2014/main" id="{41056D4C-AB05-44AE-B5C1-2909AF9C11AD}"/>
               </a:ext>
             </a:extLst>
           </p:cNvPr>
@@ -25172,7 +25136,7 @@
           <p:cNvPr id="4" name="Date Placeholder 3">
             <a:extLst>
               <a:ext uri="{FF2B5EF4-FFF2-40B4-BE49-F238E27FC236}">
-                <a16:creationId xmlns:a16="http://schemas.microsoft.com/office/drawing/2014/main" xmlns="" id="{393AC59C-DDD7-405F-BC65-1CC8F624C15D}"/>
+                <a16:creationId xmlns:a16="http://schemas.microsoft.com/office/drawing/2014/main" id="{393AC59C-DDD7-405F-BC65-1CC8F624C15D}"/>
               </a:ext>
             </a:extLst>
           </p:cNvPr>
@@ -25204,7 +25168,7 @@
           <p:cNvPr id="6" name="Slide Number Placeholder 5">
             <a:extLst>
               <a:ext uri="{FF2B5EF4-FFF2-40B4-BE49-F238E27FC236}">
-                <a16:creationId xmlns:a16="http://schemas.microsoft.com/office/drawing/2014/main" xmlns="" id="{81B93BFF-52BD-475F-B01F-39081CA5C518}"/>
+                <a16:creationId xmlns:a16="http://schemas.microsoft.com/office/drawing/2014/main" id="{81B93BFF-52BD-475F-B01F-39081CA5C518}"/>
               </a:ext>
             </a:extLst>
           </p:cNvPr>
@@ -25293,7 +25257,7 @@
           <p:cNvPr id="2" name="Title 1">
             <a:extLst>
               <a:ext uri="{FF2B5EF4-FFF2-40B4-BE49-F238E27FC236}">
-                <a16:creationId xmlns:a16="http://schemas.microsoft.com/office/drawing/2014/main" xmlns="" id="{DE22E98F-6804-415E-AC96-7B8F9BF9BC0C}"/>
+                <a16:creationId xmlns:a16="http://schemas.microsoft.com/office/drawing/2014/main" id="{DE22E98F-6804-415E-AC96-7B8F9BF9BC0C}"/>
               </a:ext>
             </a:extLst>
           </p:cNvPr>
@@ -25342,7 +25306,7 @@
           <p:cNvPr id="3" name="Text Placeholder 2">
             <a:extLst>
               <a:ext uri="{FF2B5EF4-FFF2-40B4-BE49-F238E27FC236}">
-                <a16:creationId xmlns:a16="http://schemas.microsoft.com/office/drawing/2014/main" xmlns="" id="{2DD3C0DF-4FDF-49ED-B09A-B1996F1897FC}"/>
+                <a16:creationId xmlns:a16="http://schemas.microsoft.com/office/drawing/2014/main" id="{2DD3C0DF-4FDF-49ED-B09A-B1996F1897FC}"/>
               </a:ext>
             </a:extLst>
           </p:cNvPr>
@@ -26577,7 +26541,7 @@
           <p:cNvPr id="5" name="Footer Placeholder 4">
             <a:extLst>
               <a:ext uri="{FF2B5EF4-FFF2-40B4-BE49-F238E27FC236}">
-                <a16:creationId xmlns:a16="http://schemas.microsoft.com/office/drawing/2014/main" xmlns="" id="{A20CD020-DAAF-4F85-BD95-702883C700A7}"/>
+                <a16:creationId xmlns:a16="http://schemas.microsoft.com/office/drawing/2014/main" id="{A20CD020-DAAF-4F85-BD95-702883C700A7}"/>
               </a:ext>
             </a:extLst>
           </p:cNvPr>
@@ -26609,7 +26573,7 @@
           <p:cNvPr id="4" name="Date Placeholder 3">
             <a:extLst>
               <a:ext uri="{FF2B5EF4-FFF2-40B4-BE49-F238E27FC236}">
-                <a16:creationId xmlns:a16="http://schemas.microsoft.com/office/drawing/2014/main" xmlns="" id="{84268867-B607-435A-B6D0-AC0D06C4C1DE}"/>
+                <a16:creationId xmlns:a16="http://schemas.microsoft.com/office/drawing/2014/main" id="{84268867-B607-435A-B6D0-AC0D06C4C1DE}"/>
               </a:ext>
             </a:extLst>
           </p:cNvPr>
@@ -26641,7 +26605,7 @@
           <p:cNvPr id="6" name="Slide Number Placeholder 5">
             <a:extLst>
               <a:ext uri="{FF2B5EF4-FFF2-40B4-BE49-F238E27FC236}">
-                <a16:creationId xmlns:a16="http://schemas.microsoft.com/office/drawing/2014/main" xmlns="" id="{0F59361F-391B-4A5A-BCF3-98180F59C2AA}"/>
+                <a16:creationId xmlns:a16="http://schemas.microsoft.com/office/drawing/2014/main" id="{0F59361F-391B-4A5A-BCF3-98180F59C2AA}"/>
               </a:ext>
             </a:extLst>
           </p:cNvPr>
@@ -26730,7 +26694,7 @@
           <p:cNvPr id="2" name="Title 1">
             <a:extLst>
               <a:ext uri="{FF2B5EF4-FFF2-40B4-BE49-F238E27FC236}">
-                <a16:creationId xmlns:a16="http://schemas.microsoft.com/office/drawing/2014/main" xmlns="" id="{F71FC918-730F-4B2D-8DE5-563B754A4478}"/>
+                <a16:creationId xmlns:a16="http://schemas.microsoft.com/office/drawing/2014/main" id="{F71FC918-730F-4B2D-8DE5-563B754A4478}"/>
               </a:ext>
             </a:extLst>
           </p:cNvPr>
@@ -26779,7 +26743,7 @@
           <p:cNvPr id="3" name="Text Placeholder 2">
             <a:extLst>
               <a:ext uri="{FF2B5EF4-FFF2-40B4-BE49-F238E27FC236}">
-                <a16:creationId xmlns:a16="http://schemas.microsoft.com/office/drawing/2014/main" xmlns="" id="{B28CA22F-1A59-48F5-9141-45F55BFCA761}"/>
+                <a16:creationId xmlns:a16="http://schemas.microsoft.com/office/drawing/2014/main" id="{B28CA22F-1A59-48F5-9141-45F55BFCA761}"/>
               </a:ext>
             </a:extLst>
           </p:cNvPr>
@@ -27681,7 +27645,7 @@
           <p:cNvPr id="5" name="Footer Placeholder 4">
             <a:extLst>
               <a:ext uri="{FF2B5EF4-FFF2-40B4-BE49-F238E27FC236}">
-                <a16:creationId xmlns:a16="http://schemas.microsoft.com/office/drawing/2014/main" xmlns="" id="{15B30119-DB6D-4B24-948C-4FC47BD2231B}"/>
+                <a16:creationId xmlns:a16="http://schemas.microsoft.com/office/drawing/2014/main" id="{15B30119-DB6D-4B24-948C-4FC47BD2231B}"/>
               </a:ext>
             </a:extLst>
           </p:cNvPr>
@@ -27713,7 +27677,7 @@
           <p:cNvPr id="4" name="Date Placeholder 3">
             <a:extLst>
               <a:ext uri="{FF2B5EF4-FFF2-40B4-BE49-F238E27FC236}">
-                <a16:creationId xmlns:a16="http://schemas.microsoft.com/office/drawing/2014/main" xmlns="" id="{C238FB13-E818-468A-B28B-9A4121662AA9}"/>
+                <a16:creationId xmlns:a16="http://schemas.microsoft.com/office/drawing/2014/main" id="{C238FB13-E818-468A-B28B-9A4121662AA9}"/>
               </a:ext>
             </a:extLst>
           </p:cNvPr>
@@ -27745,7 +27709,7 @@
           <p:cNvPr id="6" name="Slide Number Placeholder 5">
             <a:extLst>
               <a:ext uri="{FF2B5EF4-FFF2-40B4-BE49-F238E27FC236}">
-                <a16:creationId xmlns:a16="http://schemas.microsoft.com/office/drawing/2014/main" xmlns="" id="{81A84064-EF54-4EBF-B71D-E862348100C3}"/>
+                <a16:creationId xmlns:a16="http://schemas.microsoft.com/office/drawing/2014/main" id="{81A84064-EF54-4EBF-B71D-E862348100C3}"/>
               </a:ext>
             </a:extLst>
           </p:cNvPr>
@@ -27834,7 +27798,7 @@
           <p:cNvPr id="2" name="Title 1">
             <a:extLst>
               <a:ext uri="{FF2B5EF4-FFF2-40B4-BE49-F238E27FC236}">
-                <a16:creationId xmlns:a16="http://schemas.microsoft.com/office/drawing/2014/main" xmlns="" id="{B30968B8-7542-48FB-8E4B-321ED459E273}"/>
+                <a16:creationId xmlns:a16="http://schemas.microsoft.com/office/drawing/2014/main" id="{B30968B8-7542-48FB-8E4B-321ED459E273}"/>
               </a:ext>
             </a:extLst>
           </p:cNvPr>
@@ -27880,7 +27844,7 @@
           <p:cNvPr id="7" name="Content Placeholder 6" descr="Read the exercise description" title="Web page screenshot">
             <a:extLst>
               <a:ext uri="{FF2B5EF4-FFF2-40B4-BE49-F238E27FC236}">
-                <a16:creationId xmlns:a16="http://schemas.microsoft.com/office/drawing/2014/main" xmlns="" id="{9CE65E42-1777-465F-96CD-7C1E7E55627E}"/>
+                <a16:creationId xmlns:a16="http://schemas.microsoft.com/office/drawing/2014/main" id="{9CE65E42-1777-465F-96CD-7C1E7E55627E}"/>
               </a:ext>
             </a:extLst>
           </p:cNvPr>
@@ -27923,7 +27887,7 @@
           <p:cNvPr id="5" name="Footer Placeholder 4">
             <a:extLst>
               <a:ext uri="{FF2B5EF4-FFF2-40B4-BE49-F238E27FC236}">
-                <a16:creationId xmlns:a16="http://schemas.microsoft.com/office/drawing/2014/main" xmlns="" id="{1ABB899F-806C-43F1-9C30-E46ABC5573F4}"/>
+                <a16:creationId xmlns:a16="http://schemas.microsoft.com/office/drawing/2014/main" id="{1ABB899F-806C-43F1-9C30-E46ABC5573F4}"/>
               </a:ext>
             </a:extLst>
           </p:cNvPr>
@@ -27955,7 +27919,7 @@
           <p:cNvPr id="4" name="Date Placeholder 3">
             <a:extLst>
               <a:ext uri="{FF2B5EF4-FFF2-40B4-BE49-F238E27FC236}">
-                <a16:creationId xmlns:a16="http://schemas.microsoft.com/office/drawing/2014/main" xmlns="" id="{6CDF0C90-2914-49F4-816C-7038379F709D}"/>
+                <a16:creationId xmlns:a16="http://schemas.microsoft.com/office/drawing/2014/main" id="{6CDF0C90-2914-49F4-816C-7038379F709D}"/>
               </a:ext>
             </a:extLst>
           </p:cNvPr>
@@ -27987,7 +27951,7 @@
           <p:cNvPr id="6" name="Slide Number Placeholder 5">
             <a:extLst>
               <a:ext uri="{FF2B5EF4-FFF2-40B4-BE49-F238E27FC236}">
-                <a16:creationId xmlns:a16="http://schemas.microsoft.com/office/drawing/2014/main" xmlns="" id="{7ABE3274-656E-4CB6-B067-A9FEB7383C5C}"/>
+                <a16:creationId xmlns:a16="http://schemas.microsoft.com/office/drawing/2014/main" id="{7ABE3274-656E-4CB6-B067-A9FEB7383C5C}"/>
               </a:ext>
             </a:extLst>
           </p:cNvPr>
@@ -28076,7 +28040,7 @@
           <p:cNvPr id="2" name="Title 1">
             <a:extLst>
               <a:ext uri="{FF2B5EF4-FFF2-40B4-BE49-F238E27FC236}">
-                <a16:creationId xmlns:a16="http://schemas.microsoft.com/office/drawing/2014/main" xmlns="" id="{E8E20335-31A7-45A4-85F5-88C2AA3EE218}"/>
+                <a16:creationId xmlns:a16="http://schemas.microsoft.com/office/drawing/2014/main" id="{E8E20335-31A7-45A4-85F5-88C2AA3EE218}"/>
               </a:ext>
             </a:extLst>
           </p:cNvPr>
@@ -28122,7 +28086,7 @@
           <p:cNvPr id="7" name="Content Placeholder 6" descr="Read the exercise description" title="Web page screenshot">
             <a:extLst>
               <a:ext uri="{FF2B5EF4-FFF2-40B4-BE49-F238E27FC236}">
-                <a16:creationId xmlns:a16="http://schemas.microsoft.com/office/drawing/2014/main" xmlns="" id="{099E2C99-AB4D-499E-AF2C-A2C457EA5C13}"/>
+                <a16:creationId xmlns:a16="http://schemas.microsoft.com/office/drawing/2014/main" id="{099E2C99-AB4D-499E-AF2C-A2C457EA5C13}"/>
               </a:ext>
             </a:extLst>
           </p:cNvPr>
@@ -28160,7 +28124,7 @@
           <p:cNvPr id="5" name="Footer Placeholder 4">
             <a:extLst>
               <a:ext uri="{FF2B5EF4-FFF2-40B4-BE49-F238E27FC236}">
-                <a16:creationId xmlns:a16="http://schemas.microsoft.com/office/drawing/2014/main" xmlns="" id="{6961DE6E-369C-4183-955F-D4B660C86A9A}"/>
+                <a16:creationId xmlns:a16="http://schemas.microsoft.com/office/drawing/2014/main" id="{6961DE6E-369C-4183-955F-D4B660C86A9A}"/>
               </a:ext>
             </a:extLst>
           </p:cNvPr>
@@ -28192,7 +28156,7 @@
           <p:cNvPr id="4" name="Date Placeholder 3">
             <a:extLst>
               <a:ext uri="{FF2B5EF4-FFF2-40B4-BE49-F238E27FC236}">
-                <a16:creationId xmlns:a16="http://schemas.microsoft.com/office/drawing/2014/main" xmlns="" id="{07FCA873-3937-42FC-90B6-017300E6BDE6}"/>
+                <a16:creationId xmlns:a16="http://schemas.microsoft.com/office/drawing/2014/main" id="{07FCA873-3937-42FC-90B6-017300E6BDE6}"/>
               </a:ext>
             </a:extLst>
           </p:cNvPr>
@@ -28224,7 +28188,7 @@
           <p:cNvPr id="6" name="Slide Number Placeholder 5">
             <a:extLst>
               <a:ext uri="{FF2B5EF4-FFF2-40B4-BE49-F238E27FC236}">
-                <a16:creationId xmlns:a16="http://schemas.microsoft.com/office/drawing/2014/main" xmlns="" id="{7425E9C3-0631-451A-92A8-25C10C26D7D4}"/>
+                <a16:creationId xmlns:a16="http://schemas.microsoft.com/office/drawing/2014/main" id="{7425E9C3-0631-451A-92A8-25C10C26D7D4}"/>
               </a:ext>
             </a:extLst>
           </p:cNvPr>
@@ -28282,6 +28246,407 @@
     <p:extLst>
       <p:ext uri="{BB962C8B-B14F-4D97-AF65-F5344CB8AC3E}">
         <p14:creationId xmlns:p14="http://schemas.microsoft.com/office/powerpoint/2010/main" val="2835819312"/>
+      </p:ext>
+    </p:extLst>
+  </p:cSld>
+  <p:clrMapOvr>
+    <a:masterClrMapping/>
+  </p:clrMapOvr>
+</p:sld>
+</file>
+
+<file path=ppt/slides/slide58.xml><?xml version="1.0" encoding="utf-8"?>
+<p:sld xmlns:a="http://schemas.openxmlformats.org/drawingml/2006/main" xmlns:r="http://schemas.openxmlformats.org/officeDocument/2006/relationships" xmlns:p="http://schemas.openxmlformats.org/presentationml/2006/main">
+  <p:cSld>
+    <p:spTree>
+      <p:nvGrpSpPr>
+        <p:cNvPr id="1" name=""/>
+        <p:cNvGrpSpPr/>
+        <p:nvPr/>
+      </p:nvGrpSpPr>
+      <p:grpSpPr>
+        <a:xfrm>
+          <a:off x="0" y="0"/>
+          <a:ext cx="0" cy="0"/>
+          <a:chOff x="0" y="0"/>
+          <a:chExt cx="0" cy="0"/>
+        </a:xfrm>
+      </p:grpSpPr>
+      <p:sp>
+        <p:nvSpPr>
+          <p:cNvPr id="2" name="Title 1">
+            <a:extLst>
+              <a:ext uri="{FF2B5EF4-FFF2-40B4-BE49-F238E27FC236}">
+                <a16:creationId xmlns:a16="http://schemas.microsoft.com/office/drawing/2014/main" id="{FD171A4C-77D8-4D7A-B0B1-F0E906252D7F}"/>
+              </a:ext>
+            </a:extLst>
+          </p:cNvPr>
+          <p:cNvSpPr>
+            <a:spLocks noGrp="1"/>
+          </p:cNvSpPr>
+          <p:nvPr>
+            <p:ph type="title"/>
+          </p:nvPr>
+        </p:nvSpPr>
+        <p:spPr>
+          <a:xfrm>
+            <a:off x="838200" y="577334"/>
+            <a:ext cx="7315200" cy="369332"/>
+          </a:xfrm>
+        </p:spPr>
+        <p:txBody>
+          <a:bodyPr/>
+          <a:lstStyle/>
+          <a:p>
+            <a:pPr marL="0" marR="0">
+              <a:spcBef>
+                <a:spcPts val="0"/>
+              </a:spcBef>
+              <a:spcAft>
+                <a:spcPts val="600"/>
+              </a:spcAft>
+              <a:tabLst>
+                <a:tab pos="1371600" algn="l"/>
+              </a:tabLst>
+            </a:pPr>
+            <a:r>
+              <a:rPr lang="en-US" dirty="0">
+                <a:latin typeface="Arial" panose="020B0604020202020204" pitchFamily="34" charset="0"/>
+                <a:ea typeface="Times New Roman" panose="02020603050405020304" pitchFamily="18" charset="0"/>
+                <a:cs typeface="Times New Roman" panose="02020603050405020304" pitchFamily="18" charset="0"/>
+              </a:rPr>
+              <a:t>Objectives</a:t>
+            </a:r>
+            <a:endParaRPr lang="en-US" dirty="0"/>
+          </a:p>
+        </p:txBody>
+      </p:sp>
+      <p:sp>
+        <p:nvSpPr>
+          <p:cNvPr id="3" name="Text Placeholder 2">
+            <a:extLst>
+              <a:ext uri="{FF2B5EF4-FFF2-40B4-BE49-F238E27FC236}">
+                <a16:creationId xmlns:a16="http://schemas.microsoft.com/office/drawing/2014/main" id="{E74AD5DD-C463-4DD4-AD7C-77F43AA97336}"/>
+              </a:ext>
+            </a:extLst>
+          </p:cNvPr>
+          <p:cNvSpPr>
+            <a:spLocks noGrp="1"/>
+          </p:cNvSpPr>
+          <p:nvPr>
+            <p:ph type="body" sz="quarter" idx="13"/>
+          </p:nvPr>
+        </p:nvSpPr>
+        <p:spPr/>
+        <p:txBody>
+          <a:bodyPr/>
+          <a:lstStyle/>
+          <a:p>
+            <a:pPr>
+              <a:spcBef>
+                <a:spcPts val="1500"/>
+              </a:spcBef>
+              <a:spcAft>
+                <a:spcPts val="600"/>
+              </a:spcAft>
+              <a:tabLst>
+                <a:tab pos="1371600" algn="l"/>
+              </a:tabLst>
+            </a:pPr>
+            <a:r>
+              <a:rPr lang="en-US" b="1" dirty="0">
+                <a:latin typeface="Arial" panose="020B0604020202020204" pitchFamily="34" charset="0"/>
+                <a:ea typeface="Times New Roman" panose="02020603050405020304" pitchFamily="18" charset="0"/>
+                <a:cs typeface="Times New Roman" panose="02020603050405020304" pitchFamily="18" charset="0"/>
+              </a:rPr>
+              <a:t>Applied</a:t>
+            </a:r>
+          </a:p>
+          <a:p>
+            <a:pPr marL="342900" marR="0" lvl="0" indent="-342900">
+              <a:spcBef>
+                <a:spcPts val="0"/>
+              </a:spcBef>
+              <a:spcAft>
+                <a:spcPts val="600"/>
+              </a:spcAft>
+              <a:buFont typeface="+mj-lt"/>
+              <a:buAutoNum type="arabicPeriod"/>
+              <a:tabLst>
+                <a:tab pos="347345" algn="l"/>
+              </a:tabLst>
+            </a:pPr>
+            <a:r>
+              <a:rPr lang="en-US" sz="1800" dirty="0">
+                <a:latin typeface="Times New Roman" panose="02020603050405020304" pitchFamily="18" charset="0"/>
+                <a:ea typeface="Times New Roman" panose="02020603050405020304" pitchFamily="18" charset="0"/>
+              </a:rPr>
+              <a:t>Create links and lists in all their variations with HTML and with CSS.</a:t>
+            </a:r>
+          </a:p>
+          <a:p>
+            <a:pPr>
+              <a:spcBef>
+                <a:spcPts val="1500"/>
+              </a:spcBef>
+              <a:spcAft>
+                <a:spcPts val="600"/>
+              </a:spcAft>
+              <a:tabLst>
+                <a:tab pos="1371600" algn="l"/>
+              </a:tabLst>
+            </a:pPr>
+            <a:r>
+              <a:rPr lang="en-US" b="1" dirty="0">
+                <a:latin typeface="Arial" panose="020B0604020202020204" pitchFamily="34" charset="0"/>
+                <a:ea typeface="Times New Roman" panose="02020603050405020304" pitchFamily="18" charset="0"/>
+                <a:cs typeface="Times New Roman" panose="02020603050405020304" pitchFamily="18" charset="0"/>
+              </a:rPr>
+              <a:t>Knowledge</a:t>
+            </a:r>
+          </a:p>
+          <a:p>
+            <a:pPr marL="342900" marR="0" lvl="0" indent="-342900">
+              <a:spcBef>
+                <a:spcPts val="0"/>
+              </a:spcBef>
+              <a:spcAft>
+                <a:spcPts val="600"/>
+              </a:spcAft>
+              <a:buFont typeface="+mj-lt"/>
+              <a:buAutoNum type="arabicPeriod"/>
+              <a:tabLst>
+                <a:tab pos="347345" algn="l"/>
+              </a:tabLst>
+            </a:pPr>
+            <a:r>
+              <a:rPr lang="en-US" sz="1800" dirty="0">
+                <a:latin typeface="Times New Roman" panose="02020603050405020304" pitchFamily="18" charset="0"/>
+                <a:ea typeface="Times New Roman" panose="02020603050405020304" pitchFamily="18" charset="0"/>
+              </a:rPr>
+              <a:t>Name and describe the three types of HTML lists.</a:t>
+            </a:r>
+          </a:p>
+          <a:p>
+            <a:pPr marL="342900" marR="0" lvl="0" indent="-342900">
+              <a:spcBef>
+                <a:spcPts val="0"/>
+              </a:spcBef>
+              <a:spcAft>
+                <a:spcPts val="600"/>
+              </a:spcAft>
+              <a:buFont typeface="+mj-lt"/>
+              <a:buAutoNum type="arabicPeriod"/>
+              <a:tabLst>
+                <a:tab pos="347345" algn="l"/>
+              </a:tabLst>
+            </a:pPr>
+            <a:r>
+              <a:rPr lang="en-US" sz="1800" dirty="0">
+                <a:latin typeface="Times New Roman" panose="02020603050405020304" pitchFamily="18" charset="0"/>
+                <a:ea typeface="Times New Roman" panose="02020603050405020304" pitchFamily="18" charset="0"/>
+              </a:rPr>
+              <a:t>Describe the use of &lt;a&gt; elements for linking to another web page, opening another web page in a new browser window, linking to placeholders on the same page, linking to media files, starting an email message, calling a phone number, or starting a Skype session.</a:t>
+            </a:r>
+          </a:p>
+          <a:p>
+            <a:pPr marL="342900" marR="0" lvl="0" indent="-342900">
+              <a:spcBef>
+                <a:spcPts val="0"/>
+              </a:spcBef>
+              <a:spcAft>
+                <a:spcPts val="600"/>
+              </a:spcAft>
+              <a:buFont typeface="+mj-lt"/>
+              <a:buAutoNum type="arabicPeriod"/>
+              <a:tabLst>
+                <a:tab pos="347345" algn="l"/>
+              </a:tabLst>
+            </a:pPr>
+            <a:r>
+              <a:rPr lang="en-US" sz="1800" dirty="0">
+                <a:latin typeface="Times New Roman" panose="02020603050405020304" pitchFamily="18" charset="0"/>
+                <a:ea typeface="Times New Roman" panose="02020603050405020304" pitchFamily="18" charset="0"/>
+              </a:rPr>
+              <a:t>Describe the use of unordered lists and &lt;a&gt; elements for the creation of navigation lists and navigation menus, including 2- and 3-tier menus.</a:t>
+            </a:r>
+          </a:p>
+          <a:p>
+            <a:pPr marL="342900" marR="0" lvl="0" indent="-342900">
+              <a:spcBef>
+                <a:spcPts val="0"/>
+              </a:spcBef>
+              <a:spcAft>
+                <a:spcPts val="600"/>
+              </a:spcAft>
+              <a:buFont typeface="+mj-lt"/>
+              <a:buAutoNum type="arabicPeriod"/>
+              <a:tabLst>
+                <a:tab pos="347345" algn="l"/>
+              </a:tabLst>
+            </a:pPr>
+            <a:r>
+              <a:rPr lang="en-US" sz="1800" dirty="0">
+                <a:latin typeface="Times New Roman" panose="02020603050405020304" pitchFamily="18" charset="0"/>
+                <a:ea typeface="Times New Roman" panose="02020603050405020304" pitchFamily="18" charset="0"/>
+              </a:rPr>
+              <a:t>Describe the use of these pseudo-classes for formatting links: :link, :visited, :hover, and :focus.</a:t>
+            </a:r>
+          </a:p>
+          <a:p>
+            <a:pPr marL="342900" indent="-342900">
+              <a:spcBef>
+                <a:spcPts val="0"/>
+              </a:spcBef>
+              <a:spcAft>
+                <a:spcPts val="600"/>
+              </a:spcAft>
+              <a:buFont typeface="+mj-lt"/>
+              <a:buAutoNum type="arabicPeriod"/>
+              <a:tabLst>
+                <a:tab pos="347345" algn="l"/>
+              </a:tabLst>
+            </a:pPr>
+            <a:r>
+              <a:rPr lang="en-US" sz="1800" dirty="0">
+                <a:latin typeface="Times New Roman" panose="02020603050405020304" pitchFamily="18" charset="0"/>
+                <a:ea typeface="Times New Roman" panose="02020603050405020304" pitchFamily="18" charset="0"/>
+              </a:rPr>
+              <a:t>Describe the use of these CSS properties for formatting links: text-decoration and border.</a:t>
+            </a:r>
+          </a:p>
+          <a:p>
+            <a:endParaRPr lang="en-US" dirty="0"/>
+          </a:p>
+        </p:txBody>
+      </p:sp>
+      <p:sp>
+        <p:nvSpPr>
+          <p:cNvPr id="5" name="Footer Placeholder 4">
+            <a:extLst>
+              <a:ext uri="{FF2B5EF4-FFF2-40B4-BE49-F238E27FC236}">
+                <a16:creationId xmlns:a16="http://schemas.microsoft.com/office/drawing/2014/main" id="{90791A25-EB3A-4CA7-9960-1FD6F6B3BB5C}"/>
+              </a:ext>
+            </a:extLst>
+          </p:cNvPr>
+          <p:cNvSpPr>
+            <a:spLocks noGrp="1"/>
+          </p:cNvSpPr>
+          <p:nvPr>
+            <p:ph type="ftr" sz="quarter" idx="15"/>
+          </p:nvPr>
+        </p:nvSpPr>
+        <p:spPr/>
+        <p:txBody>
+          <a:bodyPr/>
+          <a:lstStyle/>
+          <a:p>
+            <a:pPr>
+              <a:defRPr/>
+            </a:pPr>
+            <a:r>
+              <a:rPr lang="en-US"/>
+              <a:t>© 2018, Mike Murach &amp; Associates, Inc.</a:t>
+            </a:r>
+            <a:endParaRPr lang="en-US" dirty="0"/>
+          </a:p>
+        </p:txBody>
+      </p:sp>
+      <p:sp>
+        <p:nvSpPr>
+          <p:cNvPr id="4" name="Date Placeholder 3">
+            <a:extLst>
+              <a:ext uri="{FF2B5EF4-FFF2-40B4-BE49-F238E27FC236}">
+                <a16:creationId xmlns:a16="http://schemas.microsoft.com/office/drawing/2014/main" id="{614853B6-8F84-44E8-94E5-18FD0D2C4AF4}"/>
+              </a:ext>
+            </a:extLst>
+          </p:cNvPr>
+          <p:cNvSpPr>
+            <a:spLocks noGrp="1"/>
+          </p:cNvSpPr>
+          <p:nvPr>
+            <p:ph type="dt" sz="half" idx="14"/>
+          </p:nvPr>
+        </p:nvSpPr>
+        <p:spPr/>
+        <p:txBody>
+          <a:bodyPr/>
+          <a:lstStyle/>
+          <a:p>
+            <a:pPr>
+              <a:defRPr/>
+            </a:pPr>
+            <a:r>
+              <a:rPr lang="en-US"/>
+              <a:t>Murach's HTML and CSS, 4th Edition</a:t>
+            </a:r>
+            <a:endParaRPr lang="en-US" dirty="0"/>
+          </a:p>
+        </p:txBody>
+      </p:sp>
+      <p:sp>
+        <p:nvSpPr>
+          <p:cNvPr id="6" name="Slide Number Placeholder 5">
+            <a:extLst>
+              <a:ext uri="{FF2B5EF4-FFF2-40B4-BE49-F238E27FC236}">
+                <a16:creationId xmlns:a16="http://schemas.microsoft.com/office/drawing/2014/main" id="{D1F6FE66-D3D4-4909-9219-91362D51F8A9}"/>
+              </a:ext>
+            </a:extLst>
+          </p:cNvPr>
+          <p:cNvSpPr>
+            <a:spLocks noGrp="1"/>
+          </p:cNvSpPr>
+          <p:nvPr>
+            <p:ph type="sldNum" sz="quarter" idx="16"/>
+          </p:nvPr>
+        </p:nvSpPr>
+        <p:spPr/>
+        <p:txBody>
+          <a:bodyPr/>
+          <a:lstStyle/>
+          <a:p>
+            <a:pPr algn="l">
+              <a:defRPr/>
+            </a:pPr>
+            <a:endParaRPr lang="en-US" sz="1400" dirty="0">
+              <a:latin typeface="Times New Roman"/>
+            </a:endParaRPr>
+          </a:p>
+          <a:p>
+            <a:pPr>
+              <a:defRPr/>
+            </a:pPr>
+            <a:r>
+              <a:rPr lang="en-US" dirty="0">
+                <a:solidFill>
+                  <a:schemeClr val="bg1"/>
+                </a:solidFill>
+              </a:rPr>
+              <a:t>C7, Slide </a:t>
+            </a:r>
+            <a:fld id="{BF5C1183-B085-4070-A402-C03A3F977D3D}" type="slidenum">
+              <a:rPr lang="en-US" smtClean="0">
+                <a:solidFill>
+                  <a:schemeClr val="bg1"/>
+                </a:solidFill>
+              </a:rPr>
+              <a:pPr>
+                <a:defRPr/>
+              </a:pPr>
+              <a:t>58</a:t>
+            </a:fld>
+            <a:endParaRPr lang="en-US" dirty="0">
+              <a:solidFill>
+                <a:schemeClr val="bg1"/>
+              </a:solidFill>
+            </a:endParaRPr>
+          </a:p>
+        </p:txBody>
+      </p:sp>
+    </p:spTree>
+    <p:extLst>
+      <p:ext uri="{BB962C8B-B14F-4D97-AF65-F5344CB8AC3E}">
+        <p14:creationId xmlns:p14="http://schemas.microsoft.com/office/powerpoint/2010/main" val="2639843841"/>
       </p:ext>
     </p:extLst>
   </p:cSld>
@@ -28313,7 +28678,7 @@
           <p:cNvPr id="2" name="Title 1">
             <a:extLst>
               <a:ext uri="{FF2B5EF4-FFF2-40B4-BE49-F238E27FC236}">
-                <a16:creationId xmlns:a16="http://schemas.microsoft.com/office/drawing/2014/main" xmlns="" id="{927686AD-4854-40FD-B9BB-804FA91B6B7C}"/>
+                <a16:creationId xmlns:a16="http://schemas.microsoft.com/office/drawing/2014/main" id="{927686AD-4854-40FD-B9BB-804FA91B6B7C}"/>
               </a:ext>
             </a:extLst>
           </p:cNvPr>
@@ -28362,7 +28727,7 @@
           <p:cNvPr id="7" name="Content Placeholder 6" descr="See page 242 in book" title="See slide title">
             <a:extLst>
               <a:ext uri="{FF2B5EF4-FFF2-40B4-BE49-F238E27FC236}">
-                <a16:creationId xmlns:a16="http://schemas.microsoft.com/office/drawing/2014/main" xmlns="" id="{9FB10C00-9D48-4E70-B1E8-7521760244BC}"/>
+                <a16:creationId xmlns:a16="http://schemas.microsoft.com/office/drawing/2014/main" id="{9FB10C00-9D48-4E70-B1E8-7521760244BC}"/>
               </a:ext>
             </a:extLst>
           </p:cNvPr>
@@ -28400,7 +28765,7 @@
           <p:cNvPr id="5" name="Footer Placeholder 4">
             <a:extLst>
               <a:ext uri="{FF2B5EF4-FFF2-40B4-BE49-F238E27FC236}">
-                <a16:creationId xmlns:a16="http://schemas.microsoft.com/office/drawing/2014/main" xmlns="" id="{8FBB6068-54E2-4DD9-BB2F-8EDE9EF3FC53}"/>
+                <a16:creationId xmlns:a16="http://schemas.microsoft.com/office/drawing/2014/main" id="{8FBB6068-54E2-4DD9-BB2F-8EDE9EF3FC53}"/>
               </a:ext>
             </a:extLst>
           </p:cNvPr>
@@ -28432,7 +28797,7 @@
           <p:cNvPr id="4" name="Date Placeholder 3">
             <a:extLst>
               <a:ext uri="{FF2B5EF4-FFF2-40B4-BE49-F238E27FC236}">
-                <a16:creationId xmlns:a16="http://schemas.microsoft.com/office/drawing/2014/main" xmlns="" id="{E1F0C6D1-42F5-44CB-840A-D821CE902BED}"/>
+                <a16:creationId xmlns:a16="http://schemas.microsoft.com/office/drawing/2014/main" id="{E1F0C6D1-42F5-44CB-840A-D821CE902BED}"/>
               </a:ext>
             </a:extLst>
           </p:cNvPr>
@@ -28464,7 +28829,7 @@
           <p:cNvPr id="6" name="Slide Number Placeholder 5">
             <a:extLst>
               <a:ext uri="{FF2B5EF4-FFF2-40B4-BE49-F238E27FC236}">
-                <a16:creationId xmlns:a16="http://schemas.microsoft.com/office/drawing/2014/main" xmlns="" id="{C4037779-E9FF-4F9C-AA5B-FFC204E486F4}"/>
+                <a16:creationId xmlns:a16="http://schemas.microsoft.com/office/drawing/2014/main" id="{C4037779-E9FF-4F9C-AA5B-FFC204E486F4}"/>
               </a:ext>
             </a:extLst>
           </p:cNvPr>
@@ -28553,7 +28918,7 @@
           <p:cNvPr id="2" name="Title 1">
             <a:extLst>
               <a:ext uri="{FF2B5EF4-FFF2-40B4-BE49-F238E27FC236}">
-                <a16:creationId xmlns:a16="http://schemas.microsoft.com/office/drawing/2014/main" xmlns="" id="{9BC936EC-2D36-4AF8-8EC0-5C18DDC641D6}"/>
+                <a16:creationId xmlns:a16="http://schemas.microsoft.com/office/drawing/2014/main" id="{9BC936EC-2D36-4AF8-8EC0-5C18DDC641D6}"/>
               </a:ext>
             </a:extLst>
           </p:cNvPr>
@@ -28602,7 +28967,7 @@
           <p:cNvPr id="3" name="Text Placeholder 2">
             <a:extLst>
               <a:ext uri="{FF2B5EF4-FFF2-40B4-BE49-F238E27FC236}">
-                <a16:creationId xmlns:a16="http://schemas.microsoft.com/office/drawing/2014/main" xmlns="" id="{EB9610FD-2268-48AF-BDFC-C92FE775D0A1}"/>
+                <a16:creationId xmlns:a16="http://schemas.microsoft.com/office/drawing/2014/main" id="{EB9610FD-2268-48AF-BDFC-C92FE775D0A1}"/>
               </a:ext>
             </a:extLst>
           </p:cNvPr>
@@ -29080,7 +29445,7 @@
           <p:cNvPr id="5" name="Footer Placeholder 4">
             <a:extLst>
               <a:ext uri="{FF2B5EF4-FFF2-40B4-BE49-F238E27FC236}">
-                <a16:creationId xmlns:a16="http://schemas.microsoft.com/office/drawing/2014/main" xmlns="" id="{EC0694AD-6790-4499-B138-7349EDE69415}"/>
+                <a16:creationId xmlns:a16="http://schemas.microsoft.com/office/drawing/2014/main" id="{EC0694AD-6790-4499-B138-7349EDE69415}"/>
               </a:ext>
             </a:extLst>
           </p:cNvPr>
@@ -29112,7 +29477,7 @@
           <p:cNvPr id="4" name="Date Placeholder 3">
             <a:extLst>
               <a:ext uri="{FF2B5EF4-FFF2-40B4-BE49-F238E27FC236}">
-                <a16:creationId xmlns:a16="http://schemas.microsoft.com/office/drawing/2014/main" xmlns="" id="{50BE9375-3AF3-4235-A6AE-1A614A26DFD5}"/>
+                <a16:creationId xmlns:a16="http://schemas.microsoft.com/office/drawing/2014/main" id="{50BE9375-3AF3-4235-A6AE-1A614A26DFD5}"/>
               </a:ext>
             </a:extLst>
           </p:cNvPr>
@@ -29144,7 +29509,7 @@
           <p:cNvPr id="6" name="Slide Number Placeholder 5">
             <a:extLst>
               <a:ext uri="{FF2B5EF4-FFF2-40B4-BE49-F238E27FC236}">
-                <a16:creationId xmlns:a16="http://schemas.microsoft.com/office/drawing/2014/main" xmlns="" id="{0F61565E-6217-4F1C-8762-B1D6ADA296C7}"/>
+                <a16:creationId xmlns:a16="http://schemas.microsoft.com/office/drawing/2014/main" id="{0F61565E-6217-4F1C-8762-B1D6ADA296C7}"/>
               </a:ext>
             </a:extLst>
           </p:cNvPr>
@@ -29233,7 +29598,7 @@
           <p:cNvPr id="2" name="Title 1">
             <a:extLst>
               <a:ext uri="{FF2B5EF4-FFF2-40B4-BE49-F238E27FC236}">
-                <a16:creationId xmlns:a16="http://schemas.microsoft.com/office/drawing/2014/main" xmlns="" id="{4E110EF2-5D6B-4ECE-8A1C-7F3872A24EB2}"/>
+                <a16:creationId xmlns:a16="http://schemas.microsoft.com/office/drawing/2014/main" id="{4E110EF2-5D6B-4ECE-8A1C-7F3872A24EB2}"/>
               </a:ext>
             </a:extLst>
           </p:cNvPr>
@@ -29282,7 +29647,7 @@
           <p:cNvPr id="7" name="Content Placeholder 6" descr="See page 244 in book" title="See slide title">
             <a:extLst>
               <a:ext uri="{FF2B5EF4-FFF2-40B4-BE49-F238E27FC236}">
-                <a16:creationId xmlns:a16="http://schemas.microsoft.com/office/drawing/2014/main" xmlns="" id="{9020F197-8D37-4412-925B-7C3B194AD8B4}"/>
+                <a16:creationId xmlns:a16="http://schemas.microsoft.com/office/drawing/2014/main" id="{9020F197-8D37-4412-925B-7C3B194AD8B4}"/>
               </a:ext>
             </a:extLst>
           </p:cNvPr>
@@ -29320,7 +29685,7 @@
           <p:cNvPr id="5" name="Footer Placeholder 4">
             <a:extLst>
               <a:ext uri="{FF2B5EF4-FFF2-40B4-BE49-F238E27FC236}">
-                <a16:creationId xmlns:a16="http://schemas.microsoft.com/office/drawing/2014/main" xmlns="" id="{27F2AB63-85B6-4727-99E0-F8BBC18E121A}"/>
+                <a16:creationId xmlns:a16="http://schemas.microsoft.com/office/drawing/2014/main" id="{27F2AB63-85B6-4727-99E0-F8BBC18E121A}"/>
               </a:ext>
             </a:extLst>
           </p:cNvPr>
@@ -29352,7 +29717,7 @@
           <p:cNvPr id="4" name="Date Placeholder 3">
             <a:extLst>
               <a:ext uri="{FF2B5EF4-FFF2-40B4-BE49-F238E27FC236}">
-                <a16:creationId xmlns:a16="http://schemas.microsoft.com/office/drawing/2014/main" xmlns="" id="{D3B9E07D-3ACA-4DB2-9D1B-D22F62B4F807}"/>
+                <a16:creationId xmlns:a16="http://schemas.microsoft.com/office/drawing/2014/main" id="{D3B9E07D-3ACA-4DB2-9D1B-D22F62B4F807}"/>
               </a:ext>
             </a:extLst>
           </p:cNvPr>
@@ -29384,7 +29749,7 @@
           <p:cNvPr id="6" name="Slide Number Placeholder 5">
             <a:extLst>
               <a:ext uri="{FF2B5EF4-FFF2-40B4-BE49-F238E27FC236}">
-                <a16:creationId xmlns:a16="http://schemas.microsoft.com/office/drawing/2014/main" xmlns="" id="{2519A61E-E444-4824-A799-F2E5C303F8C6}"/>
+                <a16:creationId xmlns:a16="http://schemas.microsoft.com/office/drawing/2014/main" id="{2519A61E-E444-4824-A799-F2E5C303F8C6}"/>
               </a:ext>
             </a:extLst>
           </p:cNvPr>
@@ -29473,7 +29838,7 @@
           <p:cNvPr id="2" name="Title 1">
             <a:extLst>
               <a:ext uri="{FF2B5EF4-FFF2-40B4-BE49-F238E27FC236}">
-                <a16:creationId xmlns:a16="http://schemas.microsoft.com/office/drawing/2014/main" xmlns="" id="{61A1071B-1C52-4953-A548-4836A0743F5A}"/>
+                <a16:creationId xmlns:a16="http://schemas.microsoft.com/office/drawing/2014/main" id="{61A1071B-1C52-4953-A548-4836A0743F5A}"/>
               </a:ext>
             </a:extLst>
           </p:cNvPr>
@@ -29522,7 +29887,7 @@
           <p:cNvPr id="3" name="Text Placeholder 2">
             <a:extLst>
               <a:ext uri="{FF2B5EF4-FFF2-40B4-BE49-F238E27FC236}">
-                <a16:creationId xmlns:a16="http://schemas.microsoft.com/office/drawing/2014/main" xmlns="" id="{FD59D8D5-BD14-4680-807A-3FF8C3E9CB28}"/>
+                <a16:creationId xmlns:a16="http://schemas.microsoft.com/office/drawing/2014/main" id="{FD59D8D5-BD14-4680-807A-3FF8C3E9CB28}"/>
               </a:ext>
             </a:extLst>
           </p:cNvPr>
@@ -30230,7 +30595,7 @@
           <p:cNvPr id="5" name="Footer Placeholder 4">
             <a:extLst>
               <a:ext uri="{FF2B5EF4-FFF2-40B4-BE49-F238E27FC236}">
-                <a16:creationId xmlns:a16="http://schemas.microsoft.com/office/drawing/2014/main" xmlns="" id="{5C5C4360-A167-448B-8ADA-D429F1D473EF}"/>
+                <a16:creationId xmlns:a16="http://schemas.microsoft.com/office/drawing/2014/main" id="{5C5C4360-A167-448B-8ADA-D429F1D473EF}"/>
               </a:ext>
             </a:extLst>
           </p:cNvPr>
@@ -30262,7 +30627,7 @@
           <p:cNvPr id="4" name="Date Placeholder 3">
             <a:extLst>
               <a:ext uri="{FF2B5EF4-FFF2-40B4-BE49-F238E27FC236}">
-                <a16:creationId xmlns:a16="http://schemas.microsoft.com/office/drawing/2014/main" xmlns="" id="{B7255A07-B2D4-40AB-B21A-94F60A6A6A43}"/>
+                <a16:creationId xmlns:a16="http://schemas.microsoft.com/office/drawing/2014/main" id="{B7255A07-B2D4-40AB-B21A-94F60A6A6A43}"/>
               </a:ext>
             </a:extLst>
           </p:cNvPr>
@@ -30294,7 +30659,7 @@
           <p:cNvPr id="6" name="Slide Number Placeholder 5">
             <a:extLst>
               <a:ext uri="{FF2B5EF4-FFF2-40B4-BE49-F238E27FC236}">
-                <a16:creationId xmlns:a16="http://schemas.microsoft.com/office/drawing/2014/main" xmlns="" id="{1A7F73FC-5B9F-4606-8DA4-39389C8A5AEB}"/>
+                <a16:creationId xmlns:a16="http://schemas.microsoft.com/office/drawing/2014/main" id="{1A7F73FC-5B9F-4606-8DA4-39389C8A5AEB}"/>
               </a:ext>
             </a:extLst>
           </p:cNvPr>

--- a/murach_html_4e/slides/Chapter 7 slides (Revised).pptx
+++ b/murach_html_4e/slides/Chapter 7 slides (Revised).pptx
@@ -381,7 +381,7 @@
               <a:pPr>
                 <a:defRPr/>
               </a:pPr>
-              <a:t>6/16/2020</a:t>
+              <a:t>6/17/2020</a:t>
             </a:fld>
             <a:endParaRPr lang="en-US"/>
           </a:p>
@@ -22882,10 +22882,10 @@
                 <a:ea typeface="Times New Roman" panose="02020603050405020304" pitchFamily="18" charset="0"/>
                 <a:cs typeface="Times New Roman" panose="02020603050405020304" pitchFamily="18" charset="0"/>
               </a:rPr>
-              <a:t>nav_menu</a:t>
-            </a:r>
-            <a:r>
-              <a:rPr lang="en-US" sz="1600" b="1" dirty="0">
+              <a:t>nav</a:t>
+            </a:r>
+            <a:r>
+              <a:rPr lang="en-US" sz="1600" b="1" err="1">
                 <a:highlight>
                   <a:srgbClr val="FFFFFF"/>
                 </a:highlight>
@@ -22893,7 +22893,18 @@
                 <a:ea typeface="Times New Roman" panose="02020603050405020304" pitchFamily="18" charset="0"/>
                 <a:cs typeface="Times New Roman" panose="02020603050405020304" pitchFamily="18" charset="0"/>
               </a:rPr>
-              <a:t> </a:t>
+              <a:t>_</a:t>
+            </a:r>
+            <a:r>
+              <a:rPr lang="en-US" sz="1600" b="1">
+                <a:highlight>
+                  <a:srgbClr val="FFFFFF"/>
+                </a:highlight>
+                <a:latin typeface="Courier New" panose="02070309020205020404" pitchFamily="49" charset="0"/>
+                <a:ea typeface="Times New Roman" panose="02020603050405020304" pitchFamily="18" charset="0"/>
+                <a:cs typeface="Times New Roman" panose="02020603050405020304" pitchFamily="18" charset="0"/>
+              </a:rPr>
+              <a:t>menu_3 </a:t>
             </a:r>
             <a:r>
               <a:rPr lang="en-US" sz="1600" b="1" dirty="0" err="1">
@@ -24902,7 +24913,7 @@
                 <a:ea typeface="Times New Roman" panose="02020603050405020304" pitchFamily="18" charset="0"/>
                 <a:cs typeface="Times New Roman" panose="02020603050405020304" pitchFamily="18" charset="0"/>
               </a:rPr>
-              <a:t>li { float</a:t>
+              <a:t>li { display: block; float</a:t>
             </a:r>
             <a:r>
               <a:rPr lang="en-US" sz="1400" b="1" dirty="0">
@@ -25877,7 +25888,7 @@
                 <a:ea typeface="Times New Roman" panose="02020603050405020304" pitchFamily="18" charset="0"/>
                 <a:cs typeface="Times New Roman" panose="02020603050405020304" pitchFamily="18" charset="0"/>
               </a:rPr>
-              <a:t>#nav_menu_3 ul { list-style: none; }</a:t>
+              <a:t>#nav_menu ul li a {</a:t>
             </a:r>
           </a:p>
           <a:p>
@@ -25898,7 +25909,7 @@
                 <a:ea typeface="Times New Roman" panose="02020603050405020304" pitchFamily="18" charset="0"/>
                 <a:cs typeface="Times New Roman" panose="02020603050405020304" pitchFamily="18" charset="0"/>
               </a:rPr>
-              <a:t>#nav_menu_3 ul li { display: block; float: left; }</a:t>
+              <a:t>    display: block;</a:t>
             </a:r>
           </a:p>
           <a:p>
@@ -25919,7 +25930,7 @@
                 <a:ea typeface="Times New Roman" panose="02020603050405020304" pitchFamily="18" charset="0"/>
                 <a:cs typeface="Times New Roman" panose="02020603050405020304" pitchFamily="18" charset="0"/>
               </a:rPr>
-              <a:t>#nav_menu_3 ul li a {</a:t>
+              <a:t>    width: 175px;</a:t>
             </a:r>
           </a:p>
           <a:p>
@@ -25940,7 +25951,7 @@
                 <a:ea typeface="Times New Roman" panose="02020603050405020304" pitchFamily="18" charset="0"/>
                 <a:cs typeface="Times New Roman" panose="02020603050405020304" pitchFamily="18" charset="0"/>
               </a:rPr>
-              <a:t>    display: block;</a:t>
+              <a:t>    text-align: center; </a:t>
             </a:r>
           </a:p>
           <a:p>
@@ -25961,7 +25972,7 @@
                 <a:ea typeface="Times New Roman" panose="02020603050405020304" pitchFamily="18" charset="0"/>
                 <a:cs typeface="Times New Roman" panose="02020603050405020304" pitchFamily="18" charset="0"/>
               </a:rPr>
-              <a:t>    width: 175px;</a:t>
+              <a:t>    text-decoration: none;</a:t>
             </a:r>
           </a:p>
           <a:p>
@@ -25982,7 +25993,7 @@
                 <a:ea typeface="Times New Roman" panose="02020603050405020304" pitchFamily="18" charset="0"/>
                 <a:cs typeface="Times New Roman" panose="02020603050405020304" pitchFamily="18" charset="0"/>
               </a:rPr>
-              <a:t>    text-align: center; </a:t>
+              <a:t>    background-color: blue;</a:t>
             </a:r>
           </a:p>
           <a:p>
@@ -26003,7 +26014,7 @@
                 <a:ea typeface="Times New Roman" panose="02020603050405020304" pitchFamily="18" charset="0"/>
                 <a:cs typeface="Times New Roman" panose="02020603050405020304" pitchFamily="18" charset="0"/>
               </a:rPr>
-              <a:t>    text-decoration: none;</a:t>
+              <a:t>    color: white;</a:t>
             </a:r>
           </a:p>
           <a:p>
@@ -26024,7 +26035,7 @@
                 <a:ea typeface="Times New Roman" panose="02020603050405020304" pitchFamily="18" charset="0"/>
                 <a:cs typeface="Times New Roman" panose="02020603050405020304" pitchFamily="18" charset="0"/>
               </a:rPr>
-              <a:t>    background-color: blue;</a:t>
+              <a:t>}</a:t>
             </a:r>
           </a:p>
           <a:p>
@@ -26039,35 +26050,11 @@
                 <a:tab pos="1371600" algn="l"/>
               </a:tabLst>
             </a:pPr>
-            <a:r>
-              <a:rPr lang="en-US" sz="1400" b="1">
-                <a:latin typeface="Courier New" panose="02070309020205020404" pitchFamily="49" charset="0"/>
-                <a:ea typeface="Times New Roman" panose="02020603050405020304" pitchFamily="18" charset="0"/>
-                <a:cs typeface="Times New Roman" panose="02020603050405020304" pitchFamily="18" charset="0"/>
-              </a:rPr>
-              <a:t>    color: white;</a:t>
-            </a:r>
-          </a:p>
-          <a:p>
-            <a:pPr marR="0">
-              <a:spcBef>
-                <a:spcPts val="0"/>
-              </a:spcBef>
-              <a:spcAft>
-                <a:spcPts val="0"/>
-              </a:spcAft>
-              <a:tabLst>
-                <a:tab pos="1371600" algn="l"/>
-              </a:tabLst>
-            </a:pPr>
-            <a:r>
-              <a:rPr lang="en-US" sz="1400" b="1">
-                <a:latin typeface="Courier New" panose="02070309020205020404" pitchFamily="49" charset="0"/>
-                <a:ea typeface="Times New Roman" panose="02020603050405020304" pitchFamily="18" charset="0"/>
-                <a:cs typeface="Times New Roman" panose="02020603050405020304" pitchFamily="18" charset="0"/>
-              </a:rPr>
-              <a:t>}</a:t>
-            </a:r>
+            <a:endParaRPr lang="en-US" sz="1400" b="1">
+              <a:latin typeface="Courier New" panose="02070309020205020404" pitchFamily="49" charset="0"/>
+              <a:ea typeface="Times New Roman" panose="02020603050405020304" pitchFamily="18" charset="0"/>
+              <a:cs typeface="Times New Roman" panose="02020603050405020304" pitchFamily="18" charset="0"/>
+            </a:endParaRPr>
           </a:p>
           <a:p>
             <a:pPr marR="0">

--- a/murach_html_4e/slides/Chapter 7 slides (Revised).pptx
+++ b/murach_html_4e/slides/Chapter 7 slides (Revised).pptx
@@ -5,10 +5,10 @@
     <p:sldMasterId id="2147483669" r:id="rId1"/>
   </p:sldMasterIdLst>
   <p:notesMasterIdLst>
-    <p:notesMasterId r:id="rId54"/>
+    <p:notesMasterId r:id="rId55"/>
   </p:notesMasterIdLst>
   <p:handoutMasterIdLst>
-    <p:handoutMasterId r:id="rId55"/>
+    <p:handoutMasterId r:id="rId56"/>
   </p:handoutMasterIdLst>
   <p:sldIdLst>
     <p:sldId id="256" r:id="rId2"/>
@@ -63,6 +63,7 @@
     <p:sldId id="309" r:id="rId51"/>
     <p:sldId id="310" r:id="rId52"/>
     <p:sldId id="314" r:id="rId53"/>
+    <p:sldId id="322" r:id="rId54"/>
   </p:sldIdLst>
   <p:sldSz cx="9144000" cy="6858000" type="screen4x3"/>
   <p:notesSz cx="7010400" cy="9296400"/>
@@ -30065,6 +30066,244 @@
     <p:extLst>
       <p:ext uri="{BB962C8B-B14F-4D97-AF65-F5344CB8AC3E}">
         <p14:creationId xmlns:p14="http://schemas.microsoft.com/office/powerpoint/2010/main" val="1599739048"/>
+      </p:ext>
+    </p:extLst>
+  </p:cSld>
+  <p:clrMapOvr>
+    <a:masterClrMapping/>
+  </p:clrMapOvr>
+</p:sld>
+</file>
+
+<file path=ppt/slides/slide53.xml><?xml version="1.0" encoding="utf-8"?>
+<p:sld xmlns:a="http://schemas.openxmlformats.org/drawingml/2006/main" xmlns:r="http://schemas.openxmlformats.org/officeDocument/2006/relationships" xmlns:p="http://schemas.openxmlformats.org/presentationml/2006/main">
+  <p:cSld>
+    <p:spTree>
+      <p:nvGrpSpPr>
+        <p:cNvPr id="1" name=""/>
+        <p:cNvGrpSpPr/>
+        <p:nvPr/>
+      </p:nvGrpSpPr>
+      <p:grpSpPr>
+        <a:xfrm>
+          <a:off x="0" y="0"/>
+          <a:ext cx="0" cy="0"/>
+          <a:chOff x="0" y="0"/>
+          <a:chExt cx="0" cy="0"/>
+        </a:xfrm>
+      </p:grpSpPr>
+      <p:sp>
+        <p:nvSpPr>
+          <p:cNvPr id="2" name="Title 1">
+            <a:extLst>
+              <a:ext uri="{FF2B5EF4-FFF2-40B4-BE49-F238E27FC236}">
+                <a16:creationId xmlns:a16="http://schemas.microsoft.com/office/drawing/2014/main" id="{ED7252AE-FA2E-4E58-B391-A15BE3EEC3E1}"/>
+              </a:ext>
+            </a:extLst>
+          </p:cNvPr>
+          <p:cNvSpPr>
+            <a:spLocks noGrp="1"/>
+          </p:cNvSpPr>
+          <p:nvPr>
+            <p:ph type="title"/>
+          </p:nvPr>
+        </p:nvSpPr>
+        <p:spPr/>
+        <p:txBody>
+          <a:bodyPr/>
+          <a:lstStyle/>
+          <a:p>
+            <a:pPr marL="0" marR="0">
+              <a:spcBef>
+                <a:spcPts val="0"/>
+              </a:spcBef>
+              <a:spcAft>
+                <a:spcPts val="600"/>
+              </a:spcAft>
+              <a:tabLst>
+                <a:tab pos="1371600" algn="l"/>
+              </a:tabLst>
+            </a:pPr>
+            <a:r>
+              <a:rPr lang="en-US">
+                <a:latin typeface="Arial" panose="020B0604020202020204" pitchFamily="34" charset="0"/>
+                <a:ea typeface="Times New Roman" panose="02020603050405020304" pitchFamily="18" charset="0"/>
+                <a:cs typeface="Times New Roman" panose="02020603050405020304" pitchFamily="18" charset="0"/>
+              </a:rPr>
+              <a:t>Assignments</a:t>
+            </a:r>
+            <a:endParaRPr lang="en-US" dirty="0"/>
+          </a:p>
+        </p:txBody>
+      </p:sp>
+      <p:sp>
+        <p:nvSpPr>
+          <p:cNvPr id="3" name="Text Placeholder 2">
+            <a:extLst>
+              <a:ext uri="{FF2B5EF4-FFF2-40B4-BE49-F238E27FC236}">
+                <a16:creationId xmlns:a16="http://schemas.microsoft.com/office/drawing/2014/main" id="{A5EF7789-4C3D-477D-B4CF-99DF20746072}"/>
+              </a:ext>
+            </a:extLst>
+          </p:cNvPr>
+          <p:cNvSpPr>
+            <a:spLocks noGrp="1"/>
+          </p:cNvSpPr>
+          <p:nvPr>
+            <p:ph type="body" sz="quarter" idx="13"/>
+          </p:nvPr>
+        </p:nvSpPr>
+        <p:spPr/>
+        <p:txBody>
+          <a:bodyPr anchor="ctr"/>
+          <a:lstStyle/>
+          <a:p>
+            <a:pPr algn="ctr"/>
+            <a:r>
+              <a:rPr lang="en-US" sz="3200"/>
+              <a:t>Reading assignments on Perusall</a:t>
+            </a:r>
+          </a:p>
+          <a:p>
+            <a:pPr algn="ctr"/>
+            <a:endParaRPr lang="en-US" sz="3200"/>
+          </a:p>
+          <a:p>
+            <a:pPr algn="ctr"/>
+            <a:r>
+              <a:rPr lang="en-US" sz="3200"/>
+              <a:t>Homework and Labs on InsideRanken</a:t>
+            </a:r>
+            <a:endParaRPr lang="en-US" sz="3200" dirty="0"/>
+          </a:p>
+        </p:txBody>
+      </p:sp>
+      <p:sp>
+        <p:nvSpPr>
+          <p:cNvPr id="4" name="Date Placeholder 3">
+            <a:extLst>
+              <a:ext uri="{FF2B5EF4-FFF2-40B4-BE49-F238E27FC236}">
+                <a16:creationId xmlns:a16="http://schemas.microsoft.com/office/drawing/2014/main" id="{81473463-BB85-42FA-8837-C86737525827}"/>
+              </a:ext>
+            </a:extLst>
+          </p:cNvPr>
+          <p:cNvSpPr>
+            <a:spLocks noGrp="1"/>
+          </p:cNvSpPr>
+          <p:nvPr>
+            <p:ph type="dt" sz="half" idx="14"/>
+          </p:nvPr>
+        </p:nvSpPr>
+        <p:spPr/>
+        <p:txBody>
+          <a:bodyPr/>
+          <a:lstStyle/>
+          <a:p>
+            <a:pPr>
+              <a:defRPr/>
+            </a:pPr>
+            <a:r>
+              <a:rPr lang="en-US"/>
+              <a:t>Murach's HTML and CSS, 4th Edition</a:t>
+            </a:r>
+            <a:endParaRPr lang="en-US" dirty="0"/>
+          </a:p>
+        </p:txBody>
+      </p:sp>
+      <p:sp>
+        <p:nvSpPr>
+          <p:cNvPr id="5" name="Footer Placeholder 4">
+            <a:extLst>
+              <a:ext uri="{FF2B5EF4-FFF2-40B4-BE49-F238E27FC236}">
+                <a16:creationId xmlns:a16="http://schemas.microsoft.com/office/drawing/2014/main" id="{18C45EC9-CFAA-4E64-AB28-567C018826E3}"/>
+              </a:ext>
+            </a:extLst>
+          </p:cNvPr>
+          <p:cNvSpPr>
+            <a:spLocks noGrp="1"/>
+          </p:cNvSpPr>
+          <p:nvPr>
+            <p:ph type="ftr" sz="quarter" idx="15"/>
+          </p:nvPr>
+        </p:nvSpPr>
+        <p:spPr/>
+        <p:txBody>
+          <a:bodyPr/>
+          <a:lstStyle/>
+          <a:p>
+            <a:pPr>
+              <a:defRPr/>
+            </a:pPr>
+            <a:r>
+              <a:rPr lang="en-US"/>
+              <a:t>© 2018, Mike Murach &amp; Associates, Inc.</a:t>
+            </a:r>
+            <a:endParaRPr lang="en-US" dirty="0"/>
+          </a:p>
+        </p:txBody>
+      </p:sp>
+      <p:sp>
+        <p:nvSpPr>
+          <p:cNvPr id="6" name="Slide Number Placeholder 5">
+            <a:extLst>
+              <a:ext uri="{FF2B5EF4-FFF2-40B4-BE49-F238E27FC236}">
+                <a16:creationId xmlns:a16="http://schemas.microsoft.com/office/drawing/2014/main" id="{D54283AA-0BB0-4D43-B198-DEEA3857E135}"/>
+              </a:ext>
+            </a:extLst>
+          </p:cNvPr>
+          <p:cNvSpPr>
+            <a:spLocks noGrp="1"/>
+          </p:cNvSpPr>
+          <p:nvPr>
+            <p:ph type="sldNum" sz="quarter" idx="16"/>
+          </p:nvPr>
+        </p:nvSpPr>
+        <p:spPr/>
+        <p:txBody>
+          <a:bodyPr/>
+          <a:lstStyle/>
+          <a:p>
+            <a:pPr algn="l">
+              <a:defRPr/>
+            </a:pPr>
+            <a:endParaRPr lang="en-US" sz="1400" dirty="0">
+              <a:latin typeface="Times New Roman"/>
+            </a:endParaRPr>
+          </a:p>
+          <a:p>
+            <a:pPr>
+              <a:defRPr/>
+            </a:pPr>
+            <a:r>
+              <a:rPr lang="en-US" dirty="0">
+                <a:solidFill>
+                  <a:schemeClr val="bg1"/>
+                </a:solidFill>
+              </a:rPr>
+              <a:t>C1, Slide </a:t>
+            </a:r>
+            <a:fld id="{BF5C1183-B085-4070-A402-C03A3F977D3D}" type="slidenum">
+              <a:rPr lang="en-US" smtClean="0">
+                <a:solidFill>
+                  <a:schemeClr val="bg1"/>
+                </a:solidFill>
+              </a:rPr>
+              <a:pPr>
+                <a:defRPr/>
+              </a:pPr>
+              <a:t>53</a:t>
+            </a:fld>
+            <a:endParaRPr lang="en-US" dirty="0">
+              <a:solidFill>
+                <a:schemeClr val="bg1"/>
+              </a:solidFill>
+            </a:endParaRPr>
+          </a:p>
+        </p:txBody>
+      </p:sp>
+    </p:spTree>
+    <p:extLst>
+      <p:ext uri="{BB962C8B-B14F-4D97-AF65-F5344CB8AC3E}">
+        <p14:creationId xmlns:p14="http://schemas.microsoft.com/office/powerpoint/2010/main" val="1776199089"/>
       </p:ext>
     </p:extLst>
   </p:cSld>
